--- a/Class 4.pptx
+++ b/Class 4.pptx
@@ -19,31 +19,55 @@
     <p:sldId id="268" r:id="rId13"/>
     <p:sldId id="269" r:id="rId14"/>
     <p:sldId id="271" r:id="rId15"/>
-    <p:sldId id="277" r:id="rId16"/>
-    <p:sldId id="278" r:id="rId17"/>
-    <p:sldId id="272" r:id="rId18"/>
-    <p:sldId id="273" r:id="rId19"/>
-    <p:sldId id="274" r:id="rId20"/>
-    <p:sldId id="275" r:id="rId21"/>
-    <p:sldId id="276" r:id="rId22"/>
+    <p:sldId id="278" r:id="rId16"/>
+    <p:sldId id="272" r:id="rId17"/>
+    <p:sldId id="273" r:id="rId18"/>
+    <p:sldId id="274" r:id="rId19"/>
+    <p:sldId id="275" r:id="rId20"/>
+    <p:sldId id="276" r:id="rId21"/>
+    <p:sldId id="280" r:id="rId22"/>
+    <p:sldId id="279" r:id="rId23"/>
+    <p:sldId id="281" r:id="rId24"/>
+    <p:sldId id="282" r:id="rId25"/>
+    <p:sldId id="283" r:id="rId26"/>
+    <p:sldId id="284" r:id="rId27"/>
+    <p:sldId id="285" r:id="rId28"/>
+    <p:sldId id="286" r:id="rId29"/>
+    <p:sldId id="287" r:id="rId30"/>
+    <p:sldId id="288" r:id="rId31"/>
+    <p:sldId id="289" r:id="rId32"/>
+    <p:sldId id="290" r:id="rId33"/>
+    <p:sldId id="291" r:id="rId34"/>
+    <p:sldId id="292" r:id="rId35"/>
+    <p:sldId id="293" r:id="rId36"/>
+    <p:sldId id="294" r:id="rId37"/>
+    <p:sldId id="295" r:id="rId38"/>
+    <p:sldId id="297" r:id="rId39"/>
+    <p:sldId id="296" r:id="rId40"/>
+    <p:sldId id="298" r:id="rId41"/>
+    <p:sldId id="300" r:id="rId42"/>
+    <p:sldId id="299" r:id="rId43"/>
+    <p:sldId id="302" r:id="rId44"/>
+    <p:sldId id="301" r:id="rId45"/>
+    <p:sldId id="304" r:id="rId46"/>
   </p:sldIdLst>
   <p:sldSz cx="12192000" cy="6858000"/>
   <p:notesSz cx="6858000" cy="9144000"/>
   <p:embeddedFontLst>
     <p:embeddedFont>
-      <p:font typeface="源流明體 SB" panose="02020600000000000000" pitchFamily="18" charset="-120"/>
-      <p:bold r:id="rId23"/>
-    </p:embeddedFont>
-    <p:embeddedFont>
       <p:font typeface="Consolas" panose="020B0609020204030204" pitchFamily="49" charset="0"/>
-      <p:regular r:id="rId24"/>
-      <p:bold r:id="rId25"/>
-      <p:italic r:id="rId26"/>
-      <p:boldItalic r:id="rId27"/>
+      <p:regular r:id="rId47"/>
+      <p:bold r:id="rId48"/>
+      <p:italic r:id="rId49"/>
+      <p:boldItalic r:id="rId50"/>
     </p:embeddedFont>
     <p:embeddedFont>
       <p:font typeface="Wingdings 2" panose="05020102010507070707" pitchFamily="18" charset="2"/>
-      <p:regular r:id="rId28"/>
+      <p:regular r:id="rId51"/>
+    </p:embeddedFont>
+    <p:embeddedFont>
+      <p:font typeface="源流明體 SB" panose="02020600000000000000" pitchFamily="18" charset="-120"/>
+      <p:bold r:id="rId52"/>
     </p:embeddedFont>
   </p:embeddedFontLst>
   <p:defaultTextStyle>
@@ -328,7 +352,7 @@
           <a:p>
             <a:fld id="{5BBD40F8-868B-42D9-86AD-BC59E6FB5EF5}" type="datetimeFigureOut">
               <a:rPr lang="zh-TW" altLang="en-US" smtClean="0"/>
-              <a:t>2022/10/3</a:t>
+              <a:t>2022/10/4</a:t>
             </a:fld>
             <a:endParaRPr lang="zh-TW" altLang="en-US"/>
           </a:p>
@@ -556,7 +580,7 @@
           <a:p>
             <a:fld id="{5BBD40F8-868B-42D9-86AD-BC59E6FB5EF5}" type="datetimeFigureOut">
               <a:rPr lang="zh-TW" altLang="en-US" smtClean="0"/>
-              <a:t>2022/10/3</a:t>
+              <a:t>2022/10/4</a:t>
             </a:fld>
             <a:endParaRPr lang="zh-TW" altLang="en-US"/>
           </a:p>
@@ -736,7 +760,7 @@
           <a:p>
             <a:fld id="{5BBD40F8-868B-42D9-86AD-BC59E6FB5EF5}" type="datetimeFigureOut">
               <a:rPr lang="zh-TW" altLang="en-US" smtClean="0"/>
-              <a:t>2022/10/3</a:t>
+              <a:t>2022/10/4</a:t>
             </a:fld>
             <a:endParaRPr lang="zh-TW" altLang="en-US"/>
           </a:p>
@@ -906,7 +930,7 @@
           <a:p>
             <a:fld id="{5BBD40F8-868B-42D9-86AD-BC59E6FB5EF5}" type="datetimeFigureOut">
               <a:rPr lang="zh-TW" altLang="en-US" smtClean="0"/>
-              <a:t>2022/10/3</a:t>
+              <a:t>2022/10/4</a:t>
             </a:fld>
             <a:endParaRPr lang="zh-TW" altLang="en-US"/>
           </a:p>
@@ -1160,7 +1184,7 @@
           <a:p>
             <a:fld id="{5BBD40F8-868B-42D9-86AD-BC59E6FB5EF5}" type="datetimeFigureOut">
               <a:rPr lang="zh-TW" altLang="en-US" smtClean="0"/>
-              <a:t>2022/10/3</a:t>
+              <a:t>2022/10/4</a:t>
             </a:fld>
             <a:endParaRPr lang="zh-TW" altLang="en-US"/>
           </a:p>
@@ -1486,7 +1510,7 @@
           <a:p>
             <a:fld id="{5BBD40F8-868B-42D9-86AD-BC59E6FB5EF5}" type="datetimeFigureOut">
               <a:rPr lang="zh-TW" altLang="en-US" smtClean="0"/>
-              <a:t>2022/10/3</a:t>
+              <a:t>2022/10/4</a:t>
             </a:fld>
             <a:endParaRPr lang="zh-TW" altLang="en-US"/>
           </a:p>
@@ -1937,7 +1961,7 @@
           <a:p>
             <a:fld id="{5BBD40F8-868B-42D9-86AD-BC59E6FB5EF5}" type="datetimeFigureOut">
               <a:rPr lang="zh-TW" altLang="en-US" smtClean="0"/>
-              <a:t>2022/10/3</a:t>
+              <a:t>2022/10/4</a:t>
             </a:fld>
             <a:endParaRPr lang="zh-TW" altLang="en-US"/>
           </a:p>
@@ -2055,7 +2079,7 @@
           <a:p>
             <a:fld id="{5BBD40F8-868B-42D9-86AD-BC59E6FB5EF5}" type="datetimeFigureOut">
               <a:rPr lang="zh-TW" altLang="en-US" smtClean="0"/>
-              <a:t>2022/10/3</a:t>
+              <a:t>2022/10/4</a:t>
             </a:fld>
             <a:endParaRPr lang="zh-TW" altLang="en-US"/>
           </a:p>
@@ -2150,7 +2174,7 @@
           <a:p>
             <a:fld id="{5BBD40F8-868B-42D9-86AD-BC59E6FB5EF5}" type="datetimeFigureOut">
               <a:rPr lang="zh-TW" altLang="en-US" smtClean="0"/>
-              <a:t>2022/10/3</a:t>
+              <a:t>2022/10/4</a:t>
             </a:fld>
             <a:endParaRPr lang="zh-TW" altLang="en-US"/>
           </a:p>
@@ -2437,7 +2461,7 @@
           <a:p>
             <a:fld id="{5BBD40F8-868B-42D9-86AD-BC59E6FB5EF5}" type="datetimeFigureOut">
               <a:rPr lang="zh-TW" altLang="en-US" smtClean="0"/>
-              <a:t>2022/10/3</a:t>
+              <a:t>2022/10/4</a:t>
             </a:fld>
             <a:endParaRPr lang="zh-TW" altLang="en-US"/>
           </a:p>
@@ -2759,7 +2783,7 @@
           <a:p>
             <a:fld id="{5BBD40F8-868B-42D9-86AD-BC59E6FB5EF5}" type="datetimeFigureOut">
               <a:rPr lang="zh-TW" altLang="en-US" smtClean="0"/>
-              <a:t>2022/10/3</a:t>
+              <a:t>2022/10/4</a:t>
             </a:fld>
             <a:endParaRPr lang="zh-TW" altLang="en-US"/>
           </a:p>
@@ -3013,7 +3037,7 @@
           <a:p>
             <a:fld id="{5BBD40F8-868B-42D9-86AD-BC59E6FB5EF5}" type="datetimeFigureOut">
               <a:rPr lang="zh-TW" altLang="en-US" smtClean="0"/>
-              <a:t>2022/10/3</a:t>
+              <a:t>2022/10/4</a:t>
             </a:fld>
             <a:endParaRPr lang="zh-TW" altLang="en-US"/>
           </a:p>
@@ -8634,6 +8658,12 @@
             <a:pPr marL="0" indent="0">
               <a:buNone/>
             </a:pPr>
+            <a:endParaRPr lang="en-US" altLang="zh-TW" sz="2800"/>
+          </a:p>
+          <a:p>
+            <a:pPr marL="0" indent="0">
+              <a:buNone/>
+            </a:pPr>
             <a:r>
               <a:rPr lang="en-US" altLang="zh-TW" sz="2800"/>
               <a:t>s = “Quan</a:t>
@@ -8698,7 +8728,27 @@
             </a:pPr>
             <a:r>
               <a:rPr lang="en-US" altLang="zh-TW" sz="2800"/>
-              <a:t>s = “q” + s[1:]</a:t>
+              <a:t>s = </a:t>
+            </a:r>
+            <a:r>
+              <a:rPr lang="en-US" altLang="zh-TW" sz="2800">
+                <a:solidFill>
+                  <a:srgbClr val="FF0000"/>
+                </a:solidFill>
+              </a:rPr>
+              <a:t>“q” </a:t>
+            </a:r>
+            <a:r>
+              <a:rPr lang="en-US" altLang="zh-TW" sz="2800"/>
+              <a:t>+</a:t>
+            </a:r>
+            <a:r>
+              <a:rPr lang="en-US" altLang="zh-TW" sz="2800">
+                <a:solidFill>
+                  <a:srgbClr val="FF0000"/>
+                </a:solidFill>
+              </a:rPr>
+              <a:t> s[1:]</a:t>
             </a:r>
           </a:p>
         </p:txBody>
@@ -8706,7 +8756,7 @@
     </p:spTree>
     <p:extLst>
       <p:ext uri="{BB962C8B-B14F-4D97-AF65-F5344CB8AC3E}">
-        <p14:creationId xmlns:p14="http://schemas.microsoft.com/office/powerpoint/2010/main" val="3183611143"/>
+        <p14:creationId xmlns:p14="http://schemas.microsoft.com/office/powerpoint/2010/main" val="1415446098"/>
       </p:ext>
     </p:extLst>
   </p:cSld>
@@ -8738,7 +8788,7 @@
           <p:cNvPr id="2" name="標題 1">
             <a:extLst>
               <a:ext uri="{FF2B5EF4-FFF2-40B4-BE49-F238E27FC236}">
-                <a16:creationId xmlns:a16="http://schemas.microsoft.com/office/drawing/2014/main" id="{C6A30B05-51EB-4B1A-B6DB-5B406B18C282}"/>
+                <a16:creationId xmlns:a16="http://schemas.microsoft.com/office/drawing/2014/main" id="{A792BA57-8DED-4FD8-B27F-EB15FA86FC7A}"/>
               </a:ext>
             </a:extLst>
           </p:cNvPr>
@@ -8756,8 +8806,13 @@
           <a:p>
             <a:r>
               <a:rPr lang="zh-TW" altLang="en-US"/>
-              <a:t>注意</a:t>
-            </a:r>
+              <a:t>字串長度 </a:t>
+            </a:r>
+            <a:r>
+              <a:rPr lang="en-US" altLang="zh-TW"/>
+              <a:t>len</a:t>
+            </a:r>
+            <a:endParaRPr lang="zh-TW" altLang="en-US"/>
           </a:p>
         </p:txBody>
       </p:sp>
@@ -8766,7 +8821,7 @@
           <p:cNvPr id="3" name="內容版面配置區 2">
             <a:extLst>
               <a:ext uri="{FF2B5EF4-FFF2-40B4-BE49-F238E27FC236}">
-                <a16:creationId xmlns:a16="http://schemas.microsoft.com/office/drawing/2014/main" id="{0C04E872-16C3-484E-9B84-6D01DF7573D2}"/>
+                <a16:creationId xmlns:a16="http://schemas.microsoft.com/office/drawing/2014/main" id="{EB113988-9E43-417B-B125-0602AA79D774}"/>
               </a:ext>
             </a:extLst>
           </p:cNvPr>
@@ -8777,7 +8832,12 @@
             <p:ph idx="1"/>
           </p:nvPr>
         </p:nvSpPr>
-        <p:spPr/>
+        <p:spPr>
+          <a:xfrm>
+            <a:off x="1261871" y="1828800"/>
+            <a:ext cx="9626261" cy="4351337"/>
+          </a:xfrm>
+        </p:spPr>
         <p:txBody>
           <a:bodyPr>
             <a:normAutofit/>
@@ -8787,91 +8847,64 @@
             <a:pPr marL="0" indent="0">
               <a:buNone/>
             </a:pPr>
-            <a:r>
-              <a:rPr lang="en-US" altLang="zh-TW" sz="2800"/>
-              <a:t>s = “Quan</a:t>
-            </a:r>
-            <a:r>
-              <a:rPr lang="zh-TW" altLang="en-US" sz="2800"/>
-              <a:t> </a:t>
-            </a:r>
-            <a:r>
-              <a:rPr lang="en-US" altLang="zh-TW" sz="2800"/>
-              <a:t>is</a:t>
-            </a:r>
-            <a:r>
-              <a:rPr lang="zh-TW" altLang="en-US" sz="2800"/>
-              <a:t> </a:t>
-            </a:r>
-            <a:r>
-              <a:rPr lang="en-US" altLang="zh-TW" sz="2800"/>
-              <a:t>handsome!”</a:t>
-            </a:r>
-          </a:p>
-          <a:p>
-            <a:pPr marL="0" indent="0">
-              <a:buNone/>
-            </a:pPr>
-            <a:r>
-              <a:rPr lang="en-US" altLang="zh-TW" sz="2800"/>
-              <a:t>s[0]</a:t>
-            </a:r>
-            <a:r>
-              <a:rPr lang="zh-TW" altLang="en-US" sz="2800"/>
-              <a:t> </a:t>
-            </a:r>
-            <a:r>
-              <a:rPr lang="en-US" altLang="zh-TW" sz="2800"/>
-              <a:t>=</a:t>
-            </a:r>
-            <a:r>
-              <a:rPr lang="zh-TW" altLang="en-US" sz="2800"/>
-              <a:t> </a:t>
-            </a:r>
-            <a:r>
-              <a:rPr lang="en-US" altLang="zh-TW" sz="2800"/>
-              <a:t>‘q’ </a:t>
-            </a:r>
-            <a:r>
-              <a:rPr lang="zh-TW" altLang="en-US" sz="2800"/>
+            <a:endParaRPr lang="en-US" altLang="zh-TW" sz="2400"/>
+          </a:p>
+          <a:p>
+            <a:pPr marL="0" indent="0">
+              <a:buNone/>
+            </a:pPr>
+            <a:r>
+              <a:rPr lang="en-US" altLang="zh-TW" sz="2400"/>
+              <a:t>len(str) </a:t>
+            </a:r>
+            <a:r>
+              <a:rPr lang="zh-TW" altLang="en-US" sz="2400"/>
               <a:t>→ </a:t>
             </a:r>
             <a:r>
-              <a:rPr lang="en-US" altLang="zh-TW" sz="2800">
+              <a:rPr lang="zh-TW" altLang="en-US" sz="2400">
                 <a:solidFill>
                   <a:srgbClr val="FF0000"/>
                 </a:solidFill>
               </a:rPr>
-              <a:t>Error</a:t>
-            </a:r>
-          </a:p>
-          <a:p>
-            <a:pPr marL="0" indent="0">
-              <a:buNone/>
-            </a:pPr>
-            <a:r>
-              <a:rPr lang="en-US" altLang="zh-TW" sz="2800"/>
-              <a:t>s = </a:t>
-            </a:r>
-            <a:r>
-              <a:rPr lang="en-US" altLang="zh-TW" sz="2800">
-                <a:solidFill>
-                  <a:srgbClr val="FF0000"/>
-                </a:solidFill>
-              </a:rPr>
-              <a:t>“q” </a:t>
-            </a:r>
-            <a:r>
-              <a:rPr lang="en-US" altLang="zh-TW" sz="2800"/>
-              <a:t>+</a:t>
-            </a:r>
-            <a:r>
-              <a:rPr lang="en-US" altLang="zh-TW" sz="2800">
-                <a:solidFill>
-                  <a:srgbClr val="FF0000"/>
-                </a:solidFill>
-              </a:rPr>
-              <a:t> s[1:]</a:t>
+              <a:t>回傳</a:t>
+            </a:r>
+            <a:r>
+              <a:rPr lang="zh-TW" altLang="en-US" sz="2400"/>
+              <a:t>字串長度</a:t>
+            </a:r>
+            <a:endParaRPr lang="en-US" altLang="zh-TW" sz="2400"/>
+          </a:p>
+          <a:p>
+            <a:pPr marL="0" indent="0">
+              <a:buNone/>
+            </a:pPr>
+            <a:endParaRPr lang="en-US" altLang="zh-TW" sz="2400"/>
+          </a:p>
+          <a:p>
+            <a:pPr marL="0" indent="0">
+              <a:buNone/>
+            </a:pPr>
+            <a:r>
+              <a:rPr lang="en-US" altLang="zh-TW" sz="2400"/>
+              <a:t>s = “0123456789”</a:t>
+            </a:r>
+          </a:p>
+          <a:p>
+            <a:pPr marL="0" indent="0">
+              <a:buNone/>
+            </a:pPr>
+            <a:r>
+              <a:rPr lang="en-US" altLang="zh-TW" sz="2400"/>
+              <a:t>len(s) </a:t>
+            </a:r>
+            <a:r>
+              <a:rPr lang="zh-TW" altLang="en-US" sz="2400"/>
+              <a:t>→ </a:t>
+            </a:r>
+            <a:r>
+              <a:rPr lang="en-US" altLang="zh-TW" sz="2400"/>
+              <a:t>10</a:t>
             </a:r>
           </a:p>
         </p:txBody>
@@ -8879,7 +8912,7 @@
     </p:spTree>
     <p:extLst>
       <p:ext uri="{BB962C8B-B14F-4D97-AF65-F5344CB8AC3E}">
-        <p14:creationId xmlns:p14="http://schemas.microsoft.com/office/powerpoint/2010/main" val="1415446098"/>
+        <p14:creationId xmlns:p14="http://schemas.microsoft.com/office/powerpoint/2010/main" val="1825547110"/>
       </p:ext>
     </p:extLst>
   </p:cSld>
@@ -8929,11 +8962,11 @@
           <a:p>
             <a:r>
               <a:rPr lang="zh-TW" altLang="en-US"/>
-              <a:t>字串長度 </a:t>
+              <a:t>搜尋 </a:t>
             </a:r>
             <a:r>
               <a:rPr lang="en-US" altLang="zh-TW"/>
-              <a:t>len</a:t>
+              <a:t>find, rfind</a:t>
             </a:r>
             <a:endParaRPr lang="zh-TW" altLang="en-US"/>
           </a:p>
@@ -8978,11 +9011,48 @@
             </a:pPr>
             <a:r>
               <a:rPr lang="en-US" altLang="zh-TW" sz="2400"/>
-              <a:t>len(str) </a:t>
+              <a:t>s.find(str)</a:t>
             </a:r>
             <a:r>
               <a:rPr lang="zh-TW" altLang="en-US" sz="2400"/>
-              <a:t>→ 回傳字串長度</a:t>
+              <a:t> → </a:t>
+            </a:r>
+            <a:r>
+              <a:rPr lang="zh-TW" altLang="en-US" sz="2400">
+                <a:solidFill>
+                  <a:srgbClr val="FF0000"/>
+                </a:solidFill>
+              </a:rPr>
+              <a:t>回傳</a:t>
+            </a:r>
+            <a:r>
+              <a:rPr lang="zh-TW" altLang="en-US" sz="2400"/>
+              <a:t>第一個 </a:t>
+            </a:r>
+            <a:r>
+              <a:rPr lang="en-US" altLang="zh-TW" sz="2400"/>
+              <a:t>str</a:t>
+            </a:r>
+            <a:r>
+              <a:rPr lang="zh-TW" altLang="en-US" sz="2400"/>
+              <a:t> 的位置，若找不到回傳 </a:t>
+            </a:r>
+            <a:r>
+              <a:rPr lang="en-US" altLang="zh-TW" sz="2400"/>
+              <a:t>-1</a:t>
+            </a:r>
+          </a:p>
+          <a:p>
+            <a:pPr marL="0" indent="0">
+              <a:buNone/>
+            </a:pPr>
+            <a:r>
+              <a:rPr lang="en-US" altLang="zh-TW" sz="2400"/>
+              <a:t>s.rfind(str)</a:t>
+            </a:r>
+            <a:r>
+              <a:rPr lang="zh-TW" altLang="en-US" sz="2400"/>
+              <a:t> → 同上，但倒著往前搜尋</a:t>
             </a:r>
             <a:endParaRPr lang="en-US" altLang="zh-TW" sz="2400"/>
           </a:p>
@@ -8998,16 +9068,28 @@
             </a:pPr>
             <a:r>
               <a:rPr lang="en-US" altLang="zh-TW" sz="2400"/>
-              <a:t>s = “0123456789”</a:t>
-            </a:r>
-          </a:p>
-          <a:p>
-            <a:pPr marL="0" indent="0">
-              <a:buNone/>
-            </a:pPr>
+              <a:t>s = “ha</a:t>
+            </a:r>
+            <a:r>
+              <a:rPr lang="en-US" altLang="zh-TW" sz="2400">
+                <a:solidFill>
+                  <a:srgbClr val="FF0000"/>
+                </a:solidFill>
+              </a:rPr>
+              <a:t>p</a:t>
+            </a:r>
             <a:r>
               <a:rPr lang="en-US" altLang="zh-TW" sz="2400"/>
-              <a:t>len(s) </a:t>
+              <a:t>py happy”</a:t>
+            </a:r>
+          </a:p>
+          <a:p>
+            <a:pPr marL="0" indent="0">
+              <a:buNone/>
+            </a:pPr>
+            <a:r>
+              <a:rPr lang="en-US" altLang="zh-TW" sz="2400"/>
+              <a:t>s.find(“p”) </a:t>
             </a:r>
             <a:r>
               <a:rPr lang="zh-TW" altLang="en-US" sz="2400"/>
@@ -9015,7 +9097,41 @@
             </a:r>
             <a:r>
               <a:rPr lang="en-US" altLang="zh-TW" sz="2400"/>
-              <a:t>10</a:t>
+              <a:t>2</a:t>
+            </a:r>
+          </a:p>
+          <a:p>
+            <a:pPr marL="0" indent="0">
+              <a:buNone/>
+            </a:pPr>
+            <a:r>
+              <a:rPr lang="en-US" altLang="zh-TW" sz="2400"/>
+              <a:t>s.find(“x”) </a:t>
+            </a:r>
+            <a:r>
+              <a:rPr lang="zh-TW" altLang="en-US" sz="2400"/>
+              <a:t>→ </a:t>
+            </a:r>
+            <a:r>
+              <a:rPr lang="en-US" altLang="zh-TW" sz="2400"/>
+              <a:t>-1</a:t>
+            </a:r>
+          </a:p>
+          <a:p>
+            <a:pPr marL="0" indent="0">
+              <a:buNone/>
+            </a:pPr>
+            <a:r>
+              <a:rPr lang="en-US" altLang="zh-TW" sz="2400"/>
+              <a:t>s.rfind(“happy”) </a:t>
+            </a:r>
+            <a:r>
+              <a:rPr lang="zh-TW" altLang="en-US" sz="2400"/>
+              <a:t>→ </a:t>
+            </a:r>
+            <a:r>
+              <a:rPr lang="en-US" altLang="zh-TW" sz="2400"/>
+              <a:t>6</a:t>
             </a:r>
           </a:p>
         </p:txBody>
@@ -9023,7 +9139,7 @@
     </p:spTree>
     <p:extLst>
       <p:ext uri="{BB962C8B-B14F-4D97-AF65-F5344CB8AC3E}">
-        <p14:creationId xmlns:p14="http://schemas.microsoft.com/office/powerpoint/2010/main" val="1825547110"/>
+        <p14:creationId xmlns:p14="http://schemas.microsoft.com/office/powerpoint/2010/main" val="2306852737"/>
       </p:ext>
     </p:extLst>
   </p:cSld>
@@ -9073,11 +9189,11 @@
           <a:p>
             <a:r>
               <a:rPr lang="zh-TW" altLang="en-US"/>
-              <a:t>搜尋 </a:t>
+              <a:t>去頭去尾 </a:t>
             </a:r>
             <a:r>
               <a:rPr lang="en-US" altLang="zh-TW"/>
-              <a:t>find, rfind</a:t>
+              <a:t>strip</a:t>
             </a:r>
             <a:endParaRPr lang="zh-TW" altLang="en-US"/>
           </a:p>
@@ -9122,52 +9238,47 @@
             </a:pPr>
             <a:r>
               <a:rPr lang="en-US" altLang="zh-TW" sz="2400"/>
-              <a:t>s.find(str)</a:t>
+              <a:t>s.strip(str) </a:t>
             </a:r>
             <a:r>
               <a:rPr lang="zh-TW" altLang="en-US" sz="2400"/>
-              <a:t> → 回傳第一個 </a:t>
+              <a:t>→ </a:t>
+            </a:r>
+            <a:r>
+              <a:rPr lang="zh-TW" altLang="en-US" sz="2400">
+                <a:solidFill>
+                  <a:srgbClr val="FF0000"/>
+                </a:solidFill>
+              </a:rPr>
+              <a:t>回傳</a:t>
+            </a:r>
+            <a:r>
+              <a:rPr lang="zh-TW" altLang="en-US" sz="2400"/>
+              <a:t>去除頭尾 </a:t>
             </a:r>
             <a:r>
               <a:rPr lang="en-US" altLang="zh-TW" sz="2400"/>
-              <a:t>str</a:t>
+              <a:t>strA</a:t>
             </a:r>
             <a:r>
               <a:rPr lang="zh-TW" altLang="en-US" sz="2400"/>
-              <a:t> 的位置，若找不到回傳 </a:t>
-            </a:r>
+              <a:t> 的字串</a:t>
+            </a:r>
+            <a:endParaRPr lang="en-US" altLang="zh-TW" sz="2400"/>
+          </a:p>
+          <a:p>
+            <a:pPr marL="0" indent="0">
+              <a:buNone/>
+            </a:pPr>
+            <a:endParaRPr lang="en-US" altLang="zh-TW" sz="2400"/>
+          </a:p>
+          <a:p>
+            <a:pPr marL="0" indent="0">
+              <a:buNone/>
+            </a:pPr>
             <a:r>
               <a:rPr lang="en-US" altLang="zh-TW" sz="2400"/>
-              <a:t>-1</a:t>
-            </a:r>
-          </a:p>
-          <a:p>
-            <a:pPr marL="0" indent="0">
-              <a:buNone/>
-            </a:pPr>
-            <a:r>
-              <a:rPr lang="en-US" altLang="zh-TW" sz="2400"/>
-              <a:t>s.rfind(str)</a:t>
-            </a:r>
-            <a:r>
-              <a:rPr lang="zh-TW" altLang="en-US" sz="2400"/>
-              <a:t> → 同上，但到著往前搜尋</a:t>
-            </a:r>
-            <a:endParaRPr lang="en-US" altLang="zh-TW" sz="2400"/>
-          </a:p>
-          <a:p>
-            <a:pPr marL="0" indent="0">
-              <a:buNone/>
-            </a:pPr>
-            <a:endParaRPr lang="en-US" altLang="zh-TW" sz="2400"/>
-          </a:p>
-          <a:p>
-            <a:pPr marL="0" indent="0">
-              <a:buNone/>
-            </a:pPr>
-            <a:r>
-              <a:rPr lang="en-US" altLang="zh-TW" sz="2400"/>
-              <a:t>s = “ha</a:t>
+              <a:t>s = “</a:t>
             </a:r>
             <a:r>
               <a:rPr lang="en-US" altLang="zh-TW" sz="2400">
@@ -9175,20 +9286,32 @@
                   <a:srgbClr val="FF0000"/>
                 </a:solidFill>
               </a:rPr>
-              <a:t>p</a:t>
+              <a:t>\n\n</a:t>
             </a:r>
             <a:r>
               <a:rPr lang="en-US" altLang="zh-TW" sz="2400"/>
-              <a:t>py happy”</a:t>
-            </a:r>
-          </a:p>
-          <a:p>
-            <a:pPr marL="0" indent="0">
-              <a:buNone/>
-            </a:pPr>
+              <a:t>Tseng is 180cm</a:t>
+            </a:r>
+            <a:r>
+              <a:rPr lang="en-US" altLang="zh-TW" sz="2400">
+                <a:solidFill>
+                  <a:srgbClr val="FF0000"/>
+                </a:solidFill>
+              </a:rPr>
+              <a:t>\n</a:t>
+            </a:r>
             <a:r>
               <a:rPr lang="en-US" altLang="zh-TW" sz="2400"/>
-              <a:t>s.find(“p”) </a:t>
+              <a:t>”</a:t>
+            </a:r>
+          </a:p>
+          <a:p>
+            <a:pPr marL="0" indent="0">
+              <a:buNone/>
+            </a:pPr>
+            <a:r>
+              <a:rPr lang="en-US" altLang="zh-TW" sz="2400"/>
+              <a:t>s.strip(“\n”) </a:t>
             </a:r>
             <a:r>
               <a:rPr lang="zh-TW" altLang="en-US" sz="2400"/>
@@ -9196,7 +9319,7 @@
             </a:r>
             <a:r>
               <a:rPr lang="en-US" altLang="zh-TW" sz="2400"/>
-              <a:t>2</a:t>
+              <a:t>“Tseng is 180cm”</a:t>
             </a:r>
           </a:p>
           <a:p>
@@ -9205,7 +9328,7 @@
             </a:pPr>
             <a:r>
               <a:rPr lang="en-US" altLang="zh-TW" sz="2400"/>
-              <a:t>s.find(“x”) </a:t>
+              <a:t>s.strip(“180”) </a:t>
             </a:r>
             <a:r>
               <a:rPr lang="zh-TW" altLang="en-US" sz="2400"/>
@@ -9213,24 +9336,44 @@
             </a:r>
             <a:r>
               <a:rPr lang="en-US" altLang="zh-TW" sz="2400"/>
-              <a:t>-1</a:t>
-            </a:r>
-          </a:p>
-          <a:p>
-            <a:pPr marL="0" indent="0">
-              <a:buNone/>
-            </a:pPr>
+              <a:t>“</a:t>
+            </a:r>
+            <a:r>
+              <a:rPr lang="en-US" altLang="zh-TW" sz="2400">
+                <a:solidFill>
+                  <a:srgbClr val="FF0000"/>
+                </a:solidFill>
+              </a:rPr>
+              <a:t>\n\n</a:t>
+            </a:r>
             <a:r>
               <a:rPr lang="en-US" altLang="zh-TW" sz="2400"/>
-              <a:t>s.rfind(“happy”) </a:t>
-            </a:r>
-            <a:r>
-              <a:rPr lang="zh-TW" altLang="en-US" sz="2400"/>
-              <a:t>→ </a:t>
+              <a:t>Tseng is 180cm</a:t>
+            </a:r>
+            <a:r>
+              <a:rPr lang="en-US" altLang="zh-TW" sz="2400">
+                <a:solidFill>
+                  <a:srgbClr val="FF0000"/>
+                </a:solidFill>
+              </a:rPr>
+              <a:t>\n</a:t>
             </a:r>
             <a:r>
               <a:rPr lang="en-US" altLang="zh-TW" sz="2400"/>
-              <a:t>6</a:t>
+              <a:t>”</a:t>
+            </a:r>
+          </a:p>
+          <a:p>
+            <a:pPr marL="0" indent="0">
+              <a:buNone/>
+            </a:pPr>
+            <a:r>
+              <a:rPr lang="en-US" altLang="zh-TW" sz="2400">
+                <a:solidFill>
+                  <a:srgbClr val="FF0000"/>
+                </a:solidFill>
+              </a:rPr>
+              <a:t>s = s.strip(“ ”)</a:t>
             </a:r>
           </a:p>
         </p:txBody>
@@ -9238,7 +9381,7 @@
     </p:spTree>
     <p:extLst>
       <p:ext uri="{BB962C8B-B14F-4D97-AF65-F5344CB8AC3E}">
-        <p14:creationId xmlns:p14="http://schemas.microsoft.com/office/powerpoint/2010/main" val="2306852737"/>
+        <p14:creationId xmlns:p14="http://schemas.microsoft.com/office/powerpoint/2010/main" val="4096155847"/>
       </p:ext>
     </p:extLst>
   </p:cSld>
@@ -9288,11 +9431,11 @@
           <a:p>
             <a:r>
               <a:rPr lang="zh-TW" altLang="en-US"/>
-              <a:t>去頭去尾 </a:t>
+              <a:t>取代 </a:t>
             </a:r>
             <a:r>
               <a:rPr lang="en-US" altLang="zh-TW"/>
-              <a:t>strip</a:t>
+              <a:t>replace</a:t>
             </a:r>
             <a:endParaRPr lang="zh-TW" altLang="en-US"/>
           </a:p>
@@ -9337,19 +9480,56 @@
             </a:pPr>
             <a:r>
               <a:rPr lang="en-US" altLang="zh-TW" sz="2400"/>
-              <a:t>s.strip(str) </a:t>
+              <a:t>s.replace(strA, strB)</a:t>
+            </a:r>
+          </a:p>
+          <a:p>
+            <a:pPr marL="0" indent="0">
+              <a:buNone/>
+            </a:pPr>
+            <a:r>
+              <a:rPr lang="en-US" altLang="zh-TW" sz="2400"/>
+              <a:t>	</a:t>
             </a:r>
             <a:r>
               <a:rPr lang="zh-TW" altLang="en-US" sz="2400"/>
-              <a:t>→ 回傳去除頭尾 </a:t>
+              <a:t>→ </a:t>
+            </a:r>
+            <a:r>
+              <a:rPr lang="zh-TW" altLang="en-US" sz="2400">
+                <a:solidFill>
+                  <a:srgbClr val="FF0000"/>
+                </a:solidFill>
+              </a:rPr>
+              <a:t>回傳</a:t>
+            </a:r>
+            <a:r>
+              <a:rPr lang="zh-TW" altLang="en-US" sz="2400"/>
+              <a:t>將 </a:t>
             </a:r>
             <a:r>
               <a:rPr lang="en-US" altLang="zh-TW" sz="2400"/>
-              <a:t>strA</a:t>
+              <a:t>s </a:t>
             </a:r>
             <a:r>
               <a:rPr lang="zh-TW" altLang="en-US" sz="2400"/>
-              <a:t> 的字串</a:t>
+              <a:t>中所有 </a:t>
+            </a:r>
+            <a:r>
+              <a:rPr lang="en-US" altLang="zh-TW" sz="2400"/>
+              <a:t>strA </a:t>
+            </a:r>
+            <a:r>
+              <a:rPr lang="zh-TW" altLang="en-US" sz="2400"/>
+              <a:t>取代成 </a:t>
+            </a:r>
+            <a:r>
+              <a:rPr lang="en-US" altLang="zh-TW" sz="2400"/>
+              <a:t>strB </a:t>
+            </a:r>
+            <a:r>
+              <a:rPr lang="zh-TW" altLang="en-US" sz="2400"/>
+              <a:t>後的字串</a:t>
             </a:r>
             <a:endParaRPr lang="en-US" altLang="zh-TW" sz="2400"/>
           </a:p>
@@ -9365,7 +9545,7 @@
             </a:pPr>
             <a:r>
               <a:rPr lang="en-US" altLang="zh-TW" sz="2400"/>
-              <a:t>s = “</a:t>
+              <a:t>s = “Kafuu Chino ga </a:t>
             </a:r>
             <a:r>
               <a:rPr lang="en-US" altLang="zh-TW" sz="2400">
@@ -9373,11 +9553,28 @@
                   <a:srgbClr val="FF0000"/>
                 </a:solidFill>
               </a:rPr>
-              <a:t>\n\n</a:t>
+              <a:t>suki</a:t>
             </a:r>
             <a:r>
               <a:rPr lang="en-US" altLang="zh-TW" sz="2400"/>
-              <a:t>Tseng is 180cm</a:t>
+              <a:t>”</a:t>
+            </a:r>
+          </a:p>
+          <a:p>
+            <a:pPr marL="0" indent="0">
+              <a:buNone/>
+            </a:pPr>
+            <a:r>
+              <a:rPr lang="en-US" altLang="zh-TW" sz="2400"/>
+              <a:t>s.replace(“suki”, “kawaii”) </a:t>
+            </a:r>
+            <a:r>
+              <a:rPr lang="zh-TW" altLang="en-US" sz="2400"/>
+              <a:t>→ </a:t>
+            </a:r>
+            <a:r>
+              <a:rPr lang="en-US" altLang="zh-TW" sz="2400"/>
+              <a:t>“Kafuu Chino ga </a:t>
             </a:r>
             <a:r>
               <a:rPr lang="en-US" altLang="zh-TW" sz="2400">
@@ -9385,7 +9582,7 @@
                   <a:srgbClr val="FF0000"/>
                 </a:solidFill>
               </a:rPr>
-              <a:t>\n</a:t>
+              <a:t>kawaii</a:t>
             </a:r>
             <a:r>
               <a:rPr lang="en-US" altLang="zh-TW" sz="2400"/>
@@ -9398,69 +9595,36 @@
             </a:pPr>
             <a:r>
               <a:rPr lang="en-US" altLang="zh-TW" sz="2400"/>
-              <a:t>s.strip(“\n”) </a:t>
+              <a:t>s.replace(“</a:t>
             </a:r>
             <a:r>
               <a:rPr lang="zh-TW" altLang="en-US" sz="2400"/>
-              <a:t>→ </a:t>
+              <a:t> </a:t>
             </a:r>
             <a:r>
               <a:rPr lang="en-US" altLang="zh-TW" sz="2400"/>
-              <a:t>“Tseng is 180cm”</a:t>
-            </a:r>
-          </a:p>
-          <a:p>
-            <a:pPr marL="0" indent="0">
-              <a:buNone/>
-            </a:pPr>
+              <a:t>”, “”)</a:t>
+            </a:r>
+            <a:r>
+              <a:rPr lang="zh-TW" altLang="en-US" sz="2400"/>
+              <a:t> → </a:t>
+            </a:r>
             <a:r>
               <a:rPr lang="en-US" altLang="zh-TW" sz="2400"/>
-              <a:t>s.strip(“180”) </a:t>
-            </a:r>
-            <a:r>
-              <a:rPr lang="zh-TW" altLang="en-US" sz="2400"/>
-              <a:t>→ </a:t>
-            </a:r>
-            <a:r>
-              <a:rPr lang="en-US" altLang="zh-TW" sz="2400"/>
-              <a:t>“</a:t>
-            </a:r>
+              <a:t>“KafuuChinogasuki”</a:t>
+            </a:r>
+          </a:p>
+          <a:p>
+            <a:pPr marL="0" indent="0">
+              <a:buNone/>
+            </a:pPr>
             <a:r>
               <a:rPr lang="en-US" altLang="zh-TW" sz="2400">
                 <a:solidFill>
                   <a:srgbClr val="FF0000"/>
                 </a:solidFill>
               </a:rPr>
-              <a:t>\n\n</a:t>
-            </a:r>
-            <a:r>
-              <a:rPr lang="en-US" altLang="zh-TW" sz="2400"/>
-              <a:t>Tseng is 180cm</a:t>
-            </a:r>
-            <a:r>
-              <a:rPr lang="en-US" altLang="zh-TW" sz="2400">
-                <a:solidFill>
-                  <a:srgbClr val="FF0000"/>
-                </a:solidFill>
-              </a:rPr>
-              <a:t>\n</a:t>
-            </a:r>
-            <a:r>
-              <a:rPr lang="en-US" altLang="zh-TW" sz="2400"/>
-              <a:t>”</a:t>
-            </a:r>
-          </a:p>
-          <a:p>
-            <a:pPr marL="0" indent="0">
-              <a:buNone/>
-            </a:pPr>
-            <a:r>
-              <a:rPr lang="en-US" altLang="zh-TW" sz="2400">
-                <a:solidFill>
-                  <a:srgbClr val="FF0000"/>
-                </a:solidFill>
-              </a:rPr>
-              <a:t>s = s.strip(“ ”)</a:t>
+              <a:t>s = s.replace(“ ”, “ ”)</a:t>
             </a:r>
           </a:p>
         </p:txBody>
@@ -9468,7 +9632,7 @@
     </p:spTree>
     <p:extLst>
       <p:ext uri="{BB962C8B-B14F-4D97-AF65-F5344CB8AC3E}">
-        <p14:creationId xmlns:p14="http://schemas.microsoft.com/office/powerpoint/2010/main" val="4096155847"/>
+        <p14:creationId xmlns:p14="http://schemas.microsoft.com/office/powerpoint/2010/main" val="4230376909"/>
       </p:ext>
     </p:extLst>
   </p:cSld>
@@ -9588,7 +9752,7 @@
           <p:cNvPr id="2" name="標題 1">
             <a:extLst>
               <a:ext uri="{FF2B5EF4-FFF2-40B4-BE49-F238E27FC236}">
-                <a16:creationId xmlns:a16="http://schemas.microsoft.com/office/drawing/2014/main" id="{A792BA57-8DED-4FD8-B27F-EB15FA86FC7A}"/>
+                <a16:creationId xmlns:a16="http://schemas.microsoft.com/office/drawing/2014/main" id="{8C498F5F-40F5-4CC5-902B-73FEBD9D19FC}"/>
               </a:ext>
             </a:extLst>
           </p:cNvPr>
@@ -9606,11 +9770,11 @@
           <a:p>
             <a:r>
               <a:rPr lang="zh-TW" altLang="en-US"/>
-              <a:t>取代 </a:t>
+              <a:t>數量 </a:t>
             </a:r>
             <a:r>
               <a:rPr lang="en-US" altLang="zh-TW"/>
-              <a:t>replace</a:t>
+              <a:t>count</a:t>
             </a:r>
             <a:endParaRPr lang="zh-TW" altLang="en-US"/>
           </a:p>
@@ -9621,7 +9785,7 @@
           <p:cNvPr id="3" name="內容版面配置區 2">
             <a:extLst>
               <a:ext uri="{FF2B5EF4-FFF2-40B4-BE49-F238E27FC236}">
-                <a16:creationId xmlns:a16="http://schemas.microsoft.com/office/drawing/2014/main" id="{EB113988-9E43-417B-B125-0602AA79D774}"/>
+                <a16:creationId xmlns:a16="http://schemas.microsoft.com/office/drawing/2014/main" id="{B6461677-FE5E-4F1E-A49E-5C6A8ABB3A2B}"/>
               </a:ext>
             </a:extLst>
           </p:cNvPr>
@@ -9632,12 +9796,7 @@
             <p:ph idx="1"/>
           </p:nvPr>
         </p:nvSpPr>
-        <p:spPr>
-          <a:xfrm>
-            <a:off x="1261871" y="1828800"/>
-            <a:ext cx="9626261" cy="4351337"/>
-          </a:xfrm>
-        </p:spPr>
+        <p:spPr/>
         <p:txBody>
           <a:bodyPr>
             <a:normAutofit/>
@@ -9655,20 +9814,23 @@
             </a:pPr>
             <a:r>
               <a:rPr lang="en-US" altLang="zh-TW" sz="2400"/>
-              <a:t>s.replace(strA, strB)</a:t>
-            </a:r>
-          </a:p>
-          <a:p>
-            <a:pPr marL="0" indent="0">
-              <a:buNone/>
-            </a:pPr>
-            <a:r>
-              <a:rPr lang="en-US" altLang="zh-TW" sz="2400"/>
-              <a:t>	</a:t>
+              <a:t>s.count(str) </a:t>
             </a:r>
             <a:r>
               <a:rPr lang="zh-TW" altLang="en-US" sz="2400"/>
-              <a:t>→ 回傳將 </a:t>
+              <a:t>→ </a:t>
+            </a:r>
+            <a:r>
+              <a:rPr lang="zh-TW" altLang="en-US" sz="2400">
+                <a:solidFill>
+                  <a:srgbClr val="FF0000"/>
+                </a:solidFill>
+              </a:rPr>
+              <a:t>回傳</a:t>
+            </a:r>
+            <a:r>
+              <a:rPr lang="zh-TW" altLang="en-US" sz="2400"/>
+              <a:t> </a:t>
             </a:r>
             <a:r>
               <a:rPr lang="en-US" altLang="zh-TW" sz="2400"/>
@@ -9676,39 +9838,31 @@
             </a:r>
             <a:r>
               <a:rPr lang="zh-TW" altLang="en-US" sz="2400"/>
-              <a:t>中所有 </a:t>
+              <a:t>中 </a:t>
             </a:r>
             <a:r>
               <a:rPr lang="en-US" altLang="zh-TW" sz="2400"/>
-              <a:t>strA </a:t>
+              <a:t>str </a:t>
             </a:r>
             <a:r>
               <a:rPr lang="zh-TW" altLang="en-US" sz="2400"/>
-              <a:t>取代成 </a:t>
-            </a:r>
+              <a:t>的數量</a:t>
+            </a:r>
+            <a:endParaRPr lang="en-US" altLang="zh-TW" sz="2400"/>
+          </a:p>
+          <a:p>
+            <a:pPr marL="0" indent="0">
+              <a:buNone/>
+            </a:pPr>
+            <a:endParaRPr lang="en-US" altLang="zh-TW" sz="2400"/>
+          </a:p>
+          <a:p>
+            <a:pPr marL="0" indent="0">
+              <a:buNone/>
+            </a:pPr>
             <a:r>
               <a:rPr lang="en-US" altLang="zh-TW" sz="2400"/>
-              <a:t>strB </a:t>
-            </a:r>
-            <a:r>
-              <a:rPr lang="zh-TW" altLang="en-US" sz="2400"/>
-              <a:t>後的字串</a:t>
-            </a:r>
-            <a:endParaRPr lang="en-US" altLang="zh-TW" sz="2400"/>
-          </a:p>
-          <a:p>
-            <a:pPr marL="0" indent="0">
-              <a:buNone/>
-            </a:pPr>
-            <a:endParaRPr lang="en-US" altLang="zh-TW" sz="2400"/>
-          </a:p>
-          <a:p>
-            <a:pPr marL="0" indent="0">
-              <a:buNone/>
-            </a:pPr>
-            <a:r>
-              <a:rPr lang="en-US" altLang="zh-TW" sz="2400"/>
-              <a:t>s = “Kafuu Chino ga </a:t>
+              <a:t>s = “</a:t>
             </a:r>
             <a:r>
               <a:rPr lang="en-US" altLang="zh-TW" sz="2400">
@@ -9716,28 +9870,11 @@
                   <a:srgbClr val="FF0000"/>
                 </a:solidFill>
               </a:rPr>
-              <a:t>suki</a:t>
+              <a:t>ka</a:t>
             </a:r>
             <a:r>
               <a:rPr lang="en-US" altLang="zh-TW" sz="2400"/>
-              <a:t>”</a:t>
-            </a:r>
-          </a:p>
-          <a:p>
-            <a:pPr marL="0" indent="0">
-              <a:buNone/>
-            </a:pPr>
-            <a:r>
-              <a:rPr lang="en-US" altLang="zh-TW" sz="2400"/>
-              <a:t>s.replace(“suki”, “kawaii”) </a:t>
-            </a:r>
-            <a:r>
-              <a:rPr lang="zh-TW" altLang="en-US" sz="2400"/>
-              <a:t>→ </a:t>
-            </a:r>
-            <a:r>
-              <a:rPr lang="en-US" altLang="zh-TW" sz="2400"/>
-              <a:t>“Kafuu Chino ga </a:t>
+              <a:t>ra</a:t>
             </a:r>
             <a:r>
               <a:rPr lang="en-US" altLang="zh-TW" sz="2400">
@@ -9745,57 +9882,73 @@
                   <a:srgbClr val="FF0000"/>
                 </a:solidFill>
               </a:rPr>
-              <a:t>kawaii</a:t>
+              <a:t>ka</a:t>
             </a:r>
             <a:r>
               <a:rPr lang="en-US" altLang="zh-TW" sz="2400"/>
-              <a:t>”</a:t>
-            </a:r>
-          </a:p>
-          <a:p>
-            <a:pPr marL="0" indent="0">
-              <a:buNone/>
-            </a:pPr>
-            <a:r>
-              <a:rPr lang="en-US" altLang="zh-TW" sz="2400"/>
-              <a:t>s.replace(“</a:t>
-            </a:r>
-            <a:r>
-              <a:rPr lang="zh-TW" altLang="en-US" sz="2400"/>
-              <a:t> </a:t>
-            </a:r>
-            <a:r>
-              <a:rPr lang="en-US" altLang="zh-TW" sz="2400"/>
-              <a:t>”, “”)</a:t>
-            </a:r>
-            <a:r>
-              <a:rPr lang="zh-TW" altLang="en-US" sz="2400"/>
-              <a:t> → </a:t>
-            </a:r>
-            <a:r>
-              <a:rPr lang="en-US" altLang="zh-TW" sz="2400"/>
-              <a:t>“KafuuChinogasuki”</a:t>
-            </a:r>
-          </a:p>
-          <a:p>
-            <a:pPr marL="0" indent="0">
-              <a:buNone/>
-            </a:pPr>
+              <a:t>i jouzu no Ta</a:t>
+            </a:r>
             <a:r>
               <a:rPr lang="en-US" altLang="zh-TW" sz="2400">
                 <a:solidFill>
                   <a:srgbClr val="FF0000"/>
                 </a:solidFill>
               </a:rPr>
-              <a:t>s = s.replace(“ ”, “ ”)</a:t>
-            </a:r>
+              <a:t>ka</a:t>
+            </a:r>
+            <a:r>
+              <a:rPr lang="en-US" altLang="zh-TW" sz="2400"/>
+              <a:t>gisan mo </a:t>
+            </a:r>
+            <a:r>
+              <a:rPr lang="en-US" altLang="zh-TW" sz="2400">
+                <a:solidFill>
+                  <a:srgbClr val="FF0000"/>
+                </a:solidFill>
+              </a:rPr>
+              <a:t>ka</a:t>
+            </a:r>
+            <a:r>
+              <a:rPr lang="en-US" altLang="zh-TW" sz="2400"/>
+              <a:t>waii”</a:t>
+            </a:r>
+          </a:p>
+          <a:p>
+            <a:pPr marL="0" indent="0">
+              <a:buNone/>
+            </a:pPr>
+            <a:r>
+              <a:rPr lang="en-US" altLang="zh-TW" sz="2400"/>
+              <a:t>s.count(“</a:t>
+            </a:r>
+            <a:r>
+              <a:rPr lang="en-US" altLang="zh-TW" sz="2400">
+                <a:solidFill>
+                  <a:srgbClr val="FF0000"/>
+                </a:solidFill>
+              </a:rPr>
+              <a:t>ka</a:t>
+            </a:r>
+            <a:r>
+              <a:rPr lang="en-US" altLang="zh-TW" sz="2400"/>
+              <a:t>”) </a:t>
+            </a:r>
+            <a:r>
+              <a:rPr lang="zh-TW" altLang="en-US" sz="2400"/>
+              <a:t>→ </a:t>
+            </a:r>
+            <a:r>
+              <a:rPr lang="en-US" altLang="zh-TW" sz="2400"/>
+              <a:t>4</a:t>
+            </a:r>
+            <a:endParaRPr lang="zh-TW" altLang="en-US" sz="2400"/>
           </a:p>
         </p:txBody>
       </p:sp>
     </p:spTree>
     <p:extLst>
       <p:ext uri="{BB962C8B-B14F-4D97-AF65-F5344CB8AC3E}">
-        <p14:creationId xmlns:p14="http://schemas.microsoft.com/office/powerpoint/2010/main" val="4230376909"/>
+        <p14:creationId xmlns:p14="http://schemas.microsoft.com/office/powerpoint/2010/main" val="4192484894"/>
       </p:ext>
     </p:extLst>
   </p:cSld>
@@ -9827,7 +9980,7 @@
           <p:cNvPr id="2" name="標題 1">
             <a:extLst>
               <a:ext uri="{FF2B5EF4-FFF2-40B4-BE49-F238E27FC236}">
-                <a16:creationId xmlns:a16="http://schemas.microsoft.com/office/drawing/2014/main" id="{8C498F5F-40F5-4CC5-902B-73FEBD9D19FC}"/>
+                <a16:creationId xmlns:a16="http://schemas.microsoft.com/office/drawing/2014/main" id="{10F0CF66-F364-471D-84FA-DD68A0915077}"/>
               </a:ext>
             </a:extLst>
           </p:cNvPr>
@@ -9845,13 +9998,96 @@
           <a:p>
             <a:r>
               <a:rPr lang="zh-TW" altLang="en-US"/>
-              <a:t>數量 </a:t>
+              <a:t>串列 </a:t>
             </a:r>
             <a:r>
               <a:rPr lang="en-US" altLang="zh-TW"/>
-              <a:t>count</a:t>
+              <a:t>List</a:t>
             </a:r>
             <a:endParaRPr lang="zh-TW" altLang="en-US"/>
+          </a:p>
+        </p:txBody>
+      </p:sp>
+      <p:sp>
+        <p:nvSpPr>
+          <p:cNvPr id="3" name="文字版面配置區 2">
+            <a:extLst>
+              <a:ext uri="{FF2B5EF4-FFF2-40B4-BE49-F238E27FC236}">
+                <a16:creationId xmlns:a16="http://schemas.microsoft.com/office/drawing/2014/main" id="{BAFF64A6-49F2-4E9C-B952-85838CE4E53B}"/>
+              </a:ext>
+            </a:extLst>
+          </p:cNvPr>
+          <p:cNvSpPr>
+            <a:spLocks noGrp="1"/>
+          </p:cNvSpPr>
+          <p:nvPr>
+            <p:ph type="body" idx="1"/>
+          </p:nvPr>
+        </p:nvSpPr>
+        <p:spPr/>
+        <p:txBody>
+          <a:bodyPr/>
+          <a:lstStyle/>
+          <a:p>
+            <a:endParaRPr lang="zh-TW" altLang="en-US"/>
+          </a:p>
+        </p:txBody>
+      </p:sp>
+    </p:spTree>
+    <p:extLst>
+      <p:ext uri="{BB962C8B-B14F-4D97-AF65-F5344CB8AC3E}">
+        <p14:creationId xmlns:p14="http://schemas.microsoft.com/office/powerpoint/2010/main" val="1313395954"/>
+      </p:ext>
+    </p:extLst>
+  </p:cSld>
+  <p:clrMapOvr>
+    <a:masterClrMapping/>
+  </p:clrMapOvr>
+</p:sld>
+</file>
+
+<file path=ppt/slides/slide22.xml><?xml version="1.0" encoding="utf-8"?>
+<p:sld xmlns:a="http://schemas.openxmlformats.org/drawingml/2006/main" xmlns:r="http://schemas.openxmlformats.org/officeDocument/2006/relationships" xmlns:p="http://schemas.openxmlformats.org/presentationml/2006/main">
+  <p:cSld>
+    <p:spTree>
+      <p:nvGrpSpPr>
+        <p:cNvPr id="1" name=""/>
+        <p:cNvGrpSpPr/>
+        <p:nvPr/>
+      </p:nvGrpSpPr>
+      <p:grpSpPr>
+        <a:xfrm>
+          <a:off x="0" y="0"/>
+          <a:ext cx="0" cy="0"/>
+          <a:chOff x="0" y="0"/>
+          <a:chExt cx="0" cy="0"/>
+        </a:xfrm>
+      </p:grpSpPr>
+      <p:sp>
+        <p:nvSpPr>
+          <p:cNvPr id="2" name="標題 1">
+            <a:extLst>
+              <a:ext uri="{FF2B5EF4-FFF2-40B4-BE49-F238E27FC236}">
+                <a16:creationId xmlns:a16="http://schemas.microsoft.com/office/drawing/2014/main" id="{D8AA9912-EB3E-438A-AA3D-106BE3278506}"/>
+              </a:ext>
+            </a:extLst>
+          </p:cNvPr>
+          <p:cNvSpPr>
+            <a:spLocks noGrp="1"/>
+          </p:cNvSpPr>
+          <p:nvPr>
+            <p:ph type="title"/>
+          </p:nvPr>
+        </p:nvSpPr>
+        <p:spPr/>
+        <p:txBody>
+          <a:bodyPr/>
+          <a:lstStyle/>
+          <a:p>
+            <a:r>
+              <a:rPr lang="zh-TW" altLang="en-US"/>
+              <a:t>一串資料（不限型態）</a:t>
+            </a:r>
           </a:p>
         </p:txBody>
       </p:sp>
@@ -9860,7 +10096,7 @@
           <p:cNvPr id="3" name="內容版面配置區 2">
             <a:extLst>
               <a:ext uri="{FF2B5EF4-FFF2-40B4-BE49-F238E27FC236}">
-                <a16:creationId xmlns:a16="http://schemas.microsoft.com/office/drawing/2014/main" id="{B6461677-FE5E-4F1E-A49E-5C6A8ABB3A2B}"/>
+                <a16:creationId xmlns:a16="http://schemas.microsoft.com/office/drawing/2014/main" id="{EBCAFB7F-56B1-4DB0-AC75-92081BB83379}"/>
               </a:ext>
             </a:extLst>
           </p:cNvPr>
@@ -9881,125 +10117,1298 @@
             <a:pPr marL="0" indent="0">
               <a:buNone/>
             </a:pPr>
-            <a:endParaRPr lang="en-US" altLang="zh-TW" sz="2400"/>
-          </a:p>
-          <a:p>
-            <a:pPr marL="0" indent="0">
-              <a:buNone/>
-            </a:pPr>
-            <a:r>
-              <a:rPr lang="en-US" altLang="zh-TW" sz="2400"/>
-              <a:t>s.count(str) </a:t>
-            </a:r>
-            <a:r>
-              <a:rPr lang="zh-TW" altLang="en-US" sz="2400"/>
-              <a:t>→ 回傳 </a:t>
-            </a:r>
-            <a:r>
-              <a:rPr lang="en-US" altLang="zh-TW" sz="2400"/>
-              <a:t>s </a:t>
-            </a:r>
-            <a:r>
-              <a:rPr lang="zh-TW" altLang="en-US" sz="2400"/>
-              <a:t>中 </a:t>
-            </a:r>
-            <a:r>
-              <a:rPr lang="en-US" altLang="zh-TW" sz="2400"/>
-              <a:t>str </a:t>
-            </a:r>
-            <a:r>
-              <a:rPr lang="zh-TW" altLang="en-US" sz="2400"/>
-              <a:t>的數量</a:t>
-            </a:r>
-            <a:endParaRPr lang="en-US" altLang="zh-TW" sz="2400"/>
-          </a:p>
-          <a:p>
-            <a:pPr marL="0" indent="0">
-              <a:buNone/>
-            </a:pPr>
-            <a:endParaRPr lang="en-US" altLang="zh-TW" sz="2400"/>
-          </a:p>
-          <a:p>
-            <a:pPr marL="0" indent="0">
-              <a:buNone/>
-            </a:pPr>
-            <a:r>
-              <a:rPr lang="en-US" altLang="zh-TW" sz="2400"/>
-              <a:t>s = “</a:t>
-            </a:r>
-            <a:r>
-              <a:rPr lang="en-US" altLang="zh-TW" sz="2400">
-                <a:solidFill>
-                  <a:srgbClr val="FF0000"/>
-                </a:solidFill>
-              </a:rPr>
-              <a:t>ka</a:t>
-            </a:r>
-            <a:r>
-              <a:rPr lang="en-US" altLang="zh-TW" sz="2400"/>
-              <a:t>ra</a:t>
-            </a:r>
-            <a:r>
-              <a:rPr lang="en-US" altLang="zh-TW" sz="2400">
-                <a:solidFill>
-                  <a:srgbClr val="FF0000"/>
-                </a:solidFill>
-              </a:rPr>
-              <a:t>ka</a:t>
-            </a:r>
-            <a:r>
-              <a:rPr lang="en-US" altLang="zh-TW" sz="2400"/>
-              <a:t>i jouzu no Ta</a:t>
-            </a:r>
-            <a:r>
-              <a:rPr lang="en-US" altLang="zh-TW" sz="2400">
-                <a:solidFill>
-                  <a:srgbClr val="FF0000"/>
-                </a:solidFill>
-              </a:rPr>
-              <a:t>ka</a:t>
-            </a:r>
-            <a:r>
-              <a:rPr lang="en-US" altLang="zh-TW" sz="2400"/>
-              <a:t>gisan mo </a:t>
-            </a:r>
-            <a:r>
-              <a:rPr lang="en-US" altLang="zh-TW" sz="2400">
-                <a:solidFill>
-                  <a:srgbClr val="FF0000"/>
-                </a:solidFill>
-              </a:rPr>
-              <a:t>ka</a:t>
-            </a:r>
-            <a:r>
-              <a:rPr lang="en-US" altLang="zh-TW" sz="2400"/>
-              <a:t>waii”</a:t>
-            </a:r>
-          </a:p>
-          <a:p>
-            <a:pPr marL="0" indent="0">
-              <a:buNone/>
-            </a:pPr>
-            <a:r>
-              <a:rPr lang="en-US" altLang="zh-TW" sz="2400"/>
-              <a:t>s.count(“ka”) </a:t>
-            </a:r>
-            <a:r>
-              <a:rPr lang="zh-TW" altLang="en-US" sz="2400"/>
-              <a:t>→ </a:t>
-            </a:r>
-            <a:r>
-              <a:rPr lang="en-US" altLang="zh-TW" sz="2400"/>
-              <a:t>4</a:t>
-            </a:r>
-            <a:endParaRPr lang="zh-TW" altLang="en-US" sz="2400"/>
+            <a:endParaRPr lang="en-US" altLang="zh-TW" sz="2800"/>
+          </a:p>
+          <a:p>
+            <a:pPr marL="0" indent="0">
+              <a:buNone/>
+            </a:pPr>
+            <a:r>
+              <a:rPr lang="en-US" altLang="zh-TW" sz="2800"/>
+              <a:t>[1, 1, 2, 3, 5, 8]</a:t>
+            </a:r>
+          </a:p>
+          <a:p>
+            <a:pPr marL="0" indent="0">
+              <a:buNone/>
+            </a:pPr>
+            <a:r>
+              <a:rPr lang="en-US" altLang="zh-TW" sz="2800"/>
+              <a:t>[“a”, “xyz”, “0”]</a:t>
+            </a:r>
+          </a:p>
+          <a:p>
+            <a:pPr marL="0" indent="0">
+              <a:buNone/>
+            </a:pPr>
+            <a:r>
+              <a:rPr lang="en-US" altLang="zh-TW" sz="2800"/>
+              <a:t>[2.5, “abc”, 0, True]</a:t>
+            </a:r>
+          </a:p>
+          <a:p>
+            <a:pPr marL="0" indent="0">
+              <a:buNone/>
+            </a:pPr>
+            <a:r>
+              <a:rPr lang="en-US" altLang="zh-TW" sz="2800"/>
+              <a:t>[[1, 2, 3], [2, 5]]</a:t>
+            </a:r>
+            <a:endParaRPr lang="zh-TW" altLang="en-US" sz="2800"/>
           </a:p>
         </p:txBody>
       </p:sp>
     </p:spTree>
     <p:extLst>
       <p:ext uri="{BB962C8B-B14F-4D97-AF65-F5344CB8AC3E}">
-        <p14:creationId xmlns:p14="http://schemas.microsoft.com/office/powerpoint/2010/main" val="4192484894"/>
+        <p14:creationId xmlns:p14="http://schemas.microsoft.com/office/powerpoint/2010/main" val="3167452939"/>
+      </p:ext>
+    </p:extLst>
+  </p:cSld>
+  <p:clrMapOvr>
+    <a:masterClrMapping/>
+  </p:clrMapOvr>
+</p:sld>
+</file>
+
+<file path=ppt/slides/slide23.xml><?xml version="1.0" encoding="utf-8"?>
+<p:sld xmlns:a="http://schemas.openxmlformats.org/drawingml/2006/main" xmlns:r="http://schemas.openxmlformats.org/officeDocument/2006/relationships" xmlns:p="http://schemas.openxmlformats.org/presentationml/2006/main">
+  <p:cSld>
+    <p:spTree>
+      <p:nvGrpSpPr>
+        <p:cNvPr id="1" name=""/>
+        <p:cNvGrpSpPr/>
+        <p:nvPr/>
+      </p:nvGrpSpPr>
+      <p:grpSpPr>
+        <a:xfrm>
+          <a:off x="0" y="0"/>
+          <a:ext cx="0" cy="0"/>
+          <a:chOff x="0" y="0"/>
+          <a:chExt cx="0" cy="0"/>
+        </a:xfrm>
+      </p:grpSpPr>
+      <p:sp>
+        <p:nvSpPr>
+          <p:cNvPr id="2" name="標題 1">
+            <a:extLst>
+              <a:ext uri="{FF2B5EF4-FFF2-40B4-BE49-F238E27FC236}">
+                <a16:creationId xmlns:a16="http://schemas.microsoft.com/office/drawing/2014/main" id="{3867EB95-61CB-40E0-8B32-1D19A90287F6}"/>
+              </a:ext>
+            </a:extLst>
+          </p:cNvPr>
+          <p:cNvSpPr>
+            <a:spLocks noGrp="1"/>
+          </p:cNvSpPr>
+          <p:nvPr>
+            <p:ph type="title"/>
+          </p:nvPr>
+        </p:nvSpPr>
+        <p:spPr/>
+        <p:txBody>
+          <a:bodyPr/>
+          <a:lstStyle/>
+          <a:p>
+            <a:r>
+              <a:rPr lang="zh-TW" altLang="en-US"/>
+              <a:t>字串轉串列</a:t>
+            </a:r>
+          </a:p>
+        </p:txBody>
+      </p:sp>
+      <p:sp>
+        <p:nvSpPr>
+          <p:cNvPr id="3" name="內容版面配置區 2">
+            <a:extLst>
+              <a:ext uri="{FF2B5EF4-FFF2-40B4-BE49-F238E27FC236}">
+                <a16:creationId xmlns:a16="http://schemas.microsoft.com/office/drawing/2014/main" id="{9B6DBF58-0D63-4291-BDB7-FA5074B0840E}"/>
+              </a:ext>
+            </a:extLst>
+          </p:cNvPr>
+          <p:cNvSpPr>
+            <a:spLocks noGrp="1"/>
+          </p:cNvSpPr>
+          <p:nvPr>
+            <p:ph idx="1"/>
+          </p:nvPr>
+        </p:nvSpPr>
+        <p:spPr/>
+        <p:txBody>
+          <a:bodyPr>
+            <a:normAutofit/>
+          </a:bodyPr>
+          <a:lstStyle/>
+          <a:p>
+            <a:pPr marL="0" indent="0">
+              <a:buNone/>
+            </a:pPr>
+            <a:endParaRPr lang="en-US" altLang="zh-TW" sz="2800"/>
+          </a:p>
+          <a:p>
+            <a:pPr marL="0" indent="0">
+              <a:buNone/>
+            </a:pPr>
+            <a:r>
+              <a:rPr lang="en-US" altLang="zh-TW" sz="2800"/>
+              <a:t>list(“abc123”)</a:t>
+            </a:r>
+          </a:p>
+          <a:p>
+            <a:pPr marL="0" indent="0">
+              <a:buNone/>
+            </a:pPr>
+            <a:r>
+              <a:rPr lang="en-US" altLang="zh-TW" sz="2800"/>
+              <a:t>	</a:t>
+            </a:r>
+            <a:r>
+              <a:rPr lang="zh-TW" altLang="en-US" sz="2800"/>
+              <a:t>→ </a:t>
+            </a:r>
+            <a:r>
+              <a:rPr lang="en-US" altLang="zh-TW" sz="2800"/>
+              <a:t>[“a”, “b”, “c”, “1”, “2”, “3”]</a:t>
+            </a:r>
+          </a:p>
+        </p:txBody>
+      </p:sp>
+    </p:spTree>
+    <p:extLst>
+      <p:ext uri="{BB962C8B-B14F-4D97-AF65-F5344CB8AC3E}">
+        <p14:creationId xmlns:p14="http://schemas.microsoft.com/office/powerpoint/2010/main" val="2802122819"/>
+      </p:ext>
+    </p:extLst>
+  </p:cSld>
+  <p:clrMapOvr>
+    <a:masterClrMapping/>
+  </p:clrMapOvr>
+</p:sld>
+</file>
+
+<file path=ppt/slides/slide24.xml><?xml version="1.0" encoding="utf-8"?>
+<p:sld xmlns:a="http://schemas.openxmlformats.org/drawingml/2006/main" xmlns:r="http://schemas.openxmlformats.org/officeDocument/2006/relationships" xmlns:p="http://schemas.openxmlformats.org/presentationml/2006/main">
+  <p:cSld>
+    <p:spTree>
+      <p:nvGrpSpPr>
+        <p:cNvPr id="1" name=""/>
+        <p:cNvGrpSpPr/>
+        <p:nvPr/>
+      </p:nvGrpSpPr>
+      <p:grpSpPr>
+        <a:xfrm>
+          <a:off x="0" y="0"/>
+          <a:ext cx="0" cy="0"/>
+          <a:chOff x="0" y="0"/>
+          <a:chExt cx="0" cy="0"/>
+        </a:xfrm>
+      </p:grpSpPr>
+      <p:sp>
+        <p:nvSpPr>
+          <p:cNvPr id="2" name="標題 1">
+            <a:extLst>
+              <a:ext uri="{FF2B5EF4-FFF2-40B4-BE49-F238E27FC236}">
+                <a16:creationId xmlns:a16="http://schemas.microsoft.com/office/drawing/2014/main" id="{3867EB95-61CB-40E0-8B32-1D19A90287F6}"/>
+              </a:ext>
+            </a:extLst>
+          </p:cNvPr>
+          <p:cNvSpPr>
+            <a:spLocks noGrp="1"/>
+          </p:cNvSpPr>
+          <p:nvPr>
+            <p:ph type="title"/>
+          </p:nvPr>
+        </p:nvSpPr>
+        <p:spPr/>
+        <p:txBody>
+          <a:bodyPr/>
+          <a:lstStyle/>
+          <a:p>
+            <a:r>
+              <a:rPr lang="zh-TW" altLang="en-US"/>
+              <a:t>但串列轉字串</a:t>
+            </a:r>
+            <a:r>
+              <a:rPr lang="en-US" altLang="zh-TW"/>
+              <a:t>...</a:t>
+            </a:r>
+          </a:p>
+        </p:txBody>
+      </p:sp>
+      <p:sp>
+        <p:nvSpPr>
+          <p:cNvPr id="3" name="內容版面配置區 2">
+            <a:extLst>
+              <a:ext uri="{FF2B5EF4-FFF2-40B4-BE49-F238E27FC236}">
+                <a16:creationId xmlns:a16="http://schemas.microsoft.com/office/drawing/2014/main" id="{9B6DBF58-0D63-4291-BDB7-FA5074B0840E}"/>
+              </a:ext>
+            </a:extLst>
+          </p:cNvPr>
+          <p:cNvSpPr>
+            <a:spLocks noGrp="1"/>
+          </p:cNvSpPr>
+          <p:nvPr>
+            <p:ph idx="1"/>
+          </p:nvPr>
+        </p:nvSpPr>
+        <p:spPr/>
+        <p:txBody>
+          <a:bodyPr>
+            <a:normAutofit/>
+          </a:bodyPr>
+          <a:lstStyle/>
+          <a:p>
+            <a:pPr marL="0" indent="0">
+              <a:buNone/>
+            </a:pPr>
+            <a:endParaRPr lang="en-US" altLang="zh-TW" sz="2800"/>
+          </a:p>
+          <a:p>
+            <a:pPr marL="0" indent="0">
+              <a:buNone/>
+            </a:pPr>
+            <a:r>
+              <a:rPr lang="en-US" altLang="zh-TW" sz="2800"/>
+              <a:t>str([“1”, “2”, “3”])</a:t>
+            </a:r>
+          </a:p>
+          <a:p>
+            <a:pPr marL="0" indent="0">
+              <a:buNone/>
+            </a:pPr>
+            <a:r>
+              <a:rPr lang="en-US" altLang="zh-TW" sz="2800"/>
+              <a:t>	</a:t>
+            </a:r>
+            <a:r>
+              <a:rPr lang="zh-TW" altLang="en-US" sz="2800"/>
+              <a:t>→ </a:t>
+            </a:r>
+            <a:r>
+              <a:rPr lang="en-US" altLang="zh-TW" sz="2800">
+                <a:solidFill>
+                  <a:srgbClr val="FF0000"/>
+                </a:solidFill>
+              </a:rPr>
+              <a:t>‘</a:t>
+            </a:r>
+            <a:r>
+              <a:rPr lang="en-US" altLang="zh-TW" sz="2800"/>
+              <a:t>[“1”, “2”, “3”]</a:t>
+            </a:r>
+            <a:r>
+              <a:rPr lang="en-US" altLang="zh-TW" sz="2800">
+                <a:solidFill>
+                  <a:srgbClr val="FF0000"/>
+                </a:solidFill>
+              </a:rPr>
+              <a:t>’</a:t>
+            </a:r>
+          </a:p>
+        </p:txBody>
+      </p:sp>
+    </p:spTree>
+    <p:extLst>
+      <p:ext uri="{BB962C8B-B14F-4D97-AF65-F5344CB8AC3E}">
+        <p14:creationId xmlns:p14="http://schemas.microsoft.com/office/powerpoint/2010/main" val="3987291601"/>
+      </p:ext>
+    </p:extLst>
+  </p:cSld>
+  <p:clrMapOvr>
+    <a:masterClrMapping/>
+  </p:clrMapOvr>
+</p:sld>
+</file>
+
+<file path=ppt/slides/slide25.xml><?xml version="1.0" encoding="utf-8"?>
+<p:sld xmlns:a="http://schemas.openxmlformats.org/drawingml/2006/main" xmlns:r="http://schemas.openxmlformats.org/officeDocument/2006/relationships" xmlns:p="http://schemas.openxmlformats.org/presentationml/2006/main">
+  <p:cSld>
+    <p:spTree>
+      <p:nvGrpSpPr>
+        <p:cNvPr id="1" name=""/>
+        <p:cNvGrpSpPr/>
+        <p:nvPr/>
+      </p:nvGrpSpPr>
+      <p:grpSpPr>
+        <a:xfrm>
+          <a:off x="0" y="0"/>
+          <a:ext cx="0" cy="0"/>
+          <a:chOff x="0" y="0"/>
+          <a:chExt cx="0" cy="0"/>
+        </a:xfrm>
+      </p:grpSpPr>
+      <p:sp>
+        <p:nvSpPr>
+          <p:cNvPr id="2" name="標題 1">
+            <a:extLst>
+              <a:ext uri="{FF2B5EF4-FFF2-40B4-BE49-F238E27FC236}">
+                <a16:creationId xmlns:a16="http://schemas.microsoft.com/office/drawing/2014/main" id="{871B9FF8-C6CF-471A-8A76-E9BCC6C72671}"/>
+              </a:ext>
+            </a:extLst>
+          </p:cNvPr>
+          <p:cNvSpPr>
+            <a:spLocks noGrp="1"/>
+          </p:cNvSpPr>
+          <p:nvPr>
+            <p:ph type="title"/>
+          </p:nvPr>
+        </p:nvSpPr>
+        <p:spPr/>
+        <p:txBody>
+          <a:bodyPr/>
+          <a:lstStyle/>
+          <a:p>
+            <a:r>
+              <a:rPr lang="zh-TW" altLang="en-US"/>
+              <a:t>串列取值與切片：與字串相同</a:t>
+            </a:r>
+          </a:p>
+        </p:txBody>
+      </p:sp>
+      <p:sp>
+        <p:nvSpPr>
+          <p:cNvPr id="3" name="內容版面配置區 2">
+            <a:extLst>
+              <a:ext uri="{FF2B5EF4-FFF2-40B4-BE49-F238E27FC236}">
+                <a16:creationId xmlns:a16="http://schemas.microsoft.com/office/drawing/2014/main" id="{2A1C783E-BE9F-4418-BED7-9A4106D5451A}"/>
+              </a:ext>
+            </a:extLst>
+          </p:cNvPr>
+          <p:cNvSpPr>
+            <a:spLocks noGrp="1"/>
+          </p:cNvSpPr>
+          <p:nvPr>
+            <p:ph idx="1"/>
+          </p:nvPr>
+        </p:nvSpPr>
+        <p:spPr/>
+        <p:txBody>
+          <a:bodyPr>
+            <a:normAutofit/>
+          </a:bodyPr>
+          <a:lstStyle/>
+          <a:p>
+            <a:pPr marL="0" indent="0">
+              <a:buNone/>
+            </a:pPr>
+            <a:r>
+              <a:rPr lang="en-US" altLang="zh-TW" sz="2800"/>
+              <a:t>lst = [5, 2.0, [7.0, 7], “a”]</a:t>
+            </a:r>
+          </a:p>
+          <a:p>
+            <a:pPr marL="0" indent="0">
+              <a:buNone/>
+            </a:pPr>
+            <a:r>
+              <a:rPr lang="en-US" altLang="zh-TW" sz="2800"/>
+              <a:t>lst[0]</a:t>
+            </a:r>
+            <a:r>
+              <a:rPr lang="zh-TW" altLang="en-US" sz="2800"/>
+              <a:t> → </a:t>
+            </a:r>
+            <a:r>
+              <a:rPr lang="en-US" altLang="zh-TW" sz="2800"/>
+              <a:t>5</a:t>
+            </a:r>
+          </a:p>
+          <a:p>
+            <a:pPr marL="0" indent="0">
+              <a:buNone/>
+            </a:pPr>
+            <a:r>
+              <a:rPr lang="en-US" altLang="zh-TW" sz="2800"/>
+              <a:t>lst[1] </a:t>
+            </a:r>
+            <a:r>
+              <a:rPr lang="zh-TW" altLang="en-US" sz="2800"/>
+              <a:t>→ </a:t>
+            </a:r>
+            <a:r>
+              <a:rPr lang="en-US" altLang="zh-TW" sz="2800"/>
+              <a:t>2.0</a:t>
+            </a:r>
+          </a:p>
+          <a:p>
+            <a:pPr marL="0" indent="0">
+              <a:buNone/>
+            </a:pPr>
+            <a:r>
+              <a:rPr lang="en-US" altLang="zh-TW" sz="2800"/>
+              <a:t>lst[2]</a:t>
+            </a:r>
+            <a:r>
+              <a:rPr lang="zh-TW" altLang="en-US" sz="2800"/>
+              <a:t> → </a:t>
+            </a:r>
+            <a:r>
+              <a:rPr lang="en-US" altLang="zh-TW" sz="2800"/>
+              <a:t>[7.0, 7]</a:t>
+            </a:r>
+          </a:p>
+          <a:p>
+            <a:pPr marL="0" indent="0">
+              <a:buNone/>
+            </a:pPr>
+            <a:r>
+              <a:rPr lang="en-US" altLang="zh-TW" sz="2800"/>
+              <a:t>lst[3] </a:t>
+            </a:r>
+            <a:r>
+              <a:rPr lang="zh-TW" altLang="en-US" sz="2800"/>
+              <a:t>→ </a:t>
+            </a:r>
+            <a:r>
+              <a:rPr lang="en-US" altLang="zh-TW" sz="2800"/>
+              <a:t>“a”</a:t>
+            </a:r>
+          </a:p>
+          <a:p>
+            <a:pPr marL="0" indent="0">
+              <a:buNone/>
+            </a:pPr>
+            <a:r>
+              <a:rPr lang="en-US" altLang="zh-TW" sz="2800"/>
+              <a:t>lst[2][0] </a:t>
+            </a:r>
+            <a:r>
+              <a:rPr lang="zh-TW" altLang="en-US" sz="2800"/>
+              <a:t>→ </a:t>
+            </a:r>
+            <a:r>
+              <a:rPr lang="en-US" altLang="zh-TW" sz="2800"/>
+              <a:t>7.0</a:t>
+            </a:r>
+          </a:p>
+          <a:p>
+            <a:pPr marL="0" indent="0">
+              <a:buNone/>
+            </a:pPr>
+            <a:r>
+              <a:rPr lang="en-US" altLang="zh-TW" sz="2800"/>
+              <a:t>lst[:2] </a:t>
+            </a:r>
+            <a:r>
+              <a:rPr lang="zh-TW" altLang="en-US" sz="2800"/>
+              <a:t>→ </a:t>
+            </a:r>
+            <a:r>
+              <a:rPr lang="en-US" altLang="zh-TW" sz="2800"/>
+              <a:t>[2.0, [7.0, 7]]</a:t>
+            </a:r>
+          </a:p>
+        </p:txBody>
+      </p:sp>
+    </p:spTree>
+    <p:extLst>
+      <p:ext uri="{BB962C8B-B14F-4D97-AF65-F5344CB8AC3E}">
+        <p14:creationId xmlns:p14="http://schemas.microsoft.com/office/powerpoint/2010/main" val="1698115693"/>
+      </p:ext>
+    </p:extLst>
+  </p:cSld>
+  <p:clrMapOvr>
+    <a:masterClrMapping/>
+  </p:clrMapOvr>
+</p:sld>
+</file>
+
+<file path=ppt/slides/slide26.xml><?xml version="1.0" encoding="utf-8"?>
+<p:sld xmlns:a="http://schemas.openxmlformats.org/drawingml/2006/main" xmlns:r="http://schemas.openxmlformats.org/officeDocument/2006/relationships" xmlns:p="http://schemas.openxmlformats.org/presentationml/2006/main">
+  <p:cSld>
+    <p:spTree>
+      <p:nvGrpSpPr>
+        <p:cNvPr id="1" name=""/>
+        <p:cNvGrpSpPr/>
+        <p:nvPr/>
+      </p:nvGrpSpPr>
+      <p:grpSpPr>
+        <a:xfrm>
+          <a:off x="0" y="0"/>
+          <a:ext cx="0" cy="0"/>
+          <a:chOff x="0" y="0"/>
+          <a:chExt cx="0" cy="0"/>
+        </a:xfrm>
+      </p:grpSpPr>
+      <p:sp>
+        <p:nvSpPr>
+          <p:cNvPr id="2" name="標題 1">
+            <a:extLst>
+              <a:ext uri="{FF2B5EF4-FFF2-40B4-BE49-F238E27FC236}">
+                <a16:creationId xmlns:a16="http://schemas.microsoft.com/office/drawing/2014/main" id="{FDE12886-23A9-4A0E-876F-CA10E3B5792A}"/>
+              </a:ext>
+            </a:extLst>
+          </p:cNvPr>
+          <p:cNvSpPr>
+            <a:spLocks noGrp="1"/>
+          </p:cNvSpPr>
+          <p:nvPr>
+            <p:ph type="title"/>
+          </p:nvPr>
+        </p:nvSpPr>
+        <p:spPr/>
+        <p:txBody>
+          <a:bodyPr/>
+          <a:lstStyle/>
+          <a:p>
+            <a:r>
+              <a:rPr lang="zh-TW" altLang="en-US"/>
+              <a:t>串列元素可變更</a:t>
+            </a:r>
+          </a:p>
+        </p:txBody>
+      </p:sp>
+      <p:sp>
+        <p:nvSpPr>
+          <p:cNvPr id="3" name="內容版面配置區 2">
+            <a:extLst>
+              <a:ext uri="{FF2B5EF4-FFF2-40B4-BE49-F238E27FC236}">
+                <a16:creationId xmlns:a16="http://schemas.microsoft.com/office/drawing/2014/main" id="{4DE0C78A-9C1A-4E29-97A9-16DF4038E70B}"/>
+              </a:ext>
+            </a:extLst>
+          </p:cNvPr>
+          <p:cNvSpPr>
+            <a:spLocks noGrp="1"/>
+          </p:cNvSpPr>
+          <p:nvPr>
+            <p:ph idx="1"/>
+          </p:nvPr>
+        </p:nvSpPr>
+        <p:spPr/>
+        <p:txBody>
+          <a:bodyPr>
+            <a:normAutofit/>
+          </a:bodyPr>
+          <a:lstStyle/>
+          <a:p>
+            <a:pPr marL="0" indent="0">
+              <a:buNone/>
+            </a:pPr>
+            <a:endParaRPr lang="en-US" altLang="zh-TW" sz="2800"/>
+          </a:p>
+          <a:p>
+            <a:pPr marL="0" indent="0">
+              <a:buNone/>
+            </a:pPr>
+            <a:r>
+              <a:rPr lang="en-US" altLang="zh-TW" sz="2800"/>
+              <a:t>lst = [0, 1, </a:t>
+            </a:r>
+            <a:r>
+              <a:rPr lang="en-US" altLang="zh-TW" sz="2800">
+                <a:solidFill>
+                  <a:srgbClr val="FF0000"/>
+                </a:solidFill>
+              </a:rPr>
+              <a:t>2</a:t>
+            </a:r>
+            <a:r>
+              <a:rPr lang="en-US" altLang="zh-TW" sz="2800"/>
+              <a:t>, 3, 4]</a:t>
+            </a:r>
+          </a:p>
+          <a:p>
+            <a:pPr marL="0" indent="0">
+              <a:buNone/>
+            </a:pPr>
+            <a:r>
+              <a:rPr lang="en-US" altLang="zh-TW" sz="2800"/>
+              <a:t>lst[2] = [-1]</a:t>
+            </a:r>
+          </a:p>
+          <a:p>
+            <a:pPr marL="0" indent="0">
+              <a:buNone/>
+            </a:pPr>
+            <a:r>
+              <a:rPr lang="en-US" altLang="zh-TW" sz="2800"/>
+              <a:t>lst </a:t>
+            </a:r>
+            <a:r>
+              <a:rPr lang="zh-TW" altLang="en-US" sz="2800"/>
+              <a:t>→ </a:t>
+            </a:r>
+            <a:r>
+              <a:rPr lang="en-US" altLang="zh-TW" sz="2800"/>
+              <a:t>[0, 1, </a:t>
+            </a:r>
+            <a:r>
+              <a:rPr lang="en-US" altLang="zh-TW" sz="2800">
+                <a:solidFill>
+                  <a:srgbClr val="FF0000"/>
+                </a:solidFill>
+              </a:rPr>
+              <a:t>-1</a:t>
+            </a:r>
+            <a:r>
+              <a:rPr lang="en-US" altLang="zh-TW" sz="2800"/>
+              <a:t>, 3, 4]</a:t>
+            </a:r>
+          </a:p>
+          <a:p>
+            <a:pPr marL="0" indent="0">
+              <a:buNone/>
+            </a:pPr>
+            <a:endParaRPr lang="en-US" altLang="zh-TW" sz="2800"/>
+          </a:p>
+          <a:p>
+            <a:pPr marL="0" indent="0">
+              <a:buNone/>
+            </a:pPr>
+            <a:r>
+              <a:rPr lang="en-US" altLang="zh-TW" sz="2800"/>
+              <a:t>s = “01234”</a:t>
+            </a:r>
+          </a:p>
+          <a:p>
+            <a:pPr marL="0" indent="0">
+              <a:buNone/>
+            </a:pPr>
+            <a:r>
+              <a:rPr lang="en-US" altLang="zh-TW" sz="2800"/>
+              <a:t>s[2] = “x” </a:t>
+            </a:r>
+            <a:r>
+              <a:rPr lang="zh-TW" altLang="en-US" sz="2800"/>
+              <a:t>→ </a:t>
+            </a:r>
+            <a:r>
+              <a:rPr lang="en-US" altLang="zh-TW" sz="2800"/>
+              <a:t>Error</a:t>
+            </a:r>
+          </a:p>
+        </p:txBody>
+      </p:sp>
+    </p:spTree>
+    <p:extLst>
+      <p:ext uri="{BB962C8B-B14F-4D97-AF65-F5344CB8AC3E}">
+        <p14:creationId xmlns:p14="http://schemas.microsoft.com/office/powerpoint/2010/main" val="524509323"/>
+      </p:ext>
+    </p:extLst>
+  </p:cSld>
+  <p:clrMapOvr>
+    <a:masterClrMapping/>
+  </p:clrMapOvr>
+</p:sld>
+</file>
+
+<file path=ppt/slides/slide27.xml><?xml version="1.0" encoding="utf-8"?>
+<p:sld xmlns:a="http://schemas.openxmlformats.org/drawingml/2006/main" xmlns:r="http://schemas.openxmlformats.org/officeDocument/2006/relationships" xmlns:p="http://schemas.openxmlformats.org/presentationml/2006/main">
+  <p:cSld>
+    <p:spTree>
+      <p:nvGrpSpPr>
+        <p:cNvPr id="1" name=""/>
+        <p:cNvGrpSpPr/>
+        <p:nvPr/>
+      </p:nvGrpSpPr>
+      <p:grpSpPr>
+        <a:xfrm>
+          <a:off x="0" y="0"/>
+          <a:ext cx="0" cy="0"/>
+          <a:chOff x="0" y="0"/>
+          <a:chExt cx="0" cy="0"/>
+        </a:xfrm>
+      </p:grpSpPr>
+      <p:sp>
+        <p:nvSpPr>
+          <p:cNvPr id="2" name="標題 1">
+            <a:extLst>
+              <a:ext uri="{FF2B5EF4-FFF2-40B4-BE49-F238E27FC236}">
+                <a16:creationId xmlns:a16="http://schemas.microsoft.com/office/drawing/2014/main" id="{E5DFD65C-1C9D-4B85-80C3-D81AE46D21B5}"/>
+              </a:ext>
+            </a:extLst>
+          </p:cNvPr>
+          <p:cNvSpPr>
+            <a:spLocks noGrp="1"/>
+          </p:cNvSpPr>
+          <p:nvPr>
+            <p:ph type="title"/>
+          </p:nvPr>
+        </p:nvSpPr>
+        <p:spPr/>
+        <p:txBody>
+          <a:bodyPr/>
+          <a:lstStyle/>
+          <a:p>
+            <a:r>
+              <a:rPr lang="zh-TW" altLang="en-US"/>
+              <a:t>串列加法：與字串相同</a:t>
+            </a:r>
+          </a:p>
+        </p:txBody>
+      </p:sp>
+      <p:sp>
+        <p:nvSpPr>
+          <p:cNvPr id="3" name="內容版面配置區 2">
+            <a:extLst>
+              <a:ext uri="{FF2B5EF4-FFF2-40B4-BE49-F238E27FC236}">
+                <a16:creationId xmlns:a16="http://schemas.microsoft.com/office/drawing/2014/main" id="{08CC9785-9BEE-42EC-BC98-520CF6084C8D}"/>
+              </a:ext>
+            </a:extLst>
+          </p:cNvPr>
+          <p:cNvSpPr>
+            <a:spLocks noGrp="1"/>
+          </p:cNvSpPr>
+          <p:nvPr>
+            <p:ph idx="1"/>
+          </p:nvPr>
+        </p:nvSpPr>
+        <p:spPr/>
+        <p:txBody>
+          <a:bodyPr>
+            <a:normAutofit/>
+          </a:bodyPr>
+          <a:lstStyle/>
+          <a:p>
+            <a:pPr marL="0" indent="0">
+              <a:buNone/>
+            </a:pPr>
+            <a:endParaRPr lang="en-US" altLang="zh-TW" sz="2800"/>
+          </a:p>
+          <a:p>
+            <a:pPr marL="0" indent="0">
+              <a:buNone/>
+            </a:pPr>
+            <a:r>
+              <a:rPr lang="en-US" altLang="zh-TW" sz="2800"/>
+              <a:t>[</a:t>
+            </a:r>
+            <a:r>
+              <a:rPr lang="en-US" altLang="zh-TW" sz="2800">
+                <a:solidFill>
+                  <a:srgbClr val="0070C0"/>
+                </a:solidFill>
+              </a:rPr>
+              <a:t>1, 2</a:t>
+            </a:r>
+            <a:r>
+              <a:rPr lang="en-US" altLang="zh-TW" sz="2800"/>
+              <a:t>] + [</a:t>
+            </a:r>
+            <a:r>
+              <a:rPr lang="en-US" altLang="zh-TW" sz="2800">
+                <a:solidFill>
+                  <a:srgbClr val="FF0000"/>
+                </a:solidFill>
+              </a:rPr>
+              <a:t>“a”, “xyz”</a:t>
+            </a:r>
+            <a:r>
+              <a:rPr lang="en-US" altLang="zh-TW" sz="2800"/>
+              <a:t>]</a:t>
+            </a:r>
+          </a:p>
+          <a:p>
+            <a:pPr marL="0" indent="0">
+              <a:buNone/>
+            </a:pPr>
+            <a:r>
+              <a:rPr lang="en-US" altLang="zh-TW" sz="2800"/>
+              <a:t>	</a:t>
+            </a:r>
+            <a:r>
+              <a:rPr lang="zh-TW" altLang="en-US" sz="2800"/>
+              <a:t>→ </a:t>
+            </a:r>
+            <a:r>
+              <a:rPr lang="en-US" altLang="zh-TW" sz="2800"/>
+              <a:t>[</a:t>
+            </a:r>
+            <a:r>
+              <a:rPr lang="en-US" altLang="zh-TW" sz="2800">
+                <a:solidFill>
+                  <a:srgbClr val="0070C0"/>
+                </a:solidFill>
+              </a:rPr>
+              <a:t>1, 2, </a:t>
+            </a:r>
+            <a:r>
+              <a:rPr lang="en-US" altLang="zh-TW" sz="2800">
+                <a:solidFill>
+                  <a:srgbClr val="FF0000"/>
+                </a:solidFill>
+              </a:rPr>
+              <a:t>“a”, “xyz”</a:t>
+            </a:r>
+            <a:r>
+              <a:rPr lang="en-US" altLang="zh-TW" sz="2800"/>
+              <a:t>]</a:t>
+            </a:r>
+          </a:p>
+          <a:p>
+            <a:pPr marL="0" indent="0">
+              <a:buNone/>
+            </a:pPr>
+            <a:endParaRPr lang="en-US" altLang="zh-TW" sz="2800"/>
+          </a:p>
+          <a:p>
+            <a:pPr marL="0" indent="0">
+              <a:buNone/>
+            </a:pPr>
+            <a:r>
+              <a:rPr lang="en-US" altLang="zh-TW" sz="2800"/>
+              <a:t>lst = [</a:t>
+            </a:r>
+            <a:r>
+              <a:rPr lang="en-US" altLang="zh-TW" sz="2800">
+                <a:solidFill>
+                  <a:srgbClr val="0070C0"/>
+                </a:solidFill>
+              </a:rPr>
+              <a:t>0, 2, 4</a:t>
+            </a:r>
+            <a:r>
+              <a:rPr lang="en-US" altLang="zh-TW" sz="2800"/>
+              <a:t>]</a:t>
+            </a:r>
+          </a:p>
+          <a:p>
+            <a:pPr marL="0" indent="0">
+              <a:buNone/>
+            </a:pPr>
+            <a:r>
+              <a:rPr lang="en-US" altLang="zh-TW" sz="2800"/>
+              <a:t>lst += [</a:t>
+            </a:r>
+            <a:r>
+              <a:rPr lang="en-US" altLang="zh-TW" sz="2800">
+                <a:solidFill>
+                  <a:srgbClr val="FF0000"/>
+                </a:solidFill>
+              </a:rPr>
+              <a:t>6</a:t>
+            </a:r>
+            <a:r>
+              <a:rPr lang="en-US" altLang="zh-TW" sz="2800"/>
+              <a:t>]</a:t>
+            </a:r>
+          </a:p>
+          <a:p>
+            <a:pPr marL="0" indent="0">
+              <a:buNone/>
+            </a:pPr>
+            <a:r>
+              <a:rPr lang="en-US" altLang="zh-TW" sz="2800"/>
+              <a:t>lst </a:t>
+            </a:r>
+            <a:r>
+              <a:rPr lang="zh-TW" altLang="en-US" sz="2800"/>
+              <a:t>→ </a:t>
+            </a:r>
+            <a:r>
+              <a:rPr lang="en-US" altLang="zh-TW" sz="2800"/>
+              <a:t>[</a:t>
+            </a:r>
+            <a:r>
+              <a:rPr lang="en-US" altLang="zh-TW" sz="2800">
+                <a:solidFill>
+                  <a:srgbClr val="0070C0"/>
+                </a:solidFill>
+              </a:rPr>
+              <a:t>0, 2, 4, </a:t>
+            </a:r>
+            <a:r>
+              <a:rPr lang="en-US" altLang="zh-TW" sz="2800">
+                <a:solidFill>
+                  <a:srgbClr val="FF0000"/>
+                </a:solidFill>
+              </a:rPr>
+              <a:t>6</a:t>
+            </a:r>
+            <a:r>
+              <a:rPr lang="en-US" altLang="zh-TW" sz="2800"/>
+              <a:t>]</a:t>
+            </a:r>
+            <a:endParaRPr lang="zh-TW" altLang="en-US" sz="2800"/>
+          </a:p>
+        </p:txBody>
+      </p:sp>
+    </p:spTree>
+    <p:extLst>
+      <p:ext uri="{BB962C8B-B14F-4D97-AF65-F5344CB8AC3E}">
+        <p14:creationId xmlns:p14="http://schemas.microsoft.com/office/powerpoint/2010/main" val="3271310130"/>
+      </p:ext>
+    </p:extLst>
+  </p:cSld>
+  <p:clrMapOvr>
+    <a:masterClrMapping/>
+  </p:clrMapOvr>
+</p:sld>
+</file>
+
+<file path=ppt/slides/slide28.xml><?xml version="1.0" encoding="utf-8"?>
+<p:sld xmlns:a="http://schemas.openxmlformats.org/drawingml/2006/main" xmlns:r="http://schemas.openxmlformats.org/officeDocument/2006/relationships" xmlns:p="http://schemas.openxmlformats.org/presentationml/2006/main">
+  <p:cSld>
+    <p:spTree>
+      <p:nvGrpSpPr>
+        <p:cNvPr id="1" name=""/>
+        <p:cNvGrpSpPr/>
+        <p:nvPr/>
+      </p:nvGrpSpPr>
+      <p:grpSpPr>
+        <a:xfrm>
+          <a:off x="0" y="0"/>
+          <a:ext cx="0" cy="0"/>
+          <a:chOff x="0" y="0"/>
+          <a:chExt cx="0" cy="0"/>
+        </a:xfrm>
+      </p:grpSpPr>
+      <p:sp>
+        <p:nvSpPr>
+          <p:cNvPr id="2" name="標題 1">
+            <a:extLst>
+              <a:ext uri="{FF2B5EF4-FFF2-40B4-BE49-F238E27FC236}">
+                <a16:creationId xmlns:a16="http://schemas.microsoft.com/office/drawing/2014/main" id="{E5DFD65C-1C9D-4B85-80C3-D81AE46D21B5}"/>
+              </a:ext>
+            </a:extLst>
+          </p:cNvPr>
+          <p:cNvSpPr>
+            <a:spLocks noGrp="1"/>
+          </p:cNvSpPr>
+          <p:nvPr>
+            <p:ph type="title"/>
+          </p:nvPr>
+        </p:nvSpPr>
+        <p:spPr/>
+        <p:txBody>
+          <a:bodyPr/>
+          <a:lstStyle/>
+          <a:p>
+            <a:r>
+              <a:rPr lang="zh-TW" altLang="en-US"/>
+              <a:t>串列乘法：與字串相同</a:t>
+            </a:r>
+          </a:p>
+        </p:txBody>
+      </p:sp>
+      <p:sp>
+        <p:nvSpPr>
+          <p:cNvPr id="3" name="內容版面配置區 2">
+            <a:extLst>
+              <a:ext uri="{FF2B5EF4-FFF2-40B4-BE49-F238E27FC236}">
+                <a16:creationId xmlns:a16="http://schemas.microsoft.com/office/drawing/2014/main" id="{08CC9785-9BEE-42EC-BC98-520CF6084C8D}"/>
+              </a:ext>
+            </a:extLst>
+          </p:cNvPr>
+          <p:cNvSpPr>
+            <a:spLocks noGrp="1"/>
+          </p:cNvSpPr>
+          <p:nvPr>
+            <p:ph idx="1"/>
+          </p:nvPr>
+        </p:nvSpPr>
+        <p:spPr/>
+        <p:txBody>
+          <a:bodyPr>
+            <a:normAutofit/>
+          </a:bodyPr>
+          <a:lstStyle/>
+          <a:p>
+            <a:pPr marL="0" indent="0">
+              <a:buNone/>
+            </a:pPr>
+            <a:endParaRPr lang="en-US" altLang="zh-TW" sz="2800"/>
+          </a:p>
+          <a:p>
+            <a:pPr marL="0" indent="0">
+              <a:buNone/>
+            </a:pPr>
+            <a:r>
+              <a:rPr lang="en-US" altLang="zh-TW" sz="2800"/>
+              <a:t>[1, 2]</a:t>
+            </a:r>
+            <a:r>
+              <a:rPr lang="zh-TW" altLang="en-US" sz="2800"/>
+              <a:t> * </a:t>
+            </a:r>
+            <a:r>
+              <a:rPr lang="en-US" altLang="zh-TW" sz="2800"/>
+              <a:t>3</a:t>
+            </a:r>
+          </a:p>
+          <a:p>
+            <a:pPr marL="0" indent="0">
+              <a:buNone/>
+            </a:pPr>
+            <a:r>
+              <a:rPr lang="en-US" altLang="zh-TW" sz="2800"/>
+              <a:t>	</a:t>
+            </a:r>
+            <a:r>
+              <a:rPr lang="zh-TW" altLang="en-US" sz="2800"/>
+              <a:t>→ </a:t>
+            </a:r>
+            <a:r>
+              <a:rPr lang="en-US" altLang="zh-TW" sz="2800"/>
+              <a:t>[</a:t>
+            </a:r>
+            <a:r>
+              <a:rPr lang="en-US" altLang="zh-TW" sz="2800">
+                <a:solidFill>
+                  <a:srgbClr val="FF0000"/>
+                </a:solidFill>
+              </a:rPr>
+              <a:t>1, 2, </a:t>
+            </a:r>
+            <a:r>
+              <a:rPr lang="en-US" altLang="zh-TW" sz="2800">
+                <a:solidFill>
+                  <a:srgbClr val="0070C0"/>
+                </a:solidFill>
+              </a:rPr>
+              <a:t>1, 2, </a:t>
+            </a:r>
+            <a:r>
+              <a:rPr lang="en-US" altLang="zh-TW" sz="2800">
+                <a:solidFill>
+                  <a:srgbClr val="FF0000"/>
+                </a:solidFill>
+              </a:rPr>
+              <a:t>1, 2</a:t>
+            </a:r>
+            <a:r>
+              <a:rPr lang="en-US" altLang="zh-TW" sz="2800"/>
+              <a:t>]</a:t>
+            </a:r>
+          </a:p>
+          <a:p>
+            <a:pPr marL="0" indent="0">
+              <a:buNone/>
+            </a:pPr>
+            <a:endParaRPr lang="en-US" altLang="zh-TW" sz="2800"/>
+          </a:p>
+          <a:p>
+            <a:pPr marL="0" indent="0">
+              <a:buNone/>
+            </a:pPr>
+            <a:r>
+              <a:rPr lang="en-US" altLang="zh-TW" sz="2800"/>
+              <a:t>lst = [0, 2, 4]</a:t>
+            </a:r>
+          </a:p>
+          <a:p>
+            <a:pPr marL="0" indent="0">
+              <a:buNone/>
+            </a:pPr>
+            <a:r>
+              <a:rPr lang="en-US" altLang="zh-TW" sz="2800"/>
+              <a:t>lst *= 2</a:t>
+            </a:r>
+          </a:p>
+          <a:p>
+            <a:pPr marL="0" indent="0">
+              <a:buNone/>
+            </a:pPr>
+            <a:r>
+              <a:rPr lang="en-US" altLang="zh-TW" sz="2800"/>
+              <a:t>lst </a:t>
+            </a:r>
+            <a:r>
+              <a:rPr lang="zh-TW" altLang="en-US" sz="2800"/>
+              <a:t>→ </a:t>
+            </a:r>
+            <a:r>
+              <a:rPr lang="en-US" altLang="zh-TW" sz="2800"/>
+              <a:t>[</a:t>
+            </a:r>
+            <a:r>
+              <a:rPr lang="en-US" altLang="zh-TW" sz="2800">
+                <a:solidFill>
+                  <a:srgbClr val="0070C0"/>
+                </a:solidFill>
+              </a:rPr>
+              <a:t>0, 2, 4, </a:t>
+            </a:r>
+            <a:r>
+              <a:rPr lang="en-US" altLang="zh-TW" sz="2800">
+                <a:solidFill>
+                  <a:srgbClr val="FF0000"/>
+                </a:solidFill>
+              </a:rPr>
+              <a:t>0, 2, 4</a:t>
+            </a:r>
+            <a:r>
+              <a:rPr lang="en-US" altLang="zh-TW" sz="2800"/>
+              <a:t>]</a:t>
+            </a:r>
+            <a:endParaRPr lang="zh-TW" altLang="en-US" sz="2800"/>
+          </a:p>
+        </p:txBody>
+      </p:sp>
+    </p:spTree>
+    <p:extLst>
+      <p:ext uri="{BB962C8B-B14F-4D97-AF65-F5344CB8AC3E}">
+        <p14:creationId xmlns:p14="http://schemas.microsoft.com/office/powerpoint/2010/main" val="1515998711"/>
+      </p:ext>
+    </p:extLst>
+  </p:cSld>
+  <p:clrMapOvr>
+    <a:masterClrMapping/>
+  </p:clrMapOvr>
+</p:sld>
+</file>
+
+<file path=ppt/slides/slide29.xml><?xml version="1.0" encoding="utf-8"?>
+<p:sld xmlns:a="http://schemas.openxmlformats.org/drawingml/2006/main" xmlns:r="http://schemas.openxmlformats.org/officeDocument/2006/relationships" xmlns:p="http://schemas.openxmlformats.org/presentationml/2006/main">
+  <p:cSld>
+    <p:spTree>
+      <p:nvGrpSpPr>
+        <p:cNvPr id="1" name=""/>
+        <p:cNvGrpSpPr/>
+        <p:nvPr/>
+      </p:nvGrpSpPr>
+      <p:grpSpPr>
+        <a:xfrm>
+          <a:off x="0" y="0"/>
+          <a:ext cx="0" cy="0"/>
+          <a:chOff x="0" y="0"/>
+          <a:chExt cx="0" cy="0"/>
+        </a:xfrm>
+      </p:grpSpPr>
+      <p:sp>
+        <p:nvSpPr>
+          <p:cNvPr id="2" name="標題 1">
+            <a:extLst>
+              <a:ext uri="{FF2B5EF4-FFF2-40B4-BE49-F238E27FC236}">
+                <a16:creationId xmlns:a16="http://schemas.microsoft.com/office/drawing/2014/main" id="{E5DFD65C-1C9D-4B85-80C3-D81AE46D21B5}"/>
+              </a:ext>
+            </a:extLst>
+          </p:cNvPr>
+          <p:cNvSpPr>
+            <a:spLocks noGrp="1"/>
+          </p:cNvSpPr>
+          <p:nvPr>
+            <p:ph type="title"/>
+          </p:nvPr>
+        </p:nvSpPr>
+        <p:spPr/>
+        <p:txBody>
+          <a:bodyPr/>
+          <a:lstStyle/>
+          <a:p>
+            <a:r>
+              <a:rPr lang="zh-TW" altLang="en-US"/>
+              <a:t>串列長度 </a:t>
+            </a:r>
+            <a:r>
+              <a:rPr lang="en-US" altLang="zh-TW"/>
+              <a:t>len</a:t>
+            </a:r>
+            <a:endParaRPr lang="zh-TW" altLang="en-US"/>
+          </a:p>
+        </p:txBody>
+      </p:sp>
+      <p:sp>
+        <p:nvSpPr>
+          <p:cNvPr id="3" name="內容版面配置區 2">
+            <a:extLst>
+              <a:ext uri="{FF2B5EF4-FFF2-40B4-BE49-F238E27FC236}">
+                <a16:creationId xmlns:a16="http://schemas.microsoft.com/office/drawing/2014/main" id="{08CC9785-9BEE-42EC-BC98-520CF6084C8D}"/>
+              </a:ext>
+            </a:extLst>
+          </p:cNvPr>
+          <p:cNvSpPr>
+            <a:spLocks noGrp="1"/>
+          </p:cNvSpPr>
+          <p:nvPr>
+            <p:ph idx="1"/>
+          </p:nvPr>
+        </p:nvSpPr>
+        <p:spPr/>
+        <p:txBody>
+          <a:bodyPr>
+            <a:normAutofit/>
+          </a:bodyPr>
+          <a:lstStyle/>
+          <a:p>
+            <a:pPr marL="0" indent="0">
+              <a:buNone/>
+            </a:pPr>
+            <a:endParaRPr lang="en-US" altLang="zh-TW" sz="2800"/>
+          </a:p>
+          <a:p>
+            <a:pPr marL="0" indent="0">
+              <a:buNone/>
+            </a:pPr>
+            <a:r>
+              <a:rPr lang="en-US" altLang="zh-TW" sz="2400"/>
+              <a:t>len(list) </a:t>
+            </a:r>
+            <a:r>
+              <a:rPr lang="zh-TW" altLang="en-US" sz="2400"/>
+              <a:t>→ </a:t>
+            </a:r>
+            <a:r>
+              <a:rPr lang="zh-TW" altLang="en-US" sz="2400">
+                <a:solidFill>
+                  <a:srgbClr val="FF0000"/>
+                </a:solidFill>
+              </a:rPr>
+              <a:t>回傳 </a:t>
+            </a:r>
+            <a:r>
+              <a:rPr lang="en-US" altLang="zh-TW" sz="2400"/>
+              <a:t>list </a:t>
+            </a:r>
+            <a:r>
+              <a:rPr lang="zh-TW" altLang="en-US" sz="2400"/>
+              <a:t>的長度（元素數量）</a:t>
+            </a:r>
+            <a:endParaRPr lang="en-US" altLang="zh-TW" sz="2400"/>
+          </a:p>
+          <a:p>
+            <a:pPr marL="0" indent="0">
+              <a:buNone/>
+            </a:pPr>
+            <a:endParaRPr lang="en-US" altLang="zh-TW" sz="2400"/>
+          </a:p>
+          <a:p>
+            <a:pPr marL="0" indent="0">
+              <a:buNone/>
+            </a:pPr>
+            <a:r>
+              <a:rPr lang="en-US" altLang="zh-TW" sz="2400"/>
+              <a:t>lst</a:t>
+            </a:r>
+            <a:r>
+              <a:rPr lang="zh-TW" altLang="en-US" sz="2400"/>
+              <a:t> </a:t>
+            </a:r>
+            <a:r>
+              <a:rPr lang="en-US" altLang="zh-TW" sz="2400"/>
+              <a:t>=</a:t>
+            </a:r>
+            <a:r>
+              <a:rPr lang="zh-TW" altLang="en-US" sz="2400"/>
+              <a:t> </a:t>
+            </a:r>
+            <a:r>
+              <a:rPr lang="en-US" altLang="zh-TW" sz="2400"/>
+              <a:t>[1, 1, 2, 3, 5, 8]</a:t>
+            </a:r>
+          </a:p>
+          <a:p>
+            <a:pPr marL="0" indent="0">
+              <a:buNone/>
+            </a:pPr>
+            <a:r>
+              <a:rPr lang="en-US" altLang="zh-TW" sz="2400"/>
+              <a:t>l = len(lst) </a:t>
+            </a:r>
+            <a:r>
+              <a:rPr lang="zh-TW" altLang="en-US" sz="2400"/>
+              <a:t>→ </a:t>
+            </a:r>
+            <a:r>
+              <a:rPr lang="en-US" altLang="zh-TW" sz="2400"/>
+              <a:t>6</a:t>
+            </a:r>
+          </a:p>
+        </p:txBody>
+      </p:sp>
+    </p:spTree>
+    <p:extLst>
+      <p:ext uri="{BB962C8B-B14F-4D97-AF65-F5344CB8AC3E}">
+        <p14:creationId xmlns:p14="http://schemas.microsoft.com/office/powerpoint/2010/main" val="1909198585"/>
       </p:ext>
     </p:extLst>
   </p:cSld>
@@ -10309,6 +11718,1943 @@
 </p:sld>
 </file>
 
+<file path=ppt/slides/slide30.xml><?xml version="1.0" encoding="utf-8"?>
+<p:sld xmlns:a="http://schemas.openxmlformats.org/drawingml/2006/main" xmlns:r="http://schemas.openxmlformats.org/officeDocument/2006/relationships" xmlns:p="http://schemas.openxmlformats.org/presentationml/2006/main">
+  <p:cSld>
+    <p:spTree>
+      <p:nvGrpSpPr>
+        <p:cNvPr id="1" name=""/>
+        <p:cNvGrpSpPr/>
+        <p:nvPr/>
+      </p:nvGrpSpPr>
+      <p:grpSpPr>
+        <a:xfrm>
+          <a:off x="0" y="0"/>
+          <a:ext cx="0" cy="0"/>
+          <a:chOff x="0" y="0"/>
+          <a:chExt cx="0" cy="0"/>
+        </a:xfrm>
+      </p:grpSpPr>
+      <p:sp>
+        <p:nvSpPr>
+          <p:cNvPr id="2" name="標題 1">
+            <a:extLst>
+              <a:ext uri="{FF2B5EF4-FFF2-40B4-BE49-F238E27FC236}">
+                <a16:creationId xmlns:a16="http://schemas.microsoft.com/office/drawing/2014/main" id="{E5DFD65C-1C9D-4B85-80C3-D81AE46D21B5}"/>
+              </a:ext>
+            </a:extLst>
+          </p:cNvPr>
+          <p:cNvSpPr>
+            <a:spLocks noGrp="1"/>
+          </p:cNvSpPr>
+          <p:nvPr>
+            <p:ph type="title"/>
+          </p:nvPr>
+        </p:nvSpPr>
+        <p:spPr/>
+        <p:txBody>
+          <a:bodyPr/>
+          <a:lstStyle/>
+          <a:p>
+            <a:r>
+              <a:rPr lang="zh-TW" altLang="en-US"/>
+              <a:t>擴增 </a:t>
+            </a:r>
+            <a:r>
+              <a:rPr lang="en-US" altLang="zh-TW"/>
+              <a:t>append v.s. extend</a:t>
+            </a:r>
+            <a:endParaRPr lang="zh-TW" altLang="en-US"/>
+          </a:p>
+        </p:txBody>
+      </p:sp>
+      <p:sp>
+        <p:nvSpPr>
+          <p:cNvPr id="3" name="內容版面配置區 2">
+            <a:extLst>
+              <a:ext uri="{FF2B5EF4-FFF2-40B4-BE49-F238E27FC236}">
+                <a16:creationId xmlns:a16="http://schemas.microsoft.com/office/drawing/2014/main" id="{08CC9785-9BEE-42EC-BC98-520CF6084C8D}"/>
+              </a:ext>
+            </a:extLst>
+          </p:cNvPr>
+          <p:cNvSpPr>
+            <a:spLocks noGrp="1"/>
+          </p:cNvSpPr>
+          <p:nvPr>
+            <p:ph idx="1"/>
+          </p:nvPr>
+        </p:nvSpPr>
+        <p:spPr>
+          <a:xfrm>
+            <a:off x="1261871" y="1828800"/>
+            <a:ext cx="9692639" cy="4351337"/>
+          </a:xfrm>
+        </p:spPr>
+        <p:txBody>
+          <a:bodyPr>
+            <a:normAutofit/>
+          </a:bodyPr>
+          <a:lstStyle/>
+          <a:p>
+            <a:pPr marL="0" indent="0">
+              <a:buNone/>
+            </a:pPr>
+            <a:endParaRPr lang="en-US" altLang="zh-TW" sz="2400"/>
+          </a:p>
+          <a:p>
+            <a:pPr marL="0" indent="0">
+              <a:buNone/>
+            </a:pPr>
+            <a:r>
+              <a:rPr lang="en-US" altLang="zh-TW" sz="2400"/>
+              <a:t>lst.append(any)</a:t>
+            </a:r>
+            <a:r>
+              <a:rPr lang="zh-TW" altLang="en-US" sz="2400"/>
+              <a:t> → 將 </a:t>
+            </a:r>
+            <a:r>
+              <a:rPr lang="en-US" altLang="zh-TW" sz="2400"/>
+              <a:t>lst </a:t>
+            </a:r>
+            <a:r>
+              <a:rPr lang="zh-TW" altLang="en-US" sz="2400"/>
+              <a:t>新增一個元素的空間並置於最後</a:t>
+            </a:r>
+            <a:endParaRPr lang="en-US" altLang="zh-TW" sz="2400"/>
+          </a:p>
+          <a:p>
+            <a:pPr marL="0" indent="0">
+              <a:buNone/>
+            </a:pPr>
+            <a:r>
+              <a:rPr lang="en-US" altLang="zh-TW" sz="2400"/>
+              <a:t>lst.extend(container) </a:t>
+            </a:r>
+            <a:r>
+              <a:rPr lang="zh-TW" altLang="en-US" sz="2400"/>
+              <a:t>→ 將容器內的元素展開放到 </a:t>
+            </a:r>
+            <a:r>
+              <a:rPr lang="en-US" altLang="zh-TW" sz="2400"/>
+              <a:t>lst </a:t>
+            </a:r>
+            <a:r>
+              <a:rPr lang="zh-TW" altLang="en-US" sz="2400"/>
+              <a:t>後面</a:t>
+            </a:r>
+            <a:endParaRPr lang="en-US" altLang="zh-TW" sz="2400"/>
+          </a:p>
+          <a:p>
+            <a:pPr marL="0" indent="0">
+              <a:buNone/>
+            </a:pPr>
+            <a:endParaRPr lang="en-US" altLang="zh-TW" sz="2400"/>
+          </a:p>
+          <a:p>
+            <a:pPr marL="0" indent="0">
+              <a:buNone/>
+            </a:pPr>
+            <a:r>
+              <a:rPr lang="en-US" altLang="zh-TW" sz="2400"/>
+              <a:t>lst = [0, 1, 2]</a:t>
+            </a:r>
+          </a:p>
+          <a:p>
+            <a:pPr marL="0" indent="0">
+              <a:buNone/>
+            </a:pPr>
+            <a:r>
+              <a:rPr lang="en-US" altLang="zh-TW" sz="2400"/>
+              <a:t>lst.append(</a:t>
+            </a:r>
+            <a:r>
+              <a:rPr lang="en-US" altLang="zh-TW" sz="2400">
+                <a:solidFill>
+                  <a:srgbClr val="FF0000"/>
+                </a:solidFill>
+              </a:rPr>
+              <a:t>3</a:t>
+            </a:r>
+            <a:r>
+              <a:rPr lang="en-US" altLang="zh-TW" sz="2400"/>
+              <a:t>)</a:t>
+            </a:r>
+            <a:r>
+              <a:rPr lang="zh-TW" altLang="en-US" sz="2400"/>
+              <a:t> </a:t>
+            </a:r>
+            <a:r>
+              <a:rPr lang="en-US" altLang="zh-TW" sz="2400"/>
+              <a:t># lst </a:t>
+            </a:r>
+            <a:r>
+              <a:rPr lang="zh-TW" altLang="en-US" sz="2400"/>
+              <a:t>→ </a:t>
+            </a:r>
+            <a:r>
+              <a:rPr lang="en-US" altLang="zh-TW" sz="2400"/>
+              <a:t>[0, 1, 2, </a:t>
+            </a:r>
+            <a:r>
+              <a:rPr lang="en-US" altLang="zh-TW" sz="2400">
+                <a:solidFill>
+                  <a:srgbClr val="FF0000"/>
+                </a:solidFill>
+              </a:rPr>
+              <a:t>3</a:t>
+            </a:r>
+            <a:r>
+              <a:rPr lang="en-US" altLang="zh-TW" sz="2400"/>
+              <a:t>]</a:t>
+            </a:r>
+          </a:p>
+          <a:p>
+            <a:pPr marL="0" indent="0">
+              <a:buNone/>
+            </a:pPr>
+            <a:r>
+              <a:rPr lang="en-US" altLang="zh-TW" sz="2400"/>
+              <a:t>lst.extend(3) </a:t>
+            </a:r>
+            <a:r>
+              <a:rPr lang="zh-TW" altLang="en-US" sz="2400"/>
+              <a:t>→ </a:t>
+            </a:r>
+            <a:r>
+              <a:rPr lang="en-US" altLang="zh-TW" sz="2400"/>
+              <a:t>Error </a:t>
+            </a:r>
+            <a:r>
+              <a:rPr lang="en-US" altLang="zh-TW" sz="2400">
+                <a:solidFill>
+                  <a:schemeClr val="bg1">
+                    <a:lumMod val="65000"/>
+                  </a:schemeClr>
+                </a:solidFill>
+              </a:rPr>
+              <a:t># 3 </a:t>
+            </a:r>
+            <a:r>
+              <a:rPr lang="zh-TW" altLang="en-US" sz="2400">
+                <a:solidFill>
+                  <a:schemeClr val="bg1">
+                    <a:lumMod val="65000"/>
+                  </a:schemeClr>
+                </a:solidFill>
+              </a:rPr>
+              <a:t>不是容器（非可迭代物件）</a:t>
+            </a:r>
+            <a:endParaRPr lang="en-US" altLang="zh-TW" sz="2400">
+              <a:solidFill>
+                <a:schemeClr val="bg1">
+                  <a:lumMod val="65000"/>
+                </a:schemeClr>
+              </a:solidFill>
+            </a:endParaRPr>
+          </a:p>
+        </p:txBody>
+      </p:sp>
+    </p:spTree>
+    <p:extLst>
+      <p:ext uri="{BB962C8B-B14F-4D97-AF65-F5344CB8AC3E}">
+        <p14:creationId xmlns:p14="http://schemas.microsoft.com/office/powerpoint/2010/main" val="2432678669"/>
+      </p:ext>
+    </p:extLst>
+  </p:cSld>
+  <p:clrMapOvr>
+    <a:masterClrMapping/>
+  </p:clrMapOvr>
+</p:sld>
+</file>
+
+<file path=ppt/slides/slide31.xml><?xml version="1.0" encoding="utf-8"?>
+<p:sld xmlns:a="http://schemas.openxmlformats.org/drawingml/2006/main" xmlns:r="http://schemas.openxmlformats.org/officeDocument/2006/relationships" xmlns:p="http://schemas.openxmlformats.org/presentationml/2006/main">
+  <p:cSld>
+    <p:spTree>
+      <p:nvGrpSpPr>
+        <p:cNvPr id="1" name=""/>
+        <p:cNvGrpSpPr/>
+        <p:nvPr/>
+      </p:nvGrpSpPr>
+      <p:grpSpPr>
+        <a:xfrm>
+          <a:off x="0" y="0"/>
+          <a:ext cx="0" cy="0"/>
+          <a:chOff x="0" y="0"/>
+          <a:chExt cx="0" cy="0"/>
+        </a:xfrm>
+      </p:grpSpPr>
+      <p:sp>
+        <p:nvSpPr>
+          <p:cNvPr id="2" name="標題 1">
+            <a:extLst>
+              <a:ext uri="{FF2B5EF4-FFF2-40B4-BE49-F238E27FC236}">
+                <a16:creationId xmlns:a16="http://schemas.microsoft.com/office/drawing/2014/main" id="{E5DFD65C-1C9D-4B85-80C3-D81AE46D21B5}"/>
+              </a:ext>
+            </a:extLst>
+          </p:cNvPr>
+          <p:cNvSpPr>
+            <a:spLocks noGrp="1"/>
+          </p:cNvSpPr>
+          <p:nvPr>
+            <p:ph type="title"/>
+          </p:nvPr>
+        </p:nvSpPr>
+        <p:spPr/>
+        <p:txBody>
+          <a:bodyPr/>
+          <a:lstStyle/>
+          <a:p>
+            <a:r>
+              <a:rPr lang="zh-TW" altLang="en-US"/>
+              <a:t>擴增 </a:t>
+            </a:r>
+            <a:r>
+              <a:rPr lang="en-US" altLang="zh-TW"/>
+              <a:t>append v.s. extend</a:t>
+            </a:r>
+            <a:endParaRPr lang="zh-TW" altLang="en-US"/>
+          </a:p>
+        </p:txBody>
+      </p:sp>
+      <p:sp>
+        <p:nvSpPr>
+          <p:cNvPr id="3" name="內容版面配置區 2">
+            <a:extLst>
+              <a:ext uri="{FF2B5EF4-FFF2-40B4-BE49-F238E27FC236}">
+                <a16:creationId xmlns:a16="http://schemas.microsoft.com/office/drawing/2014/main" id="{08CC9785-9BEE-42EC-BC98-520CF6084C8D}"/>
+              </a:ext>
+            </a:extLst>
+          </p:cNvPr>
+          <p:cNvSpPr>
+            <a:spLocks noGrp="1"/>
+          </p:cNvSpPr>
+          <p:nvPr>
+            <p:ph idx="1"/>
+          </p:nvPr>
+        </p:nvSpPr>
+        <p:spPr>
+          <a:xfrm>
+            <a:off x="1261871" y="1828800"/>
+            <a:ext cx="9692639" cy="4351337"/>
+          </a:xfrm>
+        </p:spPr>
+        <p:txBody>
+          <a:bodyPr>
+            <a:normAutofit/>
+          </a:bodyPr>
+          <a:lstStyle/>
+          <a:p>
+            <a:pPr marL="0" indent="0">
+              <a:buNone/>
+            </a:pPr>
+            <a:endParaRPr lang="en-US" altLang="zh-TW" sz="2400"/>
+          </a:p>
+          <a:p>
+            <a:pPr marL="0" indent="0">
+              <a:buNone/>
+            </a:pPr>
+            <a:r>
+              <a:rPr lang="en-US" altLang="zh-TW" sz="2400"/>
+              <a:t>lst.append(any)</a:t>
+            </a:r>
+            <a:r>
+              <a:rPr lang="zh-TW" altLang="en-US" sz="2400"/>
+              <a:t> → 將 </a:t>
+            </a:r>
+            <a:r>
+              <a:rPr lang="en-US" altLang="zh-TW" sz="2400"/>
+              <a:t>lst </a:t>
+            </a:r>
+            <a:r>
+              <a:rPr lang="zh-TW" altLang="en-US" sz="2400"/>
+              <a:t>新增一個元素的空間並置 </a:t>
+            </a:r>
+            <a:r>
+              <a:rPr lang="en-US" altLang="zh-TW" sz="2400"/>
+              <a:t>any </a:t>
+            </a:r>
+            <a:r>
+              <a:rPr lang="zh-TW" altLang="en-US" sz="2400"/>
+              <a:t>於最後</a:t>
+            </a:r>
+            <a:endParaRPr lang="en-US" altLang="zh-TW" sz="2400"/>
+          </a:p>
+          <a:p>
+            <a:pPr marL="0" indent="0">
+              <a:buNone/>
+            </a:pPr>
+            <a:r>
+              <a:rPr lang="en-US" altLang="zh-TW" sz="2400"/>
+              <a:t>lst.extend(container) </a:t>
+            </a:r>
+            <a:r>
+              <a:rPr lang="zh-TW" altLang="en-US" sz="2400"/>
+              <a:t>→ 將容器內的元素展開放到 </a:t>
+            </a:r>
+            <a:r>
+              <a:rPr lang="en-US" altLang="zh-TW" sz="2400"/>
+              <a:t>lst </a:t>
+            </a:r>
+            <a:r>
+              <a:rPr lang="zh-TW" altLang="en-US" sz="2400"/>
+              <a:t>後面</a:t>
+            </a:r>
+            <a:endParaRPr lang="en-US" altLang="zh-TW" sz="2400"/>
+          </a:p>
+          <a:p>
+            <a:pPr marL="0" indent="0">
+              <a:buNone/>
+            </a:pPr>
+            <a:endParaRPr lang="en-US" altLang="zh-TW" sz="2400"/>
+          </a:p>
+          <a:p>
+            <a:pPr marL="0" indent="0">
+              <a:buNone/>
+            </a:pPr>
+            <a:r>
+              <a:rPr lang="en-US" altLang="zh-TW" sz="2400"/>
+              <a:t>lst = [0, 1, 2]</a:t>
+            </a:r>
+          </a:p>
+          <a:p>
+            <a:pPr marL="0" indent="0">
+              <a:buNone/>
+            </a:pPr>
+            <a:r>
+              <a:rPr lang="en-US" altLang="zh-TW" sz="2400"/>
+              <a:t>lst.append(</a:t>
+            </a:r>
+            <a:r>
+              <a:rPr lang="en-US" altLang="zh-TW" sz="2400">
+                <a:solidFill>
+                  <a:srgbClr val="FF0000"/>
+                </a:solidFill>
+              </a:rPr>
+              <a:t>[3, 4]</a:t>
+            </a:r>
+            <a:r>
+              <a:rPr lang="en-US" altLang="zh-TW" sz="2400"/>
+              <a:t>)</a:t>
+            </a:r>
+            <a:r>
+              <a:rPr lang="zh-TW" altLang="en-US" sz="2400"/>
+              <a:t> </a:t>
+            </a:r>
+            <a:r>
+              <a:rPr lang="en-US" altLang="zh-TW" sz="2400"/>
+              <a:t>#</a:t>
+            </a:r>
+            <a:r>
+              <a:rPr lang="zh-TW" altLang="en-US" sz="2400"/>
+              <a:t> </a:t>
+            </a:r>
+            <a:r>
+              <a:rPr lang="en-US" altLang="zh-TW" sz="2400"/>
+              <a:t>lst </a:t>
+            </a:r>
+            <a:r>
+              <a:rPr lang="zh-TW" altLang="en-US" sz="2400"/>
+              <a:t>→ </a:t>
+            </a:r>
+            <a:r>
+              <a:rPr lang="en-US" altLang="zh-TW" sz="2400"/>
+              <a:t>[0, 1, 2, </a:t>
+            </a:r>
+            <a:r>
+              <a:rPr lang="en-US" altLang="zh-TW" sz="2400">
+                <a:solidFill>
+                  <a:srgbClr val="FF0000"/>
+                </a:solidFill>
+              </a:rPr>
+              <a:t>[3, 4]</a:t>
+            </a:r>
+            <a:r>
+              <a:rPr lang="en-US" altLang="zh-TW" sz="2400"/>
+              <a:t>]</a:t>
+            </a:r>
+          </a:p>
+          <a:p>
+            <a:pPr marL="0" indent="0">
+              <a:buNone/>
+            </a:pPr>
+            <a:r>
+              <a:rPr lang="en-US" altLang="zh-TW" sz="2400"/>
+              <a:t>lst.extend([</a:t>
+            </a:r>
+            <a:r>
+              <a:rPr lang="en-US" altLang="zh-TW" sz="2400">
+                <a:solidFill>
+                  <a:srgbClr val="FF0000"/>
+                </a:solidFill>
+              </a:rPr>
+              <a:t>3</a:t>
+            </a:r>
+            <a:r>
+              <a:rPr lang="en-US" altLang="zh-TW" sz="2400"/>
+              <a:t>, </a:t>
+            </a:r>
+            <a:r>
+              <a:rPr lang="en-US" altLang="zh-TW" sz="2400">
+                <a:solidFill>
+                  <a:srgbClr val="FF0000"/>
+                </a:solidFill>
+              </a:rPr>
+              <a:t>4</a:t>
+            </a:r>
+            <a:r>
+              <a:rPr lang="en-US" altLang="zh-TW" sz="2400"/>
+              <a:t>]) # lst </a:t>
+            </a:r>
+            <a:r>
+              <a:rPr lang="zh-TW" altLang="en-US" sz="2400"/>
+              <a:t>→ </a:t>
+            </a:r>
+            <a:r>
+              <a:rPr lang="en-US" altLang="zh-TW" sz="2400"/>
+              <a:t>[0, 1, 2, </a:t>
+            </a:r>
+            <a:r>
+              <a:rPr lang="en-US" altLang="zh-TW" sz="2400">
+                <a:solidFill>
+                  <a:srgbClr val="FF0000"/>
+                </a:solidFill>
+              </a:rPr>
+              <a:t>3</a:t>
+            </a:r>
+            <a:r>
+              <a:rPr lang="en-US" altLang="zh-TW" sz="2400"/>
+              <a:t>, </a:t>
+            </a:r>
+            <a:r>
+              <a:rPr lang="en-US" altLang="zh-TW" sz="2400">
+                <a:solidFill>
+                  <a:srgbClr val="FF0000"/>
+                </a:solidFill>
+              </a:rPr>
+              <a:t>4</a:t>
+            </a:r>
+            <a:r>
+              <a:rPr lang="en-US" altLang="zh-TW" sz="2400"/>
+              <a:t>]</a:t>
+            </a:r>
+          </a:p>
+        </p:txBody>
+      </p:sp>
+    </p:spTree>
+    <p:extLst>
+      <p:ext uri="{BB962C8B-B14F-4D97-AF65-F5344CB8AC3E}">
+        <p14:creationId xmlns:p14="http://schemas.microsoft.com/office/powerpoint/2010/main" val="2709102114"/>
+      </p:ext>
+    </p:extLst>
+  </p:cSld>
+  <p:clrMapOvr>
+    <a:masterClrMapping/>
+  </p:clrMapOvr>
+</p:sld>
+</file>
+
+<file path=ppt/slides/slide32.xml><?xml version="1.0" encoding="utf-8"?>
+<p:sld xmlns:a="http://schemas.openxmlformats.org/drawingml/2006/main" xmlns:r="http://schemas.openxmlformats.org/officeDocument/2006/relationships" xmlns:p="http://schemas.openxmlformats.org/presentationml/2006/main">
+  <p:cSld>
+    <p:spTree>
+      <p:nvGrpSpPr>
+        <p:cNvPr id="1" name=""/>
+        <p:cNvGrpSpPr/>
+        <p:nvPr/>
+      </p:nvGrpSpPr>
+      <p:grpSpPr>
+        <a:xfrm>
+          <a:off x="0" y="0"/>
+          <a:ext cx="0" cy="0"/>
+          <a:chOff x="0" y="0"/>
+          <a:chExt cx="0" cy="0"/>
+        </a:xfrm>
+      </p:grpSpPr>
+      <p:sp>
+        <p:nvSpPr>
+          <p:cNvPr id="2" name="標題 1">
+            <a:extLst>
+              <a:ext uri="{FF2B5EF4-FFF2-40B4-BE49-F238E27FC236}">
+                <a16:creationId xmlns:a16="http://schemas.microsoft.com/office/drawing/2014/main" id="{9CE269D6-FA10-4F83-8D8D-A11B04A986B2}"/>
+              </a:ext>
+            </a:extLst>
+          </p:cNvPr>
+          <p:cNvSpPr>
+            <a:spLocks noGrp="1"/>
+          </p:cNvSpPr>
+          <p:nvPr>
+            <p:ph type="title"/>
+          </p:nvPr>
+        </p:nvSpPr>
+        <p:spPr/>
+        <p:txBody>
+          <a:bodyPr/>
+          <a:lstStyle/>
+          <a:p>
+            <a:r>
+              <a:rPr lang="zh-TW" altLang="en-US"/>
+              <a:t>排序 </a:t>
+            </a:r>
+            <a:r>
+              <a:rPr lang="en-US" altLang="zh-TW"/>
+              <a:t>sort</a:t>
+            </a:r>
+            <a:endParaRPr lang="zh-TW" altLang="en-US"/>
+          </a:p>
+        </p:txBody>
+      </p:sp>
+      <p:sp>
+        <p:nvSpPr>
+          <p:cNvPr id="3" name="內容版面配置區 2">
+            <a:extLst>
+              <a:ext uri="{FF2B5EF4-FFF2-40B4-BE49-F238E27FC236}">
+                <a16:creationId xmlns:a16="http://schemas.microsoft.com/office/drawing/2014/main" id="{180231C4-AFE6-499F-874B-C7F6DB7FB2A6}"/>
+              </a:ext>
+            </a:extLst>
+          </p:cNvPr>
+          <p:cNvSpPr>
+            <a:spLocks noGrp="1"/>
+          </p:cNvSpPr>
+          <p:nvPr>
+            <p:ph idx="1"/>
+          </p:nvPr>
+        </p:nvSpPr>
+        <p:spPr/>
+        <p:txBody>
+          <a:bodyPr>
+            <a:normAutofit/>
+          </a:bodyPr>
+          <a:lstStyle/>
+          <a:p>
+            <a:pPr marL="0" indent="0">
+              <a:buNone/>
+            </a:pPr>
+            <a:endParaRPr lang="en-US" altLang="zh-TW" sz="2400"/>
+          </a:p>
+          <a:p>
+            <a:pPr marL="0" indent="0">
+              <a:buNone/>
+            </a:pPr>
+            <a:r>
+              <a:rPr lang="en-US" altLang="zh-TW" sz="2400"/>
+              <a:t>lst.sort() </a:t>
+            </a:r>
+            <a:r>
+              <a:rPr lang="zh-TW" altLang="en-US" sz="2400"/>
+              <a:t>→ 由小到大排列，</a:t>
+            </a:r>
+            <a:r>
+              <a:rPr lang="zh-TW" altLang="en-US" sz="2400">
+                <a:solidFill>
+                  <a:srgbClr val="FF0000"/>
+                </a:solidFill>
+              </a:rPr>
+              <a:t>所有元素間都必須能比大小</a:t>
+            </a:r>
+            <a:endParaRPr lang="en-US" altLang="zh-TW" sz="2400">
+              <a:solidFill>
+                <a:srgbClr val="FF0000"/>
+              </a:solidFill>
+            </a:endParaRPr>
+          </a:p>
+          <a:p>
+            <a:pPr marL="0" indent="0">
+              <a:buNone/>
+            </a:pPr>
+            <a:r>
+              <a:rPr lang="en-US" altLang="zh-TW" sz="2400"/>
+              <a:t>lst.sort(reverse=True) </a:t>
+            </a:r>
+            <a:r>
+              <a:rPr lang="zh-TW" altLang="en-US" sz="2400"/>
+              <a:t>→ 由大到小排列</a:t>
+            </a:r>
+            <a:endParaRPr lang="en-US" altLang="zh-TW" sz="2400"/>
+          </a:p>
+          <a:p>
+            <a:pPr marL="0" indent="0">
+              <a:buNone/>
+            </a:pPr>
+            <a:endParaRPr lang="en-US" altLang="zh-TW" sz="2400"/>
+          </a:p>
+          <a:p>
+            <a:pPr marL="0" indent="0">
+              <a:buNone/>
+            </a:pPr>
+            <a:r>
+              <a:rPr lang="en-US" altLang="zh-TW" sz="2400"/>
+              <a:t>lst = [3, 1, 4, 2, 5]</a:t>
+            </a:r>
+          </a:p>
+          <a:p>
+            <a:pPr marL="0" indent="0">
+              <a:buNone/>
+            </a:pPr>
+            <a:r>
+              <a:rPr lang="en-US" altLang="zh-TW" sz="2400"/>
+              <a:t>lst.sort() # lst </a:t>
+            </a:r>
+            <a:r>
+              <a:rPr lang="zh-TW" altLang="en-US" sz="2400"/>
+              <a:t>→ </a:t>
+            </a:r>
+            <a:r>
+              <a:rPr lang="en-US" altLang="zh-TW" sz="2400"/>
+              <a:t>[1, 2, 3, 4, 5]</a:t>
+            </a:r>
+          </a:p>
+          <a:p>
+            <a:pPr marL="0" indent="0">
+              <a:buNone/>
+            </a:pPr>
+            <a:r>
+              <a:rPr lang="en-US" altLang="zh-TW" sz="2400"/>
+              <a:t>lst.sort(reverse = True) # lst </a:t>
+            </a:r>
+            <a:r>
+              <a:rPr lang="zh-TW" altLang="en-US" sz="2400"/>
+              <a:t>→ </a:t>
+            </a:r>
+            <a:r>
+              <a:rPr lang="en-US" altLang="zh-TW" sz="2400"/>
+              <a:t>[5, 4, 3, 2, 1]</a:t>
+            </a:r>
+          </a:p>
+        </p:txBody>
+      </p:sp>
+    </p:spTree>
+    <p:extLst>
+      <p:ext uri="{BB962C8B-B14F-4D97-AF65-F5344CB8AC3E}">
+        <p14:creationId xmlns:p14="http://schemas.microsoft.com/office/powerpoint/2010/main" val="3275125947"/>
+      </p:ext>
+    </p:extLst>
+  </p:cSld>
+  <p:clrMapOvr>
+    <a:masterClrMapping/>
+  </p:clrMapOvr>
+</p:sld>
+</file>
+
+<file path=ppt/slides/slide33.xml><?xml version="1.0" encoding="utf-8"?>
+<p:sld xmlns:a="http://schemas.openxmlformats.org/drawingml/2006/main" xmlns:r="http://schemas.openxmlformats.org/officeDocument/2006/relationships" xmlns:p="http://schemas.openxmlformats.org/presentationml/2006/main">
+  <p:cSld>
+    <p:spTree>
+      <p:nvGrpSpPr>
+        <p:cNvPr id="1" name=""/>
+        <p:cNvGrpSpPr/>
+        <p:nvPr/>
+      </p:nvGrpSpPr>
+      <p:grpSpPr>
+        <a:xfrm>
+          <a:off x="0" y="0"/>
+          <a:ext cx="0" cy="0"/>
+          <a:chOff x="0" y="0"/>
+          <a:chExt cx="0" cy="0"/>
+        </a:xfrm>
+      </p:grpSpPr>
+      <p:sp>
+        <p:nvSpPr>
+          <p:cNvPr id="2" name="標題 1">
+            <a:extLst>
+              <a:ext uri="{FF2B5EF4-FFF2-40B4-BE49-F238E27FC236}">
+                <a16:creationId xmlns:a16="http://schemas.microsoft.com/office/drawing/2014/main" id="{9CE269D6-FA10-4F83-8D8D-A11B04A986B2}"/>
+              </a:ext>
+            </a:extLst>
+          </p:cNvPr>
+          <p:cNvSpPr>
+            <a:spLocks noGrp="1"/>
+          </p:cNvSpPr>
+          <p:nvPr>
+            <p:ph type="title"/>
+          </p:nvPr>
+        </p:nvSpPr>
+        <p:spPr/>
+        <p:txBody>
+          <a:bodyPr/>
+          <a:lstStyle/>
+          <a:p>
+            <a:r>
+              <a:rPr lang="zh-TW" altLang="en-US"/>
+              <a:t>排序 </a:t>
+            </a:r>
+            <a:r>
+              <a:rPr lang="en-US" altLang="zh-TW"/>
+              <a:t>sort</a:t>
+            </a:r>
+            <a:endParaRPr lang="zh-TW" altLang="en-US"/>
+          </a:p>
+        </p:txBody>
+      </p:sp>
+      <p:sp>
+        <p:nvSpPr>
+          <p:cNvPr id="3" name="內容版面配置區 2">
+            <a:extLst>
+              <a:ext uri="{FF2B5EF4-FFF2-40B4-BE49-F238E27FC236}">
+                <a16:creationId xmlns:a16="http://schemas.microsoft.com/office/drawing/2014/main" id="{180231C4-AFE6-499F-874B-C7F6DB7FB2A6}"/>
+              </a:ext>
+            </a:extLst>
+          </p:cNvPr>
+          <p:cNvSpPr>
+            <a:spLocks noGrp="1"/>
+          </p:cNvSpPr>
+          <p:nvPr>
+            <p:ph idx="1"/>
+          </p:nvPr>
+        </p:nvSpPr>
+        <p:spPr/>
+        <p:txBody>
+          <a:bodyPr>
+            <a:normAutofit/>
+          </a:bodyPr>
+          <a:lstStyle/>
+          <a:p>
+            <a:pPr marL="0" indent="0">
+              <a:buNone/>
+            </a:pPr>
+            <a:endParaRPr lang="en-US" altLang="zh-TW" sz="2400"/>
+          </a:p>
+          <a:p>
+            <a:pPr marL="0" indent="0">
+              <a:buNone/>
+            </a:pPr>
+            <a:r>
+              <a:rPr lang="en-US" altLang="zh-TW" sz="2400"/>
+              <a:t>lst.sort() </a:t>
+            </a:r>
+            <a:r>
+              <a:rPr lang="zh-TW" altLang="en-US" sz="2400"/>
+              <a:t>→ 由小到大排列，</a:t>
+            </a:r>
+            <a:r>
+              <a:rPr lang="zh-TW" altLang="en-US" sz="2400">
+                <a:solidFill>
+                  <a:srgbClr val="FF0000"/>
+                </a:solidFill>
+              </a:rPr>
+              <a:t>所有元素間都必須能比大小</a:t>
+            </a:r>
+            <a:endParaRPr lang="en-US" altLang="zh-TW" sz="2400">
+              <a:solidFill>
+                <a:srgbClr val="FF0000"/>
+              </a:solidFill>
+            </a:endParaRPr>
+          </a:p>
+          <a:p>
+            <a:pPr marL="0" indent="0">
+              <a:buNone/>
+            </a:pPr>
+            <a:r>
+              <a:rPr lang="en-US" altLang="zh-TW" sz="2400"/>
+              <a:t>lst.sort(reverse=True) </a:t>
+            </a:r>
+            <a:r>
+              <a:rPr lang="zh-TW" altLang="en-US" sz="2400"/>
+              <a:t>→ 由大到小排列</a:t>
+            </a:r>
+            <a:endParaRPr lang="en-US" altLang="zh-TW" sz="2400"/>
+          </a:p>
+          <a:p>
+            <a:pPr marL="0" indent="0">
+              <a:buNone/>
+            </a:pPr>
+            <a:endParaRPr lang="en-US" altLang="zh-TW" sz="2400"/>
+          </a:p>
+          <a:p>
+            <a:pPr marL="0" indent="0">
+              <a:buNone/>
+            </a:pPr>
+            <a:r>
+              <a:rPr lang="en-US" altLang="zh-TW" sz="2400"/>
+              <a:t>lst = [3, 1, 4, 2, </a:t>
+            </a:r>
+            <a:r>
+              <a:rPr lang="en-US" altLang="zh-TW" sz="2400">
+                <a:solidFill>
+                  <a:srgbClr val="FF0000"/>
+                </a:solidFill>
+              </a:rPr>
+              <a:t>“5”</a:t>
+            </a:r>
+            <a:r>
+              <a:rPr lang="en-US" altLang="zh-TW" sz="2400"/>
+              <a:t>]</a:t>
+            </a:r>
+          </a:p>
+          <a:p>
+            <a:pPr marL="0" indent="0">
+              <a:buNone/>
+            </a:pPr>
+            <a:r>
+              <a:rPr lang="en-US" altLang="zh-TW" sz="2400"/>
+              <a:t>lst.sort() </a:t>
+            </a:r>
+            <a:r>
+              <a:rPr lang="zh-TW" altLang="en-US" sz="2400"/>
+              <a:t>→ </a:t>
+            </a:r>
+            <a:r>
+              <a:rPr lang="en-US" altLang="zh-TW" sz="2400"/>
+              <a:t>Error</a:t>
+            </a:r>
+          </a:p>
+        </p:txBody>
+      </p:sp>
+    </p:spTree>
+    <p:extLst>
+      <p:ext uri="{BB962C8B-B14F-4D97-AF65-F5344CB8AC3E}">
+        <p14:creationId xmlns:p14="http://schemas.microsoft.com/office/powerpoint/2010/main" val="1804673060"/>
+      </p:ext>
+    </p:extLst>
+  </p:cSld>
+  <p:clrMapOvr>
+    <a:masterClrMapping/>
+  </p:clrMapOvr>
+</p:sld>
+</file>
+
+<file path=ppt/slides/slide34.xml><?xml version="1.0" encoding="utf-8"?>
+<p:sld xmlns:a="http://schemas.openxmlformats.org/drawingml/2006/main" xmlns:r="http://schemas.openxmlformats.org/officeDocument/2006/relationships" xmlns:p="http://schemas.openxmlformats.org/presentationml/2006/main">
+  <p:cSld>
+    <p:spTree>
+      <p:nvGrpSpPr>
+        <p:cNvPr id="1" name=""/>
+        <p:cNvGrpSpPr/>
+        <p:nvPr/>
+      </p:nvGrpSpPr>
+      <p:grpSpPr>
+        <a:xfrm>
+          <a:off x="0" y="0"/>
+          <a:ext cx="0" cy="0"/>
+          <a:chOff x="0" y="0"/>
+          <a:chExt cx="0" cy="0"/>
+        </a:xfrm>
+      </p:grpSpPr>
+      <p:sp>
+        <p:nvSpPr>
+          <p:cNvPr id="2" name="標題 1">
+            <a:extLst>
+              <a:ext uri="{FF2B5EF4-FFF2-40B4-BE49-F238E27FC236}">
+                <a16:creationId xmlns:a16="http://schemas.microsoft.com/office/drawing/2014/main" id="{AC68AEB4-CBAD-4AC3-BCC6-CDF5736D7ADC}"/>
+              </a:ext>
+            </a:extLst>
+          </p:cNvPr>
+          <p:cNvSpPr>
+            <a:spLocks noGrp="1"/>
+          </p:cNvSpPr>
+          <p:nvPr>
+            <p:ph type="title"/>
+          </p:nvPr>
+        </p:nvSpPr>
+        <p:spPr/>
+        <p:txBody>
+          <a:bodyPr/>
+          <a:lstStyle/>
+          <a:p>
+            <a:r>
+              <a:rPr lang="zh-TW" altLang="en-US"/>
+              <a:t>反轉 </a:t>
+            </a:r>
+            <a:r>
+              <a:rPr lang="en-US" altLang="zh-TW"/>
+              <a:t>reverse</a:t>
+            </a:r>
+            <a:endParaRPr lang="zh-TW" altLang="en-US"/>
+          </a:p>
+        </p:txBody>
+      </p:sp>
+      <p:sp>
+        <p:nvSpPr>
+          <p:cNvPr id="3" name="內容版面配置區 2">
+            <a:extLst>
+              <a:ext uri="{FF2B5EF4-FFF2-40B4-BE49-F238E27FC236}">
+                <a16:creationId xmlns:a16="http://schemas.microsoft.com/office/drawing/2014/main" id="{F2EBC56D-02E2-4D14-BBF6-2745DE009B31}"/>
+              </a:ext>
+            </a:extLst>
+          </p:cNvPr>
+          <p:cNvSpPr>
+            <a:spLocks noGrp="1"/>
+          </p:cNvSpPr>
+          <p:nvPr>
+            <p:ph idx="1"/>
+          </p:nvPr>
+        </p:nvSpPr>
+        <p:spPr/>
+        <p:txBody>
+          <a:bodyPr/>
+          <a:lstStyle/>
+          <a:p>
+            <a:pPr marL="0" indent="0">
+              <a:buNone/>
+            </a:pPr>
+            <a:endParaRPr lang="en-US" altLang="zh-TW"/>
+          </a:p>
+          <a:p>
+            <a:pPr marL="0" indent="0">
+              <a:buNone/>
+            </a:pPr>
+            <a:r>
+              <a:rPr lang="en-US" altLang="zh-TW" sz="2400"/>
+              <a:t>lst.reverse() </a:t>
+            </a:r>
+            <a:r>
+              <a:rPr lang="zh-TW" altLang="en-US" sz="2400"/>
+              <a:t>→ 將 </a:t>
+            </a:r>
+            <a:r>
+              <a:rPr lang="en-US" altLang="zh-TW" sz="2400"/>
+              <a:t>lst </a:t>
+            </a:r>
+            <a:r>
+              <a:rPr lang="zh-TW" altLang="en-US" sz="2400"/>
+              <a:t>的元素反轉</a:t>
+            </a:r>
+            <a:endParaRPr lang="en-US" altLang="zh-TW" sz="2400"/>
+          </a:p>
+          <a:p>
+            <a:pPr marL="0" indent="0">
+              <a:buNone/>
+            </a:pPr>
+            <a:endParaRPr lang="en-US" altLang="zh-TW" sz="2400"/>
+          </a:p>
+          <a:p>
+            <a:pPr marL="0" indent="0">
+              <a:buNone/>
+            </a:pPr>
+            <a:r>
+              <a:rPr lang="en-US" altLang="zh-TW" sz="2400"/>
+              <a:t>lst = [“a”, True, [0, 1]]</a:t>
+            </a:r>
+          </a:p>
+          <a:p>
+            <a:pPr marL="0" indent="0">
+              <a:buNone/>
+            </a:pPr>
+            <a:r>
+              <a:rPr lang="en-US" altLang="zh-TW" sz="2400"/>
+              <a:t>lst.reverse()</a:t>
+            </a:r>
+          </a:p>
+          <a:p>
+            <a:pPr marL="0" indent="0">
+              <a:buNone/>
+            </a:pPr>
+            <a:r>
+              <a:rPr lang="en-US" altLang="zh-TW" sz="2400"/>
+              <a:t>lst </a:t>
+            </a:r>
+            <a:r>
+              <a:rPr lang="zh-TW" altLang="en-US" sz="2400"/>
+              <a:t>→ </a:t>
+            </a:r>
+            <a:r>
+              <a:rPr lang="en-US" altLang="zh-TW" sz="2400"/>
+              <a:t>[[0, 1], True, “a”]</a:t>
+            </a:r>
+            <a:endParaRPr lang="zh-TW" altLang="en-US" sz="2400"/>
+          </a:p>
+        </p:txBody>
+      </p:sp>
+    </p:spTree>
+    <p:extLst>
+      <p:ext uri="{BB962C8B-B14F-4D97-AF65-F5344CB8AC3E}">
+        <p14:creationId xmlns:p14="http://schemas.microsoft.com/office/powerpoint/2010/main" val="1143315519"/>
+      </p:ext>
+    </p:extLst>
+  </p:cSld>
+  <p:clrMapOvr>
+    <a:masterClrMapping/>
+  </p:clrMapOvr>
+</p:sld>
+</file>
+
+<file path=ppt/slides/slide35.xml><?xml version="1.0" encoding="utf-8"?>
+<p:sld xmlns:a="http://schemas.openxmlformats.org/drawingml/2006/main" xmlns:r="http://schemas.openxmlformats.org/officeDocument/2006/relationships" xmlns:p="http://schemas.openxmlformats.org/presentationml/2006/main">
+  <p:cSld>
+    <p:spTree>
+      <p:nvGrpSpPr>
+        <p:cNvPr id="1" name=""/>
+        <p:cNvGrpSpPr/>
+        <p:nvPr/>
+      </p:nvGrpSpPr>
+      <p:grpSpPr>
+        <a:xfrm>
+          <a:off x="0" y="0"/>
+          <a:ext cx="0" cy="0"/>
+          <a:chOff x="0" y="0"/>
+          <a:chExt cx="0" cy="0"/>
+        </a:xfrm>
+      </p:grpSpPr>
+      <p:sp>
+        <p:nvSpPr>
+          <p:cNvPr id="2" name="標題 1">
+            <a:extLst>
+              <a:ext uri="{FF2B5EF4-FFF2-40B4-BE49-F238E27FC236}">
+                <a16:creationId xmlns:a16="http://schemas.microsoft.com/office/drawing/2014/main" id="{AC68AEB4-CBAD-4AC3-BCC6-CDF5736D7ADC}"/>
+              </a:ext>
+            </a:extLst>
+          </p:cNvPr>
+          <p:cNvSpPr>
+            <a:spLocks noGrp="1"/>
+          </p:cNvSpPr>
+          <p:nvPr>
+            <p:ph type="title"/>
+          </p:nvPr>
+        </p:nvSpPr>
+        <p:spPr/>
+        <p:txBody>
+          <a:bodyPr/>
+          <a:lstStyle/>
+          <a:p>
+            <a:r>
+              <a:rPr lang="zh-TW" altLang="en-US"/>
+              <a:t>插入 </a:t>
+            </a:r>
+            <a:r>
+              <a:rPr lang="en-US" altLang="zh-TW"/>
+              <a:t>insert</a:t>
+            </a:r>
+            <a:endParaRPr lang="zh-TW" altLang="en-US"/>
+          </a:p>
+        </p:txBody>
+      </p:sp>
+      <p:sp>
+        <p:nvSpPr>
+          <p:cNvPr id="3" name="內容版面配置區 2">
+            <a:extLst>
+              <a:ext uri="{FF2B5EF4-FFF2-40B4-BE49-F238E27FC236}">
+                <a16:creationId xmlns:a16="http://schemas.microsoft.com/office/drawing/2014/main" id="{F2EBC56D-02E2-4D14-BBF6-2745DE009B31}"/>
+              </a:ext>
+            </a:extLst>
+          </p:cNvPr>
+          <p:cNvSpPr>
+            <a:spLocks noGrp="1"/>
+          </p:cNvSpPr>
+          <p:nvPr>
+            <p:ph idx="1"/>
+          </p:nvPr>
+        </p:nvSpPr>
+        <p:spPr/>
+        <p:txBody>
+          <a:bodyPr/>
+          <a:lstStyle/>
+          <a:p>
+            <a:pPr marL="0" indent="0">
+              <a:buNone/>
+            </a:pPr>
+            <a:endParaRPr lang="en-US" altLang="zh-TW"/>
+          </a:p>
+          <a:p>
+            <a:pPr marL="0" indent="0">
+              <a:buNone/>
+            </a:pPr>
+            <a:r>
+              <a:rPr lang="en-US" altLang="zh-TW" sz="2400"/>
+              <a:t>lst.insert(index, any) </a:t>
+            </a:r>
+            <a:r>
+              <a:rPr lang="zh-TW" altLang="en-US" sz="2400"/>
+              <a:t>→ 插入 </a:t>
+            </a:r>
+            <a:r>
+              <a:rPr lang="en-US" altLang="zh-TW" sz="2400"/>
+              <a:t>any </a:t>
+            </a:r>
+            <a:r>
+              <a:rPr lang="zh-TW" altLang="en-US" sz="2400"/>
+              <a:t>到 </a:t>
+            </a:r>
+            <a:r>
+              <a:rPr lang="en-US" altLang="zh-TW" sz="2400"/>
+              <a:t>index </a:t>
+            </a:r>
+            <a:r>
+              <a:rPr lang="zh-TW" altLang="en-US" sz="2400"/>
+              <a:t>之前</a:t>
+            </a:r>
+            <a:endParaRPr lang="en-US" altLang="zh-TW" sz="2400"/>
+          </a:p>
+          <a:p>
+            <a:pPr marL="0" indent="0">
+              <a:buNone/>
+            </a:pPr>
+            <a:endParaRPr lang="en-US" altLang="zh-TW" sz="2400"/>
+          </a:p>
+          <a:p>
+            <a:pPr marL="0" indent="0">
+              <a:buNone/>
+            </a:pPr>
+            <a:r>
+              <a:rPr lang="en-US" altLang="zh-TW" sz="2400"/>
+              <a:t>lst = [‘A’, ‘B’, </a:t>
+            </a:r>
+            <a:r>
+              <a:rPr lang="en-US" altLang="zh-TW" sz="2400">
+                <a:solidFill>
+                  <a:srgbClr val="0070C0"/>
+                </a:solidFill>
+              </a:rPr>
+              <a:t>‘C’</a:t>
+            </a:r>
+            <a:r>
+              <a:rPr lang="en-US" altLang="zh-TW" sz="2400"/>
+              <a:t>, ‘D’]</a:t>
+            </a:r>
+          </a:p>
+          <a:p>
+            <a:pPr marL="0" indent="0">
+              <a:buNone/>
+            </a:pPr>
+            <a:r>
+              <a:rPr lang="en-US" altLang="zh-TW" sz="2400"/>
+              <a:t>lst.insert(2, </a:t>
+            </a:r>
+            <a:r>
+              <a:rPr lang="en-US" altLang="zh-TW" sz="2400">
+                <a:solidFill>
+                  <a:srgbClr val="FF0000"/>
+                </a:solidFill>
+              </a:rPr>
+              <a:t>‘X’</a:t>
+            </a:r>
+            <a:r>
+              <a:rPr lang="en-US" altLang="zh-TW" sz="2400"/>
+              <a:t>)</a:t>
+            </a:r>
+          </a:p>
+          <a:p>
+            <a:pPr marL="0" indent="0">
+              <a:buNone/>
+            </a:pPr>
+            <a:r>
+              <a:rPr lang="en-US" altLang="zh-TW" sz="2400"/>
+              <a:t>lst </a:t>
+            </a:r>
+            <a:r>
+              <a:rPr lang="zh-TW" altLang="en-US" sz="2400"/>
+              <a:t>→ </a:t>
+            </a:r>
+            <a:r>
+              <a:rPr lang="en-US" altLang="zh-TW" sz="2400"/>
+              <a:t>[‘A’, ‘B’, </a:t>
+            </a:r>
+            <a:r>
+              <a:rPr lang="en-US" altLang="zh-TW" sz="2400">
+                <a:solidFill>
+                  <a:srgbClr val="FF0000"/>
+                </a:solidFill>
+              </a:rPr>
+              <a:t>‘X’</a:t>
+            </a:r>
+            <a:r>
+              <a:rPr lang="en-US" altLang="zh-TW" sz="2400"/>
+              <a:t>, </a:t>
+            </a:r>
+            <a:r>
+              <a:rPr lang="en-US" altLang="zh-TW" sz="2400">
+                <a:solidFill>
+                  <a:srgbClr val="0070C0"/>
+                </a:solidFill>
+              </a:rPr>
+              <a:t>‘C’</a:t>
+            </a:r>
+            <a:r>
+              <a:rPr lang="en-US" altLang="zh-TW" sz="2400"/>
+              <a:t>, ‘D’]</a:t>
+            </a:r>
+          </a:p>
+        </p:txBody>
+      </p:sp>
+    </p:spTree>
+    <p:extLst>
+      <p:ext uri="{BB962C8B-B14F-4D97-AF65-F5344CB8AC3E}">
+        <p14:creationId xmlns:p14="http://schemas.microsoft.com/office/powerpoint/2010/main" val="2310598532"/>
+      </p:ext>
+    </p:extLst>
+  </p:cSld>
+  <p:clrMapOvr>
+    <a:masterClrMapping/>
+  </p:clrMapOvr>
+</p:sld>
+</file>
+
+<file path=ppt/slides/slide36.xml><?xml version="1.0" encoding="utf-8"?>
+<p:sld xmlns:a="http://schemas.openxmlformats.org/drawingml/2006/main" xmlns:r="http://schemas.openxmlformats.org/officeDocument/2006/relationships" xmlns:p="http://schemas.openxmlformats.org/presentationml/2006/main">
+  <p:cSld>
+    <p:spTree>
+      <p:nvGrpSpPr>
+        <p:cNvPr id="1" name=""/>
+        <p:cNvGrpSpPr/>
+        <p:nvPr/>
+      </p:nvGrpSpPr>
+      <p:grpSpPr>
+        <a:xfrm>
+          <a:off x="0" y="0"/>
+          <a:ext cx="0" cy="0"/>
+          <a:chOff x="0" y="0"/>
+          <a:chExt cx="0" cy="0"/>
+        </a:xfrm>
+      </p:grpSpPr>
+      <p:sp>
+        <p:nvSpPr>
+          <p:cNvPr id="2" name="標題 1">
+            <a:extLst>
+              <a:ext uri="{FF2B5EF4-FFF2-40B4-BE49-F238E27FC236}">
+                <a16:creationId xmlns:a16="http://schemas.microsoft.com/office/drawing/2014/main" id="{4B003158-B04D-4D32-8B78-F70D5BA633AD}"/>
+              </a:ext>
+            </a:extLst>
+          </p:cNvPr>
+          <p:cNvSpPr>
+            <a:spLocks noGrp="1"/>
+          </p:cNvSpPr>
+          <p:nvPr>
+            <p:ph type="title"/>
+          </p:nvPr>
+        </p:nvSpPr>
+        <p:spPr/>
+        <p:txBody>
+          <a:bodyPr/>
+          <a:lstStyle/>
+          <a:p>
+            <a:r>
+              <a:rPr lang="zh-TW" altLang="en-US"/>
+              <a:t>取值並刪除 </a:t>
+            </a:r>
+            <a:r>
+              <a:rPr lang="en-US" altLang="zh-TW"/>
+              <a:t>pop</a:t>
+            </a:r>
+            <a:endParaRPr lang="zh-TW" altLang="en-US"/>
+          </a:p>
+        </p:txBody>
+      </p:sp>
+      <p:sp>
+        <p:nvSpPr>
+          <p:cNvPr id="3" name="內容版面配置區 2">
+            <a:extLst>
+              <a:ext uri="{FF2B5EF4-FFF2-40B4-BE49-F238E27FC236}">
+                <a16:creationId xmlns:a16="http://schemas.microsoft.com/office/drawing/2014/main" id="{7485DC28-0745-4016-AECF-9B3F3F643C42}"/>
+              </a:ext>
+            </a:extLst>
+          </p:cNvPr>
+          <p:cNvSpPr>
+            <a:spLocks noGrp="1"/>
+          </p:cNvSpPr>
+          <p:nvPr>
+            <p:ph idx="1"/>
+          </p:nvPr>
+        </p:nvSpPr>
+        <p:spPr/>
+        <p:txBody>
+          <a:bodyPr>
+            <a:normAutofit/>
+          </a:bodyPr>
+          <a:lstStyle/>
+          <a:p>
+            <a:pPr marL="0" indent="0">
+              <a:buNone/>
+            </a:pPr>
+            <a:endParaRPr lang="en-US" altLang="zh-TW" sz="2400"/>
+          </a:p>
+          <a:p>
+            <a:pPr marL="0" indent="0">
+              <a:buNone/>
+            </a:pPr>
+            <a:r>
+              <a:rPr lang="en-US" altLang="zh-TW" sz="2400"/>
+              <a:t>lst.pop(index) </a:t>
+            </a:r>
+            <a:r>
+              <a:rPr lang="zh-TW" altLang="en-US" sz="2400"/>
+              <a:t>→ </a:t>
+            </a:r>
+            <a:r>
+              <a:rPr lang="zh-TW" altLang="en-US" sz="2400">
+                <a:solidFill>
+                  <a:srgbClr val="FF0000"/>
+                </a:solidFill>
+              </a:rPr>
+              <a:t>回傳</a:t>
+            </a:r>
+            <a:r>
+              <a:rPr lang="zh-TW" altLang="en-US" sz="2400"/>
+              <a:t> </a:t>
+            </a:r>
+            <a:r>
+              <a:rPr lang="en-US" altLang="zh-TW" sz="2400"/>
+              <a:t>lst[index] </a:t>
+            </a:r>
+            <a:r>
+              <a:rPr lang="zh-TW" altLang="en-US" sz="2400"/>
+              <a:t>並將其刪除</a:t>
+            </a:r>
+            <a:endParaRPr lang="en-US" altLang="zh-TW" sz="2400"/>
+          </a:p>
+          <a:p>
+            <a:pPr marL="0" indent="0">
+              <a:buNone/>
+            </a:pPr>
+            <a:endParaRPr lang="en-US" altLang="zh-TW" sz="2400"/>
+          </a:p>
+          <a:p>
+            <a:pPr marL="0" indent="0">
+              <a:buNone/>
+            </a:pPr>
+            <a:r>
+              <a:rPr lang="en-US" altLang="zh-TW" sz="2400"/>
+              <a:t>lst = [‘A’, ‘B’, </a:t>
+            </a:r>
+            <a:r>
+              <a:rPr lang="en-US" altLang="zh-TW" sz="2400">
+                <a:solidFill>
+                  <a:srgbClr val="FF0000"/>
+                </a:solidFill>
+              </a:rPr>
+              <a:t>‘C’</a:t>
+            </a:r>
+            <a:r>
+              <a:rPr lang="en-US" altLang="zh-TW" sz="2400"/>
+              <a:t>, ‘D’]</a:t>
+            </a:r>
+          </a:p>
+          <a:p>
+            <a:pPr marL="0" indent="0">
+              <a:buNone/>
+            </a:pPr>
+            <a:r>
+              <a:rPr lang="en-US" altLang="zh-TW" sz="2400"/>
+              <a:t>s = lst.pop(2)</a:t>
+            </a:r>
+          </a:p>
+          <a:p>
+            <a:pPr marL="0" indent="0">
+              <a:buNone/>
+            </a:pPr>
+            <a:r>
+              <a:rPr lang="en-US" altLang="zh-TW" sz="2400"/>
+              <a:t>s </a:t>
+            </a:r>
+            <a:r>
+              <a:rPr lang="zh-TW" altLang="en-US" sz="2400"/>
+              <a:t>→ </a:t>
+            </a:r>
+            <a:r>
+              <a:rPr lang="en-US" altLang="zh-TW" sz="2400">
+                <a:solidFill>
+                  <a:srgbClr val="FF0000"/>
+                </a:solidFill>
+              </a:rPr>
+              <a:t>‘C’</a:t>
+            </a:r>
+          </a:p>
+          <a:p>
+            <a:pPr marL="0" indent="0">
+              <a:buNone/>
+            </a:pPr>
+            <a:r>
+              <a:rPr lang="en-US" altLang="zh-TW" sz="2400"/>
+              <a:t>lst</a:t>
+            </a:r>
+            <a:r>
+              <a:rPr lang="zh-TW" altLang="en-US" sz="2400"/>
+              <a:t> → </a:t>
+            </a:r>
+            <a:r>
+              <a:rPr lang="en-US" altLang="zh-TW" sz="2400"/>
+              <a:t>[‘A’,</a:t>
+            </a:r>
+            <a:r>
+              <a:rPr lang="zh-TW" altLang="en-US" sz="2400"/>
+              <a:t> </a:t>
+            </a:r>
+            <a:r>
+              <a:rPr lang="en-US" altLang="zh-TW" sz="2400"/>
+              <a:t>‘B’, ‘D’]</a:t>
+            </a:r>
+            <a:endParaRPr lang="zh-TW" altLang="en-US" sz="2400"/>
+          </a:p>
+        </p:txBody>
+      </p:sp>
+    </p:spTree>
+    <p:extLst>
+      <p:ext uri="{BB962C8B-B14F-4D97-AF65-F5344CB8AC3E}">
+        <p14:creationId xmlns:p14="http://schemas.microsoft.com/office/powerpoint/2010/main" val="3643430733"/>
+      </p:ext>
+    </p:extLst>
+  </p:cSld>
+  <p:clrMapOvr>
+    <a:masterClrMapping/>
+  </p:clrMapOvr>
+</p:sld>
+</file>
+
+<file path=ppt/slides/slide37.xml><?xml version="1.0" encoding="utf-8"?>
+<p:sld xmlns:a="http://schemas.openxmlformats.org/drawingml/2006/main" xmlns:r="http://schemas.openxmlformats.org/officeDocument/2006/relationships" xmlns:p="http://schemas.openxmlformats.org/presentationml/2006/main">
+  <p:cSld>
+    <p:spTree>
+      <p:nvGrpSpPr>
+        <p:cNvPr id="1" name=""/>
+        <p:cNvGrpSpPr/>
+        <p:nvPr/>
+      </p:nvGrpSpPr>
+      <p:grpSpPr>
+        <a:xfrm>
+          <a:off x="0" y="0"/>
+          <a:ext cx="0" cy="0"/>
+          <a:chOff x="0" y="0"/>
+          <a:chExt cx="0" cy="0"/>
+        </a:xfrm>
+      </p:grpSpPr>
+      <p:sp>
+        <p:nvSpPr>
+          <p:cNvPr id="2" name="標題 1">
+            <a:extLst>
+              <a:ext uri="{FF2B5EF4-FFF2-40B4-BE49-F238E27FC236}">
+                <a16:creationId xmlns:a16="http://schemas.microsoft.com/office/drawing/2014/main" id="{86166935-A246-4823-9799-71DAAF7681D0}"/>
+              </a:ext>
+            </a:extLst>
+          </p:cNvPr>
+          <p:cNvSpPr>
+            <a:spLocks noGrp="1"/>
+          </p:cNvSpPr>
+          <p:nvPr>
+            <p:ph type="title"/>
+          </p:nvPr>
+        </p:nvSpPr>
+        <p:spPr/>
+        <p:txBody>
+          <a:bodyPr/>
+          <a:lstStyle/>
+          <a:p>
+            <a:r>
+              <a:rPr lang="zh-TW" altLang="en-US"/>
+              <a:t>數量 </a:t>
+            </a:r>
+            <a:r>
+              <a:rPr lang="en-US" altLang="zh-TW"/>
+              <a:t>count</a:t>
+            </a:r>
+            <a:endParaRPr lang="zh-TW" altLang="en-US"/>
+          </a:p>
+        </p:txBody>
+      </p:sp>
+      <p:sp>
+        <p:nvSpPr>
+          <p:cNvPr id="3" name="內容版面配置區 2">
+            <a:extLst>
+              <a:ext uri="{FF2B5EF4-FFF2-40B4-BE49-F238E27FC236}">
+                <a16:creationId xmlns:a16="http://schemas.microsoft.com/office/drawing/2014/main" id="{BCE19237-B733-4595-B2FB-7B85AC65C316}"/>
+              </a:ext>
+            </a:extLst>
+          </p:cNvPr>
+          <p:cNvSpPr>
+            <a:spLocks noGrp="1"/>
+          </p:cNvSpPr>
+          <p:nvPr>
+            <p:ph idx="1"/>
+          </p:nvPr>
+        </p:nvSpPr>
+        <p:spPr/>
+        <p:txBody>
+          <a:bodyPr/>
+          <a:lstStyle/>
+          <a:p>
+            <a:pPr marL="0" indent="0">
+              <a:buNone/>
+            </a:pPr>
+            <a:endParaRPr lang="en-US" altLang="zh-TW"/>
+          </a:p>
+          <a:p>
+            <a:pPr marL="0" indent="0">
+              <a:buNone/>
+            </a:pPr>
+            <a:r>
+              <a:rPr lang="en-US" altLang="zh-TW" sz="2400"/>
+              <a:t>lst.count(item) </a:t>
+            </a:r>
+            <a:r>
+              <a:rPr lang="zh-TW" altLang="en-US" sz="2400"/>
+              <a:t>→ </a:t>
+            </a:r>
+            <a:r>
+              <a:rPr lang="zh-TW" altLang="en-US" sz="2400">
+                <a:solidFill>
+                  <a:srgbClr val="FF0000"/>
+                </a:solidFill>
+              </a:rPr>
+              <a:t>回傳</a:t>
+            </a:r>
+            <a:r>
+              <a:rPr lang="zh-TW" altLang="en-US" sz="2400"/>
+              <a:t> </a:t>
+            </a:r>
+            <a:r>
+              <a:rPr lang="en-US" altLang="zh-TW" sz="2400"/>
+              <a:t>lst </a:t>
+            </a:r>
+            <a:r>
+              <a:rPr lang="zh-TW" altLang="en-US" sz="2400"/>
+              <a:t>中 </a:t>
+            </a:r>
+            <a:r>
+              <a:rPr lang="en-US" altLang="zh-TW" sz="2400"/>
+              <a:t>item</a:t>
+            </a:r>
+            <a:r>
+              <a:rPr lang="zh-TW" altLang="en-US" sz="2400"/>
+              <a:t> 的數量</a:t>
+            </a:r>
+            <a:endParaRPr lang="en-US" altLang="zh-TW" sz="2400"/>
+          </a:p>
+          <a:p>
+            <a:pPr marL="0" indent="0">
+              <a:buNone/>
+            </a:pPr>
+            <a:endParaRPr lang="en-US" altLang="zh-TW" sz="2400"/>
+          </a:p>
+          <a:p>
+            <a:pPr marL="0" indent="0">
+              <a:buNone/>
+            </a:pPr>
+            <a:r>
+              <a:rPr lang="en-US" altLang="zh-TW" sz="2400"/>
+              <a:t>lst = [</a:t>
+            </a:r>
+            <a:r>
+              <a:rPr lang="en-US" altLang="zh-TW" sz="2400">
+                <a:solidFill>
+                  <a:srgbClr val="FF0000"/>
+                </a:solidFill>
+              </a:rPr>
+              <a:t>1</a:t>
+            </a:r>
+            <a:r>
+              <a:rPr lang="en-US" altLang="zh-TW" sz="2400"/>
+              <a:t>, 2, </a:t>
+            </a:r>
+            <a:r>
+              <a:rPr lang="en-US" altLang="zh-TW" sz="2400">
+                <a:solidFill>
+                  <a:srgbClr val="FF0000"/>
+                </a:solidFill>
+              </a:rPr>
+              <a:t>1</a:t>
+            </a:r>
+            <a:r>
+              <a:rPr lang="en-US" altLang="zh-TW" sz="2400"/>
+              <a:t>, 5, 6, 3]</a:t>
+            </a:r>
+          </a:p>
+          <a:p>
+            <a:pPr marL="0" indent="0">
+              <a:buNone/>
+            </a:pPr>
+            <a:r>
+              <a:rPr lang="en-US" altLang="zh-TW" sz="2400"/>
+              <a:t>lst.count(</a:t>
+            </a:r>
+            <a:r>
+              <a:rPr lang="en-US" altLang="zh-TW" sz="2400">
+                <a:solidFill>
+                  <a:srgbClr val="FF0000"/>
+                </a:solidFill>
+              </a:rPr>
+              <a:t>1</a:t>
+            </a:r>
+            <a:r>
+              <a:rPr lang="en-US" altLang="zh-TW" sz="2400"/>
+              <a:t>) </a:t>
+            </a:r>
+            <a:r>
+              <a:rPr lang="zh-TW" altLang="en-US" sz="2400"/>
+              <a:t>→ </a:t>
+            </a:r>
+            <a:r>
+              <a:rPr lang="en-US" altLang="zh-TW" sz="2400"/>
+              <a:t>2</a:t>
+            </a:r>
+            <a:endParaRPr lang="zh-TW" altLang="en-US" sz="2400"/>
+          </a:p>
+        </p:txBody>
+      </p:sp>
+    </p:spTree>
+    <p:extLst>
+      <p:ext uri="{BB962C8B-B14F-4D97-AF65-F5344CB8AC3E}">
+        <p14:creationId xmlns:p14="http://schemas.microsoft.com/office/powerpoint/2010/main" val="979539519"/>
+      </p:ext>
+    </p:extLst>
+  </p:cSld>
+  <p:clrMapOvr>
+    <a:masterClrMapping/>
+  </p:clrMapOvr>
+</p:sld>
+</file>
+
+<file path=ppt/slides/slide38.xml><?xml version="1.0" encoding="utf-8"?>
+<p:sld xmlns:a="http://schemas.openxmlformats.org/drawingml/2006/main" xmlns:r="http://schemas.openxmlformats.org/officeDocument/2006/relationships" xmlns:p="http://schemas.openxmlformats.org/presentationml/2006/main">
+  <p:cSld>
+    <p:spTree>
+      <p:nvGrpSpPr>
+        <p:cNvPr id="1" name=""/>
+        <p:cNvGrpSpPr/>
+        <p:nvPr/>
+      </p:nvGrpSpPr>
+      <p:grpSpPr>
+        <a:xfrm>
+          <a:off x="0" y="0"/>
+          <a:ext cx="0" cy="0"/>
+          <a:chOff x="0" y="0"/>
+          <a:chExt cx="0" cy="0"/>
+        </a:xfrm>
+      </p:grpSpPr>
+      <p:sp>
+        <p:nvSpPr>
+          <p:cNvPr id="2" name="標題 1">
+            <a:extLst>
+              <a:ext uri="{FF2B5EF4-FFF2-40B4-BE49-F238E27FC236}">
+                <a16:creationId xmlns:a16="http://schemas.microsoft.com/office/drawing/2014/main" id="{C2D0B30B-F9F1-411C-8B97-58C8979BB899}"/>
+              </a:ext>
+            </a:extLst>
+          </p:cNvPr>
+          <p:cNvSpPr>
+            <a:spLocks noGrp="1"/>
+          </p:cNvSpPr>
+          <p:nvPr>
+            <p:ph type="title"/>
+          </p:nvPr>
+        </p:nvSpPr>
+        <p:spPr/>
+        <p:txBody>
+          <a:bodyPr/>
+          <a:lstStyle/>
+          <a:p>
+            <a:r>
+              <a:rPr lang="zh-TW" altLang="en-US"/>
+              <a:t>字串 </a:t>
+            </a:r>
+            <a:r>
+              <a:rPr lang="zh-TW" altLang="en-US" sz="4000"/>
+              <a:t>與</a:t>
+            </a:r>
+            <a:r>
+              <a:rPr lang="zh-TW" altLang="en-US"/>
+              <a:t> 串列 </a:t>
+            </a:r>
+            <a:r>
+              <a:rPr lang="zh-TW" altLang="en-US" sz="4400"/>
+              <a:t>的交互操作</a:t>
+            </a:r>
+            <a:endParaRPr lang="zh-TW" altLang="en-US"/>
+          </a:p>
+        </p:txBody>
+      </p:sp>
+      <p:sp>
+        <p:nvSpPr>
+          <p:cNvPr id="3" name="文字版面配置區 2">
+            <a:extLst>
+              <a:ext uri="{FF2B5EF4-FFF2-40B4-BE49-F238E27FC236}">
+                <a16:creationId xmlns:a16="http://schemas.microsoft.com/office/drawing/2014/main" id="{9701EB94-FBB1-4339-81A8-CA44614DE3ED}"/>
+              </a:ext>
+            </a:extLst>
+          </p:cNvPr>
+          <p:cNvSpPr>
+            <a:spLocks noGrp="1"/>
+          </p:cNvSpPr>
+          <p:nvPr>
+            <p:ph type="body" idx="1"/>
+          </p:nvPr>
+        </p:nvSpPr>
+        <p:spPr/>
+        <p:txBody>
+          <a:bodyPr/>
+          <a:lstStyle/>
+          <a:p>
+            <a:endParaRPr lang="zh-TW" altLang="en-US"/>
+          </a:p>
+        </p:txBody>
+      </p:sp>
+    </p:spTree>
+    <p:extLst>
+      <p:ext uri="{BB962C8B-B14F-4D97-AF65-F5344CB8AC3E}">
+        <p14:creationId xmlns:p14="http://schemas.microsoft.com/office/powerpoint/2010/main" val="1888925656"/>
+      </p:ext>
+    </p:extLst>
+  </p:cSld>
+  <p:clrMapOvr>
+    <a:masterClrMapping/>
+  </p:clrMapOvr>
+</p:sld>
+</file>
+
+<file path=ppt/slides/slide39.xml><?xml version="1.0" encoding="utf-8"?>
+<p:sld xmlns:a="http://schemas.openxmlformats.org/drawingml/2006/main" xmlns:r="http://schemas.openxmlformats.org/officeDocument/2006/relationships" xmlns:p="http://schemas.openxmlformats.org/presentationml/2006/main">
+  <p:cSld>
+    <p:spTree>
+      <p:nvGrpSpPr>
+        <p:cNvPr id="1" name=""/>
+        <p:cNvGrpSpPr/>
+        <p:nvPr/>
+      </p:nvGrpSpPr>
+      <p:grpSpPr>
+        <a:xfrm>
+          <a:off x="0" y="0"/>
+          <a:ext cx="0" cy="0"/>
+          <a:chOff x="0" y="0"/>
+          <a:chExt cx="0" cy="0"/>
+        </a:xfrm>
+      </p:grpSpPr>
+      <p:sp>
+        <p:nvSpPr>
+          <p:cNvPr id="2" name="標題 1">
+            <a:extLst>
+              <a:ext uri="{FF2B5EF4-FFF2-40B4-BE49-F238E27FC236}">
+                <a16:creationId xmlns:a16="http://schemas.microsoft.com/office/drawing/2014/main" id="{40A56DC8-1CC0-466B-8BE2-A746A6C92886}"/>
+              </a:ext>
+            </a:extLst>
+          </p:cNvPr>
+          <p:cNvSpPr>
+            <a:spLocks noGrp="1"/>
+          </p:cNvSpPr>
+          <p:nvPr>
+            <p:ph type="title"/>
+          </p:nvPr>
+        </p:nvSpPr>
+        <p:spPr/>
+        <p:txBody>
+          <a:bodyPr/>
+          <a:lstStyle/>
+          <a:p>
+            <a:r>
+              <a:rPr lang="zh-TW" altLang="en-US"/>
+              <a:t>字串分割 </a:t>
+            </a:r>
+            <a:r>
+              <a:rPr lang="en-US" altLang="zh-TW"/>
+              <a:t>split</a:t>
+            </a:r>
+            <a:endParaRPr lang="zh-TW" altLang="en-US"/>
+          </a:p>
+        </p:txBody>
+      </p:sp>
+      <p:sp>
+        <p:nvSpPr>
+          <p:cNvPr id="3" name="內容版面配置區 2">
+            <a:extLst>
+              <a:ext uri="{FF2B5EF4-FFF2-40B4-BE49-F238E27FC236}">
+                <a16:creationId xmlns:a16="http://schemas.microsoft.com/office/drawing/2014/main" id="{D1C5B161-079B-43B4-A5F5-973E8885388B}"/>
+              </a:ext>
+            </a:extLst>
+          </p:cNvPr>
+          <p:cNvSpPr>
+            <a:spLocks noGrp="1"/>
+          </p:cNvSpPr>
+          <p:nvPr>
+            <p:ph idx="1"/>
+          </p:nvPr>
+        </p:nvSpPr>
+        <p:spPr/>
+        <p:txBody>
+          <a:bodyPr>
+            <a:normAutofit/>
+          </a:bodyPr>
+          <a:lstStyle/>
+          <a:p>
+            <a:pPr marL="0" indent="0">
+              <a:buNone/>
+            </a:pPr>
+            <a:endParaRPr lang="en-US" altLang="zh-TW" sz="2400"/>
+          </a:p>
+          <a:p>
+            <a:pPr marL="0" indent="0">
+              <a:buNone/>
+            </a:pPr>
+            <a:r>
+              <a:rPr lang="en-US" altLang="zh-TW" sz="2400"/>
+              <a:t>s.split(str) </a:t>
+            </a:r>
+            <a:r>
+              <a:rPr lang="zh-TW" altLang="en-US" sz="2400"/>
+              <a:t>→ 以 </a:t>
+            </a:r>
+            <a:r>
+              <a:rPr lang="en-US" altLang="zh-TW" sz="2400"/>
+              <a:t>str </a:t>
+            </a:r>
+            <a:r>
+              <a:rPr lang="zh-TW" altLang="en-US" sz="2400"/>
+              <a:t>為分割點，</a:t>
+            </a:r>
+            <a:r>
+              <a:rPr lang="zh-TW" altLang="en-US" sz="2400">
+                <a:solidFill>
+                  <a:srgbClr val="FF0000"/>
+                </a:solidFill>
+              </a:rPr>
+              <a:t>回傳</a:t>
+            </a:r>
+            <a:r>
+              <a:rPr lang="zh-TW" altLang="en-US" sz="2400"/>
+              <a:t>分割後的串列</a:t>
+            </a:r>
+            <a:endParaRPr lang="en-US" altLang="zh-TW" sz="2400"/>
+          </a:p>
+          <a:p>
+            <a:pPr marL="0" indent="0">
+              <a:buNone/>
+            </a:pPr>
+            <a:endParaRPr lang="en-US" altLang="zh-TW" sz="2400"/>
+          </a:p>
+          <a:p>
+            <a:pPr marL="0" indent="0">
+              <a:buNone/>
+            </a:pPr>
+            <a:r>
+              <a:rPr lang="en-US" altLang="zh-TW" sz="2400"/>
+              <a:t>s = “chiisai no wa kawaii”</a:t>
+            </a:r>
+          </a:p>
+          <a:p>
+            <a:pPr marL="0" indent="0">
+              <a:buNone/>
+            </a:pPr>
+            <a:r>
+              <a:rPr lang="en-US" altLang="zh-TW" sz="2400"/>
+              <a:t>lst = s.split(“ ”)</a:t>
+            </a:r>
+          </a:p>
+          <a:p>
+            <a:pPr marL="0" indent="0">
+              <a:buNone/>
+            </a:pPr>
+            <a:r>
+              <a:rPr lang="en-US" altLang="zh-TW" sz="2400"/>
+              <a:t>lst </a:t>
+            </a:r>
+            <a:r>
+              <a:rPr lang="zh-TW" altLang="en-US" sz="2400"/>
+              <a:t>→ </a:t>
+            </a:r>
+            <a:r>
+              <a:rPr lang="en-US" altLang="zh-TW" sz="2400"/>
+              <a:t>[“chiisai”, “no”, “wa”, “kawaii”]</a:t>
+            </a:r>
+          </a:p>
+        </p:txBody>
+      </p:sp>
+    </p:spTree>
+    <p:extLst>
+      <p:ext uri="{BB962C8B-B14F-4D97-AF65-F5344CB8AC3E}">
+        <p14:creationId xmlns:p14="http://schemas.microsoft.com/office/powerpoint/2010/main" val="3605959833"/>
+      </p:ext>
+    </p:extLst>
+  </p:cSld>
+  <p:clrMapOvr>
+    <a:masterClrMapping/>
+  </p:clrMapOvr>
+</p:sld>
+</file>
+
 <file path=ppt/slides/slide4.xml><?xml version="1.0" encoding="utf-8"?>
 <p:sld xmlns:a="http://schemas.openxmlformats.org/drawingml/2006/main" xmlns:r="http://schemas.openxmlformats.org/officeDocument/2006/relationships" xmlns:p="http://schemas.openxmlformats.org/presentationml/2006/main">
   <p:cSld>
@@ -10396,6 +13742,1298 @@
     <p:extLst>
       <p:ext uri="{BB962C8B-B14F-4D97-AF65-F5344CB8AC3E}">
         <p14:creationId xmlns:p14="http://schemas.microsoft.com/office/powerpoint/2010/main" val="4147848122"/>
+      </p:ext>
+    </p:extLst>
+  </p:cSld>
+  <p:clrMapOvr>
+    <a:masterClrMapping/>
+  </p:clrMapOvr>
+</p:sld>
+</file>
+
+<file path=ppt/slides/slide40.xml><?xml version="1.0" encoding="utf-8"?>
+<p:sld xmlns:a="http://schemas.openxmlformats.org/drawingml/2006/main" xmlns:r="http://schemas.openxmlformats.org/officeDocument/2006/relationships" xmlns:p="http://schemas.openxmlformats.org/presentationml/2006/main">
+  <p:cSld>
+    <p:spTree>
+      <p:nvGrpSpPr>
+        <p:cNvPr id="1" name=""/>
+        <p:cNvGrpSpPr/>
+        <p:nvPr/>
+      </p:nvGrpSpPr>
+      <p:grpSpPr>
+        <a:xfrm>
+          <a:off x="0" y="0"/>
+          <a:ext cx="0" cy="0"/>
+          <a:chOff x="0" y="0"/>
+          <a:chExt cx="0" cy="0"/>
+        </a:xfrm>
+      </p:grpSpPr>
+      <p:sp>
+        <p:nvSpPr>
+          <p:cNvPr id="2" name="標題 1">
+            <a:extLst>
+              <a:ext uri="{FF2B5EF4-FFF2-40B4-BE49-F238E27FC236}">
+                <a16:creationId xmlns:a16="http://schemas.microsoft.com/office/drawing/2014/main" id="{40A56DC8-1CC0-466B-8BE2-A746A6C92886}"/>
+              </a:ext>
+            </a:extLst>
+          </p:cNvPr>
+          <p:cNvSpPr>
+            <a:spLocks noGrp="1"/>
+          </p:cNvSpPr>
+          <p:nvPr>
+            <p:ph type="title"/>
+          </p:nvPr>
+        </p:nvSpPr>
+        <p:spPr/>
+        <p:txBody>
+          <a:bodyPr/>
+          <a:lstStyle/>
+          <a:p>
+            <a:r>
+              <a:rPr lang="zh-TW" altLang="en-US"/>
+              <a:t>字串分割 </a:t>
+            </a:r>
+            <a:r>
+              <a:rPr lang="en-US" altLang="zh-TW"/>
+              <a:t>split</a:t>
+            </a:r>
+            <a:endParaRPr lang="zh-TW" altLang="en-US"/>
+          </a:p>
+        </p:txBody>
+      </p:sp>
+      <p:sp>
+        <p:nvSpPr>
+          <p:cNvPr id="3" name="內容版面配置區 2">
+            <a:extLst>
+              <a:ext uri="{FF2B5EF4-FFF2-40B4-BE49-F238E27FC236}">
+                <a16:creationId xmlns:a16="http://schemas.microsoft.com/office/drawing/2014/main" id="{D1C5B161-079B-43B4-A5F5-973E8885388B}"/>
+              </a:ext>
+            </a:extLst>
+          </p:cNvPr>
+          <p:cNvSpPr>
+            <a:spLocks noGrp="1"/>
+          </p:cNvSpPr>
+          <p:nvPr>
+            <p:ph idx="1"/>
+          </p:nvPr>
+        </p:nvSpPr>
+        <p:spPr/>
+        <p:txBody>
+          <a:bodyPr>
+            <a:normAutofit/>
+          </a:bodyPr>
+          <a:lstStyle/>
+          <a:p>
+            <a:pPr marL="0" indent="0">
+              <a:buNone/>
+            </a:pPr>
+            <a:endParaRPr lang="en-US" altLang="zh-TW" sz="2400"/>
+          </a:p>
+          <a:p>
+            <a:pPr marL="0" indent="0">
+              <a:buNone/>
+            </a:pPr>
+            <a:r>
+              <a:rPr lang="en-US" altLang="zh-TW" sz="2400"/>
+              <a:t>s.split(str) </a:t>
+            </a:r>
+            <a:r>
+              <a:rPr lang="zh-TW" altLang="en-US" sz="2400"/>
+              <a:t>→ 以 </a:t>
+            </a:r>
+            <a:r>
+              <a:rPr lang="en-US" altLang="zh-TW" sz="2400"/>
+              <a:t>str </a:t>
+            </a:r>
+            <a:r>
+              <a:rPr lang="zh-TW" altLang="en-US" sz="2400"/>
+              <a:t>為分割點，</a:t>
+            </a:r>
+            <a:r>
+              <a:rPr lang="zh-TW" altLang="en-US" sz="2400">
+                <a:solidFill>
+                  <a:srgbClr val="FF0000"/>
+                </a:solidFill>
+              </a:rPr>
+              <a:t>回傳</a:t>
+            </a:r>
+            <a:r>
+              <a:rPr lang="zh-TW" altLang="en-US" sz="2400"/>
+              <a:t>分割後的串列</a:t>
+            </a:r>
+            <a:endParaRPr lang="en-US" altLang="zh-TW" sz="2400"/>
+          </a:p>
+          <a:p>
+            <a:pPr marL="0" indent="0">
+              <a:buNone/>
+            </a:pPr>
+            <a:endParaRPr lang="en-US" altLang="zh-TW" sz="2400"/>
+          </a:p>
+          <a:p>
+            <a:pPr marL="0" indent="0">
+              <a:buNone/>
+            </a:pPr>
+            <a:r>
+              <a:rPr lang="en-US" altLang="zh-TW" sz="2400"/>
+              <a:t>s = “ch</a:t>
+            </a:r>
+            <a:r>
+              <a:rPr lang="en-US" altLang="zh-TW" sz="2400">
+                <a:solidFill>
+                  <a:srgbClr val="FF0000"/>
+                </a:solidFill>
+              </a:rPr>
+              <a:t>ii</a:t>
+            </a:r>
+            <a:r>
+              <a:rPr lang="en-US" altLang="zh-TW" sz="2400"/>
+              <a:t>sa</a:t>
+            </a:r>
+            <a:r>
+              <a:rPr lang="en-US" altLang="zh-TW" sz="2400">
+                <a:solidFill>
+                  <a:srgbClr val="FF0000"/>
+                </a:solidFill>
+              </a:rPr>
+              <a:t>i</a:t>
+            </a:r>
+            <a:r>
+              <a:rPr lang="en-US" altLang="zh-TW" sz="2400"/>
+              <a:t> no wa kawa</a:t>
+            </a:r>
+            <a:r>
+              <a:rPr lang="en-US" altLang="zh-TW" sz="2400">
+                <a:solidFill>
+                  <a:srgbClr val="FF0000"/>
+                </a:solidFill>
+              </a:rPr>
+              <a:t>ii</a:t>
+            </a:r>
+            <a:r>
+              <a:rPr lang="en-US" altLang="zh-TW" sz="2400"/>
+              <a:t>”</a:t>
+            </a:r>
+          </a:p>
+          <a:p>
+            <a:pPr marL="0" indent="0">
+              <a:buNone/>
+            </a:pPr>
+            <a:r>
+              <a:rPr lang="en-US" altLang="zh-TW" sz="2400"/>
+              <a:t>lst = s.split(“</a:t>
+            </a:r>
+            <a:r>
+              <a:rPr lang="en-US" altLang="zh-TW" sz="2400">
+                <a:solidFill>
+                  <a:srgbClr val="FF0000"/>
+                </a:solidFill>
+              </a:rPr>
+              <a:t>i</a:t>
+            </a:r>
+            <a:r>
+              <a:rPr lang="en-US" altLang="zh-TW" sz="2400"/>
+              <a:t>”)</a:t>
+            </a:r>
+          </a:p>
+          <a:p>
+            <a:pPr marL="0" indent="0">
+              <a:buNone/>
+            </a:pPr>
+            <a:r>
+              <a:rPr lang="en-US" altLang="zh-TW" sz="2400"/>
+              <a:t>lst </a:t>
+            </a:r>
+            <a:r>
+              <a:rPr lang="zh-TW" altLang="en-US" sz="2400"/>
+              <a:t>→ </a:t>
+            </a:r>
+            <a:r>
+              <a:rPr lang="en-US" altLang="zh-TW" sz="2400"/>
+              <a:t>[“ch”, </a:t>
+            </a:r>
+            <a:r>
+              <a:rPr lang="en-US" altLang="zh-TW" sz="2400">
+                <a:solidFill>
+                  <a:srgbClr val="FF0000"/>
+                </a:solidFill>
+              </a:rPr>
+              <a:t>“”</a:t>
+            </a:r>
+            <a:r>
+              <a:rPr lang="en-US" altLang="zh-TW" sz="2400"/>
+              <a:t>, “sa”, “ no wa kawa”, </a:t>
+            </a:r>
+            <a:r>
+              <a:rPr lang="en-US" altLang="zh-TW" sz="2400">
+                <a:solidFill>
+                  <a:srgbClr val="FF0000"/>
+                </a:solidFill>
+              </a:rPr>
+              <a:t>“”</a:t>
+            </a:r>
+            <a:r>
+              <a:rPr lang="en-US" altLang="zh-TW" sz="2400"/>
+              <a:t>, </a:t>
+            </a:r>
+            <a:r>
+              <a:rPr lang="en-US" altLang="zh-TW" sz="2400">
+                <a:solidFill>
+                  <a:srgbClr val="FF0000"/>
+                </a:solidFill>
+              </a:rPr>
+              <a:t>“”</a:t>
+            </a:r>
+            <a:r>
+              <a:rPr lang="en-US" altLang="zh-TW" sz="2400"/>
+              <a:t>]</a:t>
+            </a:r>
+          </a:p>
+        </p:txBody>
+      </p:sp>
+      <p:sp>
+        <p:nvSpPr>
+          <p:cNvPr id="4" name="箭號: 向下 3">
+            <a:extLst>
+              <a:ext uri="{FF2B5EF4-FFF2-40B4-BE49-F238E27FC236}">
+                <a16:creationId xmlns:a16="http://schemas.microsoft.com/office/drawing/2014/main" id="{AF07535C-ACBC-4BF2-AA5D-174D6B8B37ED}"/>
+              </a:ext>
+            </a:extLst>
+          </p:cNvPr>
+          <p:cNvSpPr/>
+          <p:nvPr/>
+        </p:nvSpPr>
+        <p:spPr>
+          <a:xfrm>
+            <a:off x="2649008" y="3302794"/>
+            <a:ext cx="110067" cy="211931"/>
+          </a:xfrm>
+          <a:prstGeom prst="downArrow">
+            <a:avLst>
+              <a:gd name="adj1" fmla="val 28365"/>
+              <a:gd name="adj2" fmla="val 50000"/>
+            </a:avLst>
+          </a:prstGeom>
+        </p:spPr>
+        <p:style>
+          <a:lnRef idx="2">
+            <a:schemeClr val="accent1">
+              <a:shade val="50000"/>
+            </a:schemeClr>
+          </a:lnRef>
+          <a:fillRef idx="1">
+            <a:schemeClr val="accent1"/>
+          </a:fillRef>
+          <a:effectRef idx="0">
+            <a:schemeClr val="accent1"/>
+          </a:effectRef>
+          <a:fontRef idx="minor">
+            <a:schemeClr val="lt1"/>
+          </a:fontRef>
+        </p:style>
+        <p:txBody>
+          <a:bodyPr rtlCol="0" anchor="ctr"/>
+          <a:lstStyle/>
+          <a:p>
+            <a:pPr algn="ctr"/>
+            <a:endParaRPr lang="zh-TW" altLang="en-US"/>
+          </a:p>
+        </p:txBody>
+      </p:sp>
+      <p:sp>
+        <p:nvSpPr>
+          <p:cNvPr id="5" name="箭號: 向下 4">
+            <a:extLst>
+              <a:ext uri="{FF2B5EF4-FFF2-40B4-BE49-F238E27FC236}">
+                <a16:creationId xmlns:a16="http://schemas.microsoft.com/office/drawing/2014/main" id="{EB508828-5439-4F1D-AF66-CB7B87B1C0CA}"/>
+              </a:ext>
+            </a:extLst>
+          </p:cNvPr>
+          <p:cNvSpPr/>
+          <p:nvPr/>
+        </p:nvSpPr>
+        <p:spPr>
+          <a:xfrm>
+            <a:off x="5354108" y="3302794"/>
+            <a:ext cx="110067" cy="211931"/>
+          </a:xfrm>
+          <a:prstGeom prst="downArrow">
+            <a:avLst>
+              <a:gd name="adj1" fmla="val 28365"/>
+              <a:gd name="adj2" fmla="val 50000"/>
+            </a:avLst>
+          </a:prstGeom>
+        </p:spPr>
+        <p:style>
+          <a:lnRef idx="2">
+            <a:schemeClr val="accent1">
+              <a:shade val="50000"/>
+            </a:schemeClr>
+          </a:lnRef>
+          <a:fillRef idx="1">
+            <a:schemeClr val="accent1"/>
+          </a:fillRef>
+          <a:effectRef idx="0">
+            <a:schemeClr val="accent1"/>
+          </a:effectRef>
+          <a:fontRef idx="minor">
+            <a:schemeClr val="lt1"/>
+          </a:fontRef>
+        </p:style>
+        <p:txBody>
+          <a:bodyPr rtlCol="0" anchor="ctr"/>
+          <a:lstStyle/>
+          <a:p>
+            <a:pPr algn="ctr"/>
+            <a:endParaRPr lang="zh-TW" altLang="en-US"/>
+          </a:p>
+        </p:txBody>
+      </p:sp>
+      <p:sp>
+        <p:nvSpPr>
+          <p:cNvPr id="6" name="箭號: 向下 5">
+            <a:extLst>
+              <a:ext uri="{FF2B5EF4-FFF2-40B4-BE49-F238E27FC236}">
+                <a16:creationId xmlns:a16="http://schemas.microsoft.com/office/drawing/2014/main" id="{69924081-9F78-4600-970B-19AD694E0DFD}"/>
+              </a:ext>
+            </a:extLst>
+          </p:cNvPr>
+          <p:cNvSpPr/>
+          <p:nvPr/>
+        </p:nvSpPr>
+        <p:spPr>
+          <a:xfrm>
+            <a:off x="5504518" y="3302794"/>
+            <a:ext cx="110067" cy="211931"/>
+          </a:xfrm>
+          <a:prstGeom prst="downArrow">
+            <a:avLst>
+              <a:gd name="adj1" fmla="val 28365"/>
+              <a:gd name="adj2" fmla="val 50000"/>
+            </a:avLst>
+          </a:prstGeom>
+        </p:spPr>
+        <p:style>
+          <a:lnRef idx="2">
+            <a:schemeClr val="accent1">
+              <a:shade val="50000"/>
+            </a:schemeClr>
+          </a:lnRef>
+          <a:fillRef idx="1">
+            <a:schemeClr val="accent1"/>
+          </a:fillRef>
+          <a:effectRef idx="0">
+            <a:schemeClr val="accent1"/>
+          </a:effectRef>
+          <a:fontRef idx="minor">
+            <a:schemeClr val="lt1"/>
+          </a:fontRef>
+        </p:style>
+        <p:txBody>
+          <a:bodyPr rtlCol="0" anchor="ctr"/>
+          <a:lstStyle/>
+          <a:p>
+            <a:pPr algn="ctr"/>
+            <a:endParaRPr lang="zh-TW" altLang="en-US"/>
+          </a:p>
+        </p:txBody>
+      </p:sp>
+    </p:spTree>
+    <p:extLst>
+      <p:ext uri="{BB962C8B-B14F-4D97-AF65-F5344CB8AC3E}">
+        <p14:creationId xmlns:p14="http://schemas.microsoft.com/office/powerpoint/2010/main" val="2221368137"/>
+      </p:ext>
+    </p:extLst>
+  </p:cSld>
+  <p:clrMapOvr>
+    <a:masterClrMapping/>
+  </p:clrMapOvr>
+</p:sld>
+</file>
+
+<file path=ppt/slides/slide41.xml><?xml version="1.0" encoding="utf-8"?>
+<p:sld xmlns:a="http://schemas.openxmlformats.org/drawingml/2006/main" xmlns:r="http://schemas.openxmlformats.org/officeDocument/2006/relationships" xmlns:p="http://schemas.openxmlformats.org/presentationml/2006/main">
+  <p:cSld>
+    <p:spTree>
+      <p:nvGrpSpPr>
+        <p:cNvPr id="1" name=""/>
+        <p:cNvGrpSpPr/>
+        <p:nvPr/>
+      </p:nvGrpSpPr>
+      <p:grpSpPr>
+        <a:xfrm>
+          <a:off x="0" y="0"/>
+          <a:ext cx="0" cy="0"/>
+          <a:chOff x="0" y="0"/>
+          <a:chExt cx="0" cy="0"/>
+        </a:xfrm>
+      </p:grpSpPr>
+      <p:sp>
+        <p:nvSpPr>
+          <p:cNvPr id="2" name="標題 1">
+            <a:extLst>
+              <a:ext uri="{FF2B5EF4-FFF2-40B4-BE49-F238E27FC236}">
+                <a16:creationId xmlns:a16="http://schemas.microsoft.com/office/drawing/2014/main" id="{3867EB95-61CB-40E0-8B32-1D19A90287F6}"/>
+              </a:ext>
+            </a:extLst>
+          </p:cNvPr>
+          <p:cNvSpPr>
+            <a:spLocks noGrp="1"/>
+          </p:cNvSpPr>
+          <p:nvPr>
+            <p:ph type="title"/>
+          </p:nvPr>
+        </p:nvSpPr>
+        <p:spPr/>
+        <p:txBody>
+          <a:bodyPr/>
+          <a:lstStyle/>
+          <a:p>
+            <a:r>
+              <a:rPr lang="zh-TW" altLang="en-US"/>
+              <a:t>但串列轉字串</a:t>
+            </a:r>
+            <a:r>
+              <a:rPr lang="en-US" altLang="zh-TW"/>
+              <a:t>...</a:t>
+            </a:r>
+          </a:p>
+        </p:txBody>
+      </p:sp>
+      <p:sp>
+        <p:nvSpPr>
+          <p:cNvPr id="3" name="內容版面配置區 2">
+            <a:extLst>
+              <a:ext uri="{FF2B5EF4-FFF2-40B4-BE49-F238E27FC236}">
+                <a16:creationId xmlns:a16="http://schemas.microsoft.com/office/drawing/2014/main" id="{9B6DBF58-0D63-4291-BDB7-FA5074B0840E}"/>
+              </a:ext>
+            </a:extLst>
+          </p:cNvPr>
+          <p:cNvSpPr>
+            <a:spLocks noGrp="1"/>
+          </p:cNvSpPr>
+          <p:nvPr>
+            <p:ph idx="1"/>
+          </p:nvPr>
+        </p:nvSpPr>
+        <p:spPr/>
+        <p:txBody>
+          <a:bodyPr>
+            <a:normAutofit/>
+          </a:bodyPr>
+          <a:lstStyle/>
+          <a:p>
+            <a:pPr marL="0" indent="0">
+              <a:buNone/>
+            </a:pPr>
+            <a:endParaRPr lang="en-US" altLang="zh-TW" sz="2800"/>
+          </a:p>
+          <a:p>
+            <a:pPr marL="0" indent="0">
+              <a:buNone/>
+            </a:pPr>
+            <a:r>
+              <a:rPr lang="en-US" altLang="zh-TW" sz="2800"/>
+              <a:t>str([“1”, “2”, “3”])</a:t>
+            </a:r>
+          </a:p>
+          <a:p>
+            <a:pPr marL="0" indent="0">
+              <a:buNone/>
+            </a:pPr>
+            <a:r>
+              <a:rPr lang="en-US" altLang="zh-TW" sz="2800"/>
+              <a:t>	</a:t>
+            </a:r>
+            <a:r>
+              <a:rPr lang="zh-TW" altLang="en-US" sz="2800"/>
+              <a:t>→ </a:t>
+            </a:r>
+            <a:r>
+              <a:rPr lang="en-US" altLang="zh-TW" sz="2800">
+                <a:solidFill>
+                  <a:srgbClr val="FF0000"/>
+                </a:solidFill>
+              </a:rPr>
+              <a:t>‘</a:t>
+            </a:r>
+            <a:r>
+              <a:rPr lang="en-US" altLang="zh-TW" sz="2800"/>
+              <a:t>[“1”, “2”, “3”]</a:t>
+            </a:r>
+            <a:r>
+              <a:rPr lang="en-US" altLang="zh-TW" sz="2800">
+                <a:solidFill>
+                  <a:srgbClr val="FF0000"/>
+                </a:solidFill>
+              </a:rPr>
+              <a:t>’</a:t>
+            </a:r>
+          </a:p>
+        </p:txBody>
+      </p:sp>
+    </p:spTree>
+    <p:extLst>
+      <p:ext uri="{BB962C8B-B14F-4D97-AF65-F5344CB8AC3E}">
+        <p14:creationId xmlns:p14="http://schemas.microsoft.com/office/powerpoint/2010/main" val="3164877106"/>
+      </p:ext>
+    </p:extLst>
+  </p:cSld>
+  <p:clrMapOvr>
+    <a:masterClrMapping/>
+  </p:clrMapOvr>
+</p:sld>
+</file>
+
+<file path=ppt/slides/slide42.xml><?xml version="1.0" encoding="utf-8"?>
+<p:sld xmlns:a="http://schemas.openxmlformats.org/drawingml/2006/main" xmlns:r="http://schemas.openxmlformats.org/officeDocument/2006/relationships" xmlns:p="http://schemas.openxmlformats.org/presentationml/2006/main">
+  <p:cSld>
+    <p:spTree>
+      <p:nvGrpSpPr>
+        <p:cNvPr id="1" name=""/>
+        <p:cNvGrpSpPr/>
+        <p:nvPr/>
+      </p:nvGrpSpPr>
+      <p:grpSpPr>
+        <a:xfrm>
+          <a:off x="0" y="0"/>
+          <a:ext cx="0" cy="0"/>
+          <a:chOff x="0" y="0"/>
+          <a:chExt cx="0" cy="0"/>
+        </a:xfrm>
+      </p:grpSpPr>
+      <p:sp>
+        <p:nvSpPr>
+          <p:cNvPr id="2" name="標題 1">
+            <a:extLst>
+              <a:ext uri="{FF2B5EF4-FFF2-40B4-BE49-F238E27FC236}">
+                <a16:creationId xmlns:a16="http://schemas.microsoft.com/office/drawing/2014/main" id="{2B0C6FC6-DD99-4198-ABE7-0B3BAB09CDDD}"/>
+              </a:ext>
+            </a:extLst>
+          </p:cNvPr>
+          <p:cNvSpPr>
+            <a:spLocks noGrp="1"/>
+          </p:cNvSpPr>
+          <p:nvPr>
+            <p:ph type="title"/>
+          </p:nvPr>
+        </p:nvSpPr>
+        <p:spPr/>
+        <p:txBody>
+          <a:bodyPr/>
+          <a:lstStyle/>
+          <a:p>
+            <a:r>
+              <a:rPr lang="zh-TW" altLang="en-US"/>
+              <a:t>字串插入串列</a:t>
+            </a:r>
+            <a:r>
+              <a:rPr lang="en-US" altLang="zh-TW"/>
+              <a:t> join</a:t>
+            </a:r>
+            <a:r>
+              <a:rPr lang="zh-TW" altLang="en-US"/>
+              <a:t> </a:t>
+            </a:r>
+          </a:p>
+        </p:txBody>
+      </p:sp>
+      <p:sp>
+        <p:nvSpPr>
+          <p:cNvPr id="3" name="內容版面配置區 2">
+            <a:extLst>
+              <a:ext uri="{FF2B5EF4-FFF2-40B4-BE49-F238E27FC236}">
+                <a16:creationId xmlns:a16="http://schemas.microsoft.com/office/drawing/2014/main" id="{FA4BCF92-13CE-42E6-BBB6-48BF1CA45F8B}"/>
+              </a:ext>
+            </a:extLst>
+          </p:cNvPr>
+          <p:cNvSpPr>
+            <a:spLocks noGrp="1"/>
+          </p:cNvSpPr>
+          <p:nvPr>
+            <p:ph idx="1"/>
+          </p:nvPr>
+        </p:nvSpPr>
+        <p:spPr>
+          <a:xfrm>
+            <a:off x="1261871" y="1828800"/>
+            <a:ext cx="9692639" cy="4351337"/>
+          </a:xfrm>
+        </p:spPr>
+        <p:txBody>
+          <a:bodyPr/>
+          <a:lstStyle/>
+          <a:p>
+            <a:pPr marL="0" indent="0">
+              <a:buNone/>
+            </a:pPr>
+            <a:endParaRPr lang="en-US" altLang="zh-TW"/>
+          </a:p>
+          <a:p>
+            <a:pPr marL="0" indent="0">
+              <a:buNone/>
+            </a:pPr>
+            <a:r>
+              <a:rPr lang="en-US" altLang="zh-TW" sz="2400"/>
+              <a:t>str.join(list) </a:t>
+            </a:r>
+            <a:r>
+              <a:rPr lang="zh-TW" altLang="en-US" sz="2400"/>
+              <a:t>→ </a:t>
+            </a:r>
+            <a:r>
+              <a:rPr lang="zh-TW" altLang="en-US" sz="2400">
+                <a:solidFill>
+                  <a:srgbClr val="FF0000"/>
+                </a:solidFill>
+              </a:rPr>
+              <a:t>回傳</a:t>
+            </a:r>
+            <a:r>
+              <a:rPr lang="zh-TW" altLang="en-US" sz="2400"/>
+              <a:t>字串，每個</a:t>
+            </a:r>
+            <a:r>
+              <a:rPr lang="en-US" altLang="zh-TW" sz="2400"/>
+              <a:t> list </a:t>
+            </a:r>
+            <a:r>
+              <a:rPr lang="zh-TW" altLang="en-US" sz="2400"/>
+              <a:t>的元素間插入 </a:t>
+            </a:r>
+            <a:r>
+              <a:rPr lang="en-US" altLang="zh-TW" sz="2400"/>
+              <a:t>str</a:t>
+            </a:r>
+          </a:p>
+          <a:p>
+            <a:pPr marL="0" indent="0">
+              <a:buNone/>
+            </a:pPr>
+            <a:endParaRPr lang="en-US" altLang="zh-TW" sz="2400"/>
+          </a:p>
+          <a:p>
+            <a:pPr marL="0" indent="0">
+              <a:buNone/>
+            </a:pPr>
+            <a:r>
+              <a:rPr lang="en-US" altLang="zh-TW" sz="2400"/>
+              <a:t>“</a:t>
+            </a:r>
+            <a:r>
+              <a:rPr lang="en-US" altLang="zh-TW" sz="2400">
+                <a:solidFill>
+                  <a:srgbClr val="FF0000"/>
+                </a:solidFill>
+              </a:rPr>
+              <a:t>+</a:t>
+            </a:r>
+            <a:r>
+              <a:rPr lang="en-US" altLang="zh-TW" sz="2400"/>
+              <a:t>”.join([1, 2, 3]) </a:t>
+            </a:r>
+            <a:r>
+              <a:rPr lang="zh-TW" altLang="en-US" sz="2400"/>
+              <a:t> → </a:t>
+            </a:r>
+            <a:r>
+              <a:rPr lang="en-US" altLang="zh-TW" sz="2400"/>
+              <a:t>“1</a:t>
+            </a:r>
+            <a:r>
+              <a:rPr lang="en-US" altLang="zh-TW" sz="2400">
+                <a:solidFill>
+                  <a:srgbClr val="FF0000"/>
+                </a:solidFill>
+              </a:rPr>
+              <a:t>+</a:t>
+            </a:r>
+            <a:r>
+              <a:rPr lang="en-US" altLang="zh-TW" sz="2400"/>
+              <a:t>2</a:t>
+            </a:r>
+            <a:r>
+              <a:rPr lang="en-US" altLang="zh-TW" sz="2400">
+                <a:solidFill>
+                  <a:srgbClr val="FF0000"/>
+                </a:solidFill>
+              </a:rPr>
+              <a:t>+</a:t>
+            </a:r>
+            <a:r>
+              <a:rPr lang="en-US" altLang="zh-TW" sz="2400"/>
+              <a:t>3”</a:t>
+            </a:r>
+          </a:p>
+          <a:p>
+            <a:pPr marL="0" indent="0">
+              <a:buNone/>
+            </a:pPr>
+            <a:r>
+              <a:rPr lang="en-US" altLang="zh-TW" sz="2400"/>
+              <a:t>“</a:t>
+            </a:r>
+            <a:r>
+              <a:rPr lang="en-US" altLang="zh-TW" sz="2400">
+                <a:solidFill>
+                  <a:srgbClr val="FF0000"/>
+                </a:solidFill>
+              </a:rPr>
+              <a:t>##</a:t>
+            </a:r>
+            <a:r>
+              <a:rPr lang="en-US" altLang="zh-TW" sz="2400"/>
+              <a:t>”.join([1, 2, 3]) </a:t>
+            </a:r>
+            <a:r>
+              <a:rPr lang="zh-TW" altLang="en-US" sz="2400"/>
+              <a:t>→ </a:t>
+            </a:r>
+            <a:r>
+              <a:rPr lang="en-US" altLang="zh-TW" sz="2400"/>
+              <a:t>“1</a:t>
+            </a:r>
+            <a:r>
+              <a:rPr lang="en-US" altLang="zh-TW" sz="2400">
+                <a:solidFill>
+                  <a:srgbClr val="FF0000"/>
+                </a:solidFill>
+              </a:rPr>
+              <a:t>##</a:t>
+            </a:r>
+            <a:r>
+              <a:rPr lang="en-US" altLang="zh-TW" sz="2400"/>
+              <a:t>2</a:t>
+            </a:r>
+            <a:r>
+              <a:rPr lang="en-US" altLang="zh-TW" sz="2400">
+                <a:solidFill>
+                  <a:srgbClr val="FF0000"/>
+                </a:solidFill>
+              </a:rPr>
+              <a:t>##</a:t>
+            </a:r>
+            <a:r>
+              <a:rPr lang="en-US" altLang="zh-TW" sz="2400"/>
+              <a:t>3”</a:t>
+            </a:r>
+          </a:p>
+          <a:p>
+            <a:pPr marL="0" indent="0">
+              <a:buNone/>
+            </a:pPr>
+            <a:r>
+              <a:rPr lang="en-US" altLang="zh-TW" sz="2400"/>
+              <a:t>“”.join([1, 2, 3]) </a:t>
+            </a:r>
+            <a:r>
+              <a:rPr lang="zh-TW" altLang="en-US" sz="2400"/>
+              <a:t>  → </a:t>
+            </a:r>
+            <a:r>
+              <a:rPr lang="en-US" altLang="zh-TW" sz="2400"/>
+              <a:t>“123”</a:t>
+            </a:r>
+            <a:endParaRPr lang="zh-TW" altLang="en-US" sz="2400"/>
+          </a:p>
+        </p:txBody>
+      </p:sp>
+    </p:spTree>
+    <p:extLst>
+      <p:ext uri="{BB962C8B-B14F-4D97-AF65-F5344CB8AC3E}">
+        <p14:creationId xmlns:p14="http://schemas.microsoft.com/office/powerpoint/2010/main" val="2770485513"/>
+      </p:ext>
+    </p:extLst>
+  </p:cSld>
+  <p:clrMapOvr>
+    <a:masterClrMapping/>
+  </p:clrMapOvr>
+</p:sld>
+</file>
+
+<file path=ppt/slides/slide43.xml><?xml version="1.0" encoding="utf-8"?>
+<p:sld xmlns:a="http://schemas.openxmlformats.org/drawingml/2006/main" xmlns:r="http://schemas.openxmlformats.org/officeDocument/2006/relationships" xmlns:p="http://schemas.openxmlformats.org/presentationml/2006/main">
+  <p:cSld>
+    <p:spTree>
+      <p:nvGrpSpPr>
+        <p:cNvPr id="1" name=""/>
+        <p:cNvGrpSpPr/>
+        <p:nvPr/>
+      </p:nvGrpSpPr>
+      <p:grpSpPr>
+        <a:xfrm>
+          <a:off x="0" y="0"/>
+          <a:ext cx="0" cy="0"/>
+          <a:chOff x="0" y="0"/>
+          <a:chExt cx="0" cy="0"/>
+        </a:xfrm>
+      </p:grpSpPr>
+      <p:sp>
+        <p:nvSpPr>
+          <p:cNvPr id="2" name="標題 1">
+            <a:extLst>
+              <a:ext uri="{FF2B5EF4-FFF2-40B4-BE49-F238E27FC236}">
+                <a16:creationId xmlns:a16="http://schemas.microsoft.com/office/drawing/2014/main" id="{ADF711BD-BEDB-4622-AEA6-B091DB9D0AD7}"/>
+              </a:ext>
+            </a:extLst>
+          </p:cNvPr>
+          <p:cNvSpPr>
+            <a:spLocks noGrp="1"/>
+          </p:cNvSpPr>
+          <p:nvPr>
+            <p:ph type="title"/>
+          </p:nvPr>
+        </p:nvSpPr>
+        <p:spPr/>
+        <p:txBody>
+          <a:bodyPr/>
+          <a:lstStyle/>
+          <a:p>
+            <a:r>
+              <a:rPr lang="en-US" altLang="zh-TW"/>
+              <a:t>for </a:t>
+            </a:r>
+            <a:r>
+              <a:rPr lang="zh-TW" altLang="en-US"/>
+              <a:t>迭帶</a:t>
+            </a:r>
+          </a:p>
+        </p:txBody>
+      </p:sp>
+      <p:sp>
+        <p:nvSpPr>
+          <p:cNvPr id="3" name="文字版面配置區 2">
+            <a:extLst>
+              <a:ext uri="{FF2B5EF4-FFF2-40B4-BE49-F238E27FC236}">
+                <a16:creationId xmlns:a16="http://schemas.microsoft.com/office/drawing/2014/main" id="{77BB5162-743A-40DA-BFB8-2C0E38EE7FD3}"/>
+              </a:ext>
+            </a:extLst>
+          </p:cNvPr>
+          <p:cNvSpPr>
+            <a:spLocks noGrp="1"/>
+          </p:cNvSpPr>
+          <p:nvPr>
+            <p:ph type="body" idx="1"/>
+          </p:nvPr>
+        </p:nvSpPr>
+        <p:spPr/>
+        <p:txBody>
+          <a:bodyPr/>
+          <a:lstStyle/>
+          <a:p>
+            <a:endParaRPr lang="zh-TW" altLang="en-US"/>
+          </a:p>
+        </p:txBody>
+      </p:sp>
+    </p:spTree>
+    <p:extLst>
+      <p:ext uri="{BB962C8B-B14F-4D97-AF65-F5344CB8AC3E}">
+        <p14:creationId xmlns:p14="http://schemas.microsoft.com/office/powerpoint/2010/main" val="984562152"/>
+      </p:ext>
+    </p:extLst>
+  </p:cSld>
+  <p:clrMapOvr>
+    <a:masterClrMapping/>
+  </p:clrMapOvr>
+</p:sld>
+</file>
+
+<file path=ppt/slides/slide44.xml><?xml version="1.0" encoding="utf-8"?>
+<p:sld xmlns:a="http://schemas.openxmlformats.org/drawingml/2006/main" xmlns:r="http://schemas.openxmlformats.org/officeDocument/2006/relationships" xmlns:p="http://schemas.openxmlformats.org/presentationml/2006/main">
+  <p:cSld>
+    <p:spTree>
+      <p:nvGrpSpPr>
+        <p:cNvPr id="1" name=""/>
+        <p:cNvGrpSpPr/>
+        <p:nvPr/>
+      </p:nvGrpSpPr>
+      <p:grpSpPr>
+        <a:xfrm>
+          <a:off x="0" y="0"/>
+          <a:ext cx="0" cy="0"/>
+          <a:chOff x="0" y="0"/>
+          <a:chExt cx="0" cy="0"/>
+        </a:xfrm>
+      </p:grpSpPr>
+      <p:sp>
+        <p:nvSpPr>
+          <p:cNvPr id="2" name="標題 1">
+            <a:extLst>
+              <a:ext uri="{FF2B5EF4-FFF2-40B4-BE49-F238E27FC236}">
+                <a16:creationId xmlns:a16="http://schemas.microsoft.com/office/drawing/2014/main" id="{0E19F189-725C-49D8-85BE-205FC24458F3}"/>
+              </a:ext>
+            </a:extLst>
+          </p:cNvPr>
+          <p:cNvSpPr>
+            <a:spLocks noGrp="1"/>
+          </p:cNvSpPr>
+          <p:nvPr>
+            <p:ph type="title"/>
+          </p:nvPr>
+        </p:nvSpPr>
+        <p:spPr/>
+        <p:txBody>
+          <a:bodyPr/>
+          <a:lstStyle/>
+          <a:p>
+            <a:r>
+              <a:rPr lang="en-US" altLang="zh-TW"/>
+              <a:t>for </a:t>
+            </a:r>
+            <a:r>
+              <a:rPr lang="zh-TW" altLang="en-US"/>
+              <a:t>基本語法</a:t>
+            </a:r>
+          </a:p>
+        </p:txBody>
+      </p:sp>
+      <p:sp>
+        <p:nvSpPr>
+          <p:cNvPr id="3" name="內容版面配置區 2">
+            <a:extLst>
+              <a:ext uri="{FF2B5EF4-FFF2-40B4-BE49-F238E27FC236}">
+                <a16:creationId xmlns:a16="http://schemas.microsoft.com/office/drawing/2014/main" id="{CC451F0E-68A4-4C76-86EC-CCCCAA563157}"/>
+              </a:ext>
+            </a:extLst>
+          </p:cNvPr>
+          <p:cNvSpPr>
+            <a:spLocks noGrp="1"/>
+          </p:cNvSpPr>
+          <p:nvPr>
+            <p:ph idx="1"/>
+          </p:nvPr>
+        </p:nvSpPr>
+        <p:spPr/>
+        <p:txBody>
+          <a:bodyPr>
+            <a:normAutofit/>
+          </a:bodyPr>
+          <a:lstStyle/>
+          <a:p>
+            <a:pPr marL="0" indent="0">
+              <a:buNone/>
+            </a:pPr>
+            <a:endParaRPr lang="en-US" altLang="zh-TW" sz="2800"/>
+          </a:p>
+          <a:p>
+            <a:pPr marL="0" indent="0">
+              <a:buNone/>
+            </a:pPr>
+            <a:r>
+              <a:rPr lang="en-US" altLang="zh-TW" sz="2800"/>
+              <a:t>for </a:t>
+            </a:r>
+            <a:r>
+              <a:rPr lang="en-US" altLang="zh-TW" sz="2800">
+                <a:solidFill>
+                  <a:schemeClr val="bg1">
+                    <a:lumMod val="65000"/>
+                  </a:schemeClr>
+                </a:solidFill>
+              </a:rPr>
+              <a:t>element</a:t>
+            </a:r>
+            <a:r>
+              <a:rPr lang="en-US" altLang="zh-TW" sz="2800"/>
+              <a:t> in </a:t>
+            </a:r>
+            <a:r>
+              <a:rPr lang="en-US" altLang="zh-TW" sz="2800">
+                <a:solidFill>
+                  <a:schemeClr val="bg1">
+                    <a:lumMod val="65000"/>
+                  </a:schemeClr>
+                </a:solidFill>
+              </a:rPr>
+              <a:t>container</a:t>
+            </a:r>
+            <a:r>
+              <a:rPr lang="en-US" altLang="zh-TW" sz="2800"/>
+              <a:t>:</a:t>
+            </a:r>
+          </a:p>
+          <a:p>
+            <a:pPr marL="0" indent="0">
+              <a:buNone/>
+            </a:pPr>
+            <a:r>
+              <a:rPr lang="en-US" altLang="zh-TW" sz="2800"/>
+              <a:t>	</a:t>
+            </a:r>
+            <a:r>
+              <a:rPr lang="en-US" altLang="zh-TW" sz="2800">
+                <a:solidFill>
+                  <a:schemeClr val="bg1">
+                    <a:lumMod val="65000"/>
+                  </a:schemeClr>
+                </a:solidFill>
+              </a:rPr>
+              <a:t>statements...</a:t>
+            </a:r>
+          </a:p>
+          <a:p>
+            <a:pPr marL="0" indent="0">
+              <a:buNone/>
+            </a:pPr>
+            <a:r>
+              <a:rPr lang="en-US" altLang="zh-TW" sz="2800">
+                <a:solidFill>
+                  <a:schemeClr val="bg1">
+                    <a:lumMod val="65000"/>
+                  </a:schemeClr>
+                </a:solidFill>
+              </a:rPr>
+              <a:t>	statements...</a:t>
+            </a:r>
+          </a:p>
+          <a:p>
+            <a:pPr marL="0" indent="0">
+              <a:buNone/>
+            </a:pPr>
+            <a:r>
+              <a:rPr lang="en-US" altLang="zh-TW" sz="2800">
+                <a:solidFill>
+                  <a:schemeClr val="bg1">
+                    <a:lumMod val="65000"/>
+                  </a:schemeClr>
+                </a:solidFill>
+              </a:rPr>
+              <a:t>	...</a:t>
+            </a:r>
+          </a:p>
+        </p:txBody>
+      </p:sp>
+      <p:sp>
+        <p:nvSpPr>
+          <p:cNvPr id="6" name="箭號: 向下 5">
+            <a:extLst>
+              <a:ext uri="{FF2B5EF4-FFF2-40B4-BE49-F238E27FC236}">
+                <a16:creationId xmlns:a16="http://schemas.microsoft.com/office/drawing/2014/main" id="{E458BE98-232C-49A4-A26B-06C3B92B05D1}"/>
+              </a:ext>
+            </a:extLst>
+          </p:cNvPr>
+          <p:cNvSpPr/>
+          <p:nvPr/>
+        </p:nvSpPr>
+        <p:spPr>
+          <a:xfrm rot="19385951">
+            <a:off x="5615473" y="3031065"/>
+            <a:ext cx="414867" cy="508000"/>
+          </a:xfrm>
+          <a:prstGeom prst="downArrow">
+            <a:avLst/>
+          </a:prstGeom>
+        </p:spPr>
+        <p:style>
+          <a:lnRef idx="2">
+            <a:schemeClr val="accent1">
+              <a:shade val="50000"/>
+            </a:schemeClr>
+          </a:lnRef>
+          <a:fillRef idx="1">
+            <a:schemeClr val="accent1"/>
+          </a:fillRef>
+          <a:effectRef idx="0">
+            <a:schemeClr val="accent1"/>
+          </a:effectRef>
+          <a:fontRef idx="minor">
+            <a:schemeClr val="lt1"/>
+          </a:fontRef>
+        </p:style>
+        <p:txBody>
+          <a:bodyPr rtlCol="0" anchor="ctr"/>
+          <a:lstStyle/>
+          <a:p>
+            <a:pPr algn="ctr"/>
+            <a:endParaRPr lang="zh-TW" altLang="en-US"/>
+          </a:p>
+        </p:txBody>
+      </p:sp>
+      <p:sp>
+        <p:nvSpPr>
+          <p:cNvPr id="7" name="文字方塊 6">
+            <a:extLst>
+              <a:ext uri="{FF2B5EF4-FFF2-40B4-BE49-F238E27FC236}">
+                <a16:creationId xmlns:a16="http://schemas.microsoft.com/office/drawing/2014/main" id="{6ACE168C-B420-48FC-A9FD-B38AB63BF18E}"/>
+              </a:ext>
+            </a:extLst>
+          </p:cNvPr>
+          <p:cNvSpPr txBox="1"/>
+          <p:nvPr/>
+        </p:nvSpPr>
+        <p:spPr>
+          <a:xfrm>
+            <a:off x="5504517" y="3680466"/>
+            <a:ext cx="3233578" cy="523220"/>
+          </a:xfrm>
+          <a:prstGeom prst="rect">
+            <a:avLst/>
+          </a:prstGeom>
+          <a:noFill/>
+        </p:spPr>
+        <p:txBody>
+          <a:bodyPr wrap="none" rtlCol="0">
+            <a:spAutoFit/>
+          </a:bodyPr>
+          <a:lstStyle/>
+          <a:p>
+            <a:r>
+              <a:rPr lang="zh-TW" altLang="en-US" sz="2800"/>
+              <a:t>可為 </a:t>
+            </a:r>
+            <a:r>
+              <a:rPr lang="en-US" altLang="zh-TW" sz="2800"/>
+              <a:t>list </a:t>
+            </a:r>
+            <a:r>
+              <a:rPr lang="zh-TW" altLang="en-US" sz="2800"/>
+              <a:t>或 </a:t>
+            </a:r>
+            <a:r>
+              <a:rPr lang="en-US" altLang="zh-TW" sz="2800"/>
+              <a:t>str</a:t>
+            </a:r>
+            <a:endParaRPr lang="zh-TW" altLang="en-US" sz="2800"/>
+          </a:p>
+        </p:txBody>
+      </p:sp>
+    </p:spTree>
+    <p:extLst>
+      <p:ext uri="{BB962C8B-B14F-4D97-AF65-F5344CB8AC3E}">
+        <p14:creationId xmlns:p14="http://schemas.microsoft.com/office/powerpoint/2010/main" val="595841610"/>
+      </p:ext>
+    </p:extLst>
+  </p:cSld>
+  <p:clrMapOvr>
+    <a:masterClrMapping/>
+  </p:clrMapOvr>
+</p:sld>
+</file>
+
+<file path=ppt/slides/slide45.xml><?xml version="1.0" encoding="utf-8"?>
+<p:sld xmlns:a="http://schemas.openxmlformats.org/drawingml/2006/main" xmlns:r="http://schemas.openxmlformats.org/officeDocument/2006/relationships" xmlns:p="http://schemas.openxmlformats.org/presentationml/2006/main">
+  <p:cSld>
+    <p:spTree>
+      <p:nvGrpSpPr>
+        <p:cNvPr id="1" name=""/>
+        <p:cNvGrpSpPr/>
+        <p:nvPr/>
+      </p:nvGrpSpPr>
+      <p:grpSpPr>
+        <a:xfrm>
+          <a:off x="0" y="0"/>
+          <a:ext cx="0" cy="0"/>
+          <a:chOff x="0" y="0"/>
+          <a:chExt cx="0" cy="0"/>
+        </a:xfrm>
+      </p:grpSpPr>
+      <p:sp>
+        <p:nvSpPr>
+          <p:cNvPr id="2" name="標題 1">
+            <a:extLst>
+              <a:ext uri="{FF2B5EF4-FFF2-40B4-BE49-F238E27FC236}">
+                <a16:creationId xmlns:a16="http://schemas.microsoft.com/office/drawing/2014/main" id="{3867EB95-61CB-40E0-8B32-1D19A90287F6}"/>
+              </a:ext>
+            </a:extLst>
+          </p:cNvPr>
+          <p:cNvSpPr>
+            <a:spLocks noGrp="1"/>
+          </p:cNvSpPr>
+          <p:nvPr>
+            <p:ph type="title"/>
+          </p:nvPr>
+        </p:nvSpPr>
+        <p:spPr/>
+        <p:txBody>
+          <a:bodyPr/>
+          <a:lstStyle/>
+          <a:p>
+            <a:r>
+              <a:rPr lang="zh-TW" altLang="en-US"/>
+              <a:t>但串列轉字串</a:t>
+            </a:r>
+            <a:r>
+              <a:rPr lang="en-US" altLang="zh-TW"/>
+              <a:t>...</a:t>
+            </a:r>
+          </a:p>
+        </p:txBody>
+      </p:sp>
+      <p:sp>
+        <p:nvSpPr>
+          <p:cNvPr id="3" name="內容版面配置區 2">
+            <a:extLst>
+              <a:ext uri="{FF2B5EF4-FFF2-40B4-BE49-F238E27FC236}">
+                <a16:creationId xmlns:a16="http://schemas.microsoft.com/office/drawing/2014/main" id="{9B6DBF58-0D63-4291-BDB7-FA5074B0840E}"/>
+              </a:ext>
+            </a:extLst>
+          </p:cNvPr>
+          <p:cNvSpPr>
+            <a:spLocks noGrp="1"/>
+          </p:cNvSpPr>
+          <p:nvPr>
+            <p:ph idx="1"/>
+          </p:nvPr>
+        </p:nvSpPr>
+        <p:spPr/>
+        <p:txBody>
+          <a:bodyPr>
+            <a:normAutofit/>
+          </a:bodyPr>
+          <a:lstStyle/>
+          <a:p>
+            <a:pPr marL="0" indent="0">
+              <a:buNone/>
+            </a:pPr>
+            <a:endParaRPr lang="en-US" altLang="zh-TW" sz="2800"/>
+          </a:p>
+          <a:p>
+            <a:pPr marL="0" indent="0">
+              <a:buNone/>
+            </a:pPr>
+            <a:r>
+              <a:rPr lang="en-US" altLang="zh-TW" sz="2800"/>
+              <a:t>str([“1”, “2”, “3”])</a:t>
+            </a:r>
+          </a:p>
+          <a:p>
+            <a:pPr marL="0" indent="0">
+              <a:buNone/>
+            </a:pPr>
+            <a:r>
+              <a:rPr lang="en-US" altLang="zh-TW" sz="2800"/>
+              <a:t>	</a:t>
+            </a:r>
+            <a:r>
+              <a:rPr lang="zh-TW" altLang="en-US" sz="2800"/>
+              <a:t>→ </a:t>
+            </a:r>
+            <a:r>
+              <a:rPr lang="en-US" altLang="zh-TW" sz="2800">
+                <a:solidFill>
+                  <a:srgbClr val="FF0000"/>
+                </a:solidFill>
+              </a:rPr>
+              <a:t>‘</a:t>
+            </a:r>
+            <a:r>
+              <a:rPr lang="en-US" altLang="zh-TW" sz="2800"/>
+              <a:t>[“1”, “2”, “3”]</a:t>
+            </a:r>
+            <a:r>
+              <a:rPr lang="en-US" altLang="zh-TW" sz="2800">
+                <a:solidFill>
+                  <a:srgbClr val="FF0000"/>
+                </a:solidFill>
+              </a:rPr>
+              <a:t>’</a:t>
+            </a:r>
+          </a:p>
+        </p:txBody>
+      </p:sp>
+    </p:spTree>
+    <p:extLst>
+      <p:ext uri="{BB962C8B-B14F-4D97-AF65-F5344CB8AC3E}">
+        <p14:creationId xmlns:p14="http://schemas.microsoft.com/office/powerpoint/2010/main" val="3274216098"/>
       </p:ext>
     </p:extLst>
   </p:cSld>

--- a/Class 4.pptx
+++ b/Class 4.pptx
@@ -42,32 +42,44 @@
     <p:sldId id="293" r:id="rId36"/>
     <p:sldId id="294" r:id="rId37"/>
     <p:sldId id="295" r:id="rId38"/>
-    <p:sldId id="297" r:id="rId39"/>
-    <p:sldId id="296" r:id="rId40"/>
-    <p:sldId id="298" r:id="rId41"/>
-    <p:sldId id="300" r:id="rId42"/>
-    <p:sldId id="299" r:id="rId43"/>
-    <p:sldId id="302" r:id="rId44"/>
-    <p:sldId id="301" r:id="rId45"/>
-    <p:sldId id="304" r:id="rId46"/>
+    <p:sldId id="308" r:id="rId39"/>
+    <p:sldId id="297" r:id="rId40"/>
+    <p:sldId id="296" r:id="rId41"/>
+    <p:sldId id="298" r:id="rId42"/>
+    <p:sldId id="300" r:id="rId43"/>
+    <p:sldId id="299" r:id="rId44"/>
+    <p:sldId id="302" r:id="rId45"/>
+    <p:sldId id="301" r:id="rId46"/>
+    <p:sldId id="305" r:id="rId47"/>
+    <p:sldId id="310" r:id="rId48"/>
+    <p:sldId id="311" r:id="rId49"/>
+    <p:sldId id="312" r:id="rId50"/>
+    <p:sldId id="313" r:id="rId51"/>
+    <p:sldId id="314" r:id="rId52"/>
+    <p:sldId id="307" r:id="rId53"/>
+    <p:sldId id="315" r:id="rId54"/>
+    <p:sldId id="316" r:id="rId55"/>
+    <p:sldId id="317" r:id="rId56"/>
+    <p:sldId id="306" r:id="rId57"/>
+    <p:sldId id="309" r:id="rId58"/>
   </p:sldIdLst>
   <p:sldSz cx="12192000" cy="6858000"/>
   <p:notesSz cx="6858000" cy="9144000"/>
   <p:embeddedFontLst>
     <p:embeddedFont>
       <p:font typeface="Consolas" panose="020B0609020204030204" pitchFamily="49" charset="0"/>
-      <p:regular r:id="rId47"/>
-      <p:bold r:id="rId48"/>
-      <p:italic r:id="rId49"/>
-      <p:boldItalic r:id="rId50"/>
+      <p:regular r:id="rId59"/>
+      <p:bold r:id="rId60"/>
+      <p:italic r:id="rId61"/>
+      <p:boldItalic r:id="rId62"/>
     </p:embeddedFont>
     <p:embeddedFont>
       <p:font typeface="Wingdings 2" panose="05020102010507070707" pitchFamily="18" charset="2"/>
-      <p:regular r:id="rId51"/>
+      <p:regular r:id="rId63"/>
     </p:embeddedFont>
     <p:embeddedFont>
       <p:font typeface="源流明體 SB" panose="02020600000000000000" pitchFamily="18" charset="-120"/>
-      <p:bold r:id="rId52"/>
+      <p:bold r:id="rId64"/>
     </p:embeddedFont>
   </p:embeddedFontLst>
   <p:defaultTextStyle>
@@ -352,7 +364,7 @@
           <a:p>
             <a:fld id="{5BBD40F8-868B-42D9-86AD-BC59E6FB5EF5}" type="datetimeFigureOut">
               <a:rPr lang="zh-TW" altLang="en-US" smtClean="0"/>
-              <a:t>2022/10/4</a:t>
+              <a:t>2022/10/5</a:t>
             </a:fld>
             <a:endParaRPr lang="zh-TW" altLang="en-US"/>
           </a:p>
@@ -580,7 +592,7 @@
           <a:p>
             <a:fld id="{5BBD40F8-868B-42D9-86AD-BC59E6FB5EF5}" type="datetimeFigureOut">
               <a:rPr lang="zh-TW" altLang="en-US" smtClean="0"/>
-              <a:t>2022/10/4</a:t>
+              <a:t>2022/10/5</a:t>
             </a:fld>
             <a:endParaRPr lang="zh-TW" altLang="en-US"/>
           </a:p>
@@ -760,7 +772,7 @@
           <a:p>
             <a:fld id="{5BBD40F8-868B-42D9-86AD-BC59E6FB5EF5}" type="datetimeFigureOut">
               <a:rPr lang="zh-TW" altLang="en-US" smtClean="0"/>
-              <a:t>2022/10/4</a:t>
+              <a:t>2022/10/5</a:t>
             </a:fld>
             <a:endParaRPr lang="zh-TW" altLang="en-US"/>
           </a:p>
@@ -930,7 +942,7 @@
           <a:p>
             <a:fld id="{5BBD40F8-868B-42D9-86AD-BC59E6FB5EF5}" type="datetimeFigureOut">
               <a:rPr lang="zh-TW" altLang="en-US" smtClean="0"/>
-              <a:t>2022/10/4</a:t>
+              <a:t>2022/10/5</a:t>
             </a:fld>
             <a:endParaRPr lang="zh-TW" altLang="en-US"/>
           </a:p>
@@ -1184,7 +1196,7 @@
           <a:p>
             <a:fld id="{5BBD40F8-868B-42D9-86AD-BC59E6FB5EF5}" type="datetimeFigureOut">
               <a:rPr lang="zh-TW" altLang="en-US" smtClean="0"/>
-              <a:t>2022/10/4</a:t>
+              <a:t>2022/10/5</a:t>
             </a:fld>
             <a:endParaRPr lang="zh-TW" altLang="en-US"/>
           </a:p>
@@ -1510,7 +1522,7 @@
           <a:p>
             <a:fld id="{5BBD40F8-868B-42D9-86AD-BC59E6FB5EF5}" type="datetimeFigureOut">
               <a:rPr lang="zh-TW" altLang="en-US" smtClean="0"/>
-              <a:t>2022/10/4</a:t>
+              <a:t>2022/10/5</a:t>
             </a:fld>
             <a:endParaRPr lang="zh-TW" altLang="en-US"/>
           </a:p>
@@ -1961,7 +1973,7 @@
           <a:p>
             <a:fld id="{5BBD40F8-868B-42D9-86AD-BC59E6FB5EF5}" type="datetimeFigureOut">
               <a:rPr lang="zh-TW" altLang="en-US" smtClean="0"/>
-              <a:t>2022/10/4</a:t>
+              <a:t>2022/10/5</a:t>
             </a:fld>
             <a:endParaRPr lang="zh-TW" altLang="en-US"/>
           </a:p>
@@ -2079,7 +2091,7 @@
           <a:p>
             <a:fld id="{5BBD40F8-868B-42D9-86AD-BC59E6FB5EF5}" type="datetimeFigureOut">
               <a:rPr lang="zh-TW" altLang="en-US" smtClean="0"/>
-              <a:t>2022/10/4</a:t>
+              <a:t>2022/10/5</a:t>
             </a:fld>
             <a:endParaRPr lang="zh-TW" altLang="en-US"/>
           </a:p>
@@ -2174,7 +2186,7 @@
           <a:p>
             <a:fld id="{5BBD40F8-868B-42D9-86AD-BC59E6FB5EF5}" type="datetimeFigureOut">
               <a:rPr lang="zh-TW" altLang="en-US" smtClean="0"/>
-              <a:t>2022/10/4</a:t>
+              <a:t>2022/10/5</a:t>
             </a:fld>
             <a:endParaRPr lang="zh-TW" altLang="en-US"/>
           </a:p>
@@ -2461,7 +2473,7 @@
           <a:p>
             <a:fld id="{5BBD40F8-868B-42D9-86AD-BC59E6FB5EF5}" type="datetimeFigureOut">
               <a:rPr lang="zh-TW" altLang="en-US" smtClean="0"/>
-              <a:t>2022/10/4</a:t>
+              <a:t>2022/10/5</a:t>
             </a:fld>
             <a:endParaRPr lang="zh-TW" altLang="en-US"/>
           </a:p>
@@ -2783,7 +2795,7 @@
           <a:p>
             <a:fld id="{5BBD40F8-868B-42D9-86AD-BC59E6FB5EF5}" type="datetimeFigureOut">
               <a:rPr lang="zh-TW" altLang="en-US" smtClean="0"/>
-              <a:t>2022/10/4</a:t>
+              <a:t>2022/10/5</a:t>
             </a:fld>
             <a:endParaRPr lang="zh-TW" altLang="en-US"/>
           </a:p>
@@ -3037,7 +3049,7 @@
           <a:p>
             <a:fld id="{5BBD40F8-868B-42D9-86AD-BC59E6FB5EF5}" type="datetimeFigureOut">
               <a:rPr lang="zh-TW" altLang="en-US" smtClean="0"/>
-              <a:t>2022/10/4</a:t>
+              <a:t>2022/10/5</a:t>
             </a:fld>
             <a:endParaRPr lang="zh-TW" altLang="en-US"/>
           </a:p>
@@ -12365,7 +12377,21 @@
             </a:pPr>
             <a:r>
               <a:rPr lang="en-US" altLang="zh-TW" sz="2400"/>
-              <a:t>lst.sort(reverse=True) </a:t>
+              <a:t>lst.sort(</a:t>
+            </a:r>
+            <a:r>
+              <a:rPr lang="en-US" altLang="zh-TW" sz="2400">
+                <a:solidFill>
+                  <a:schemeClr val="accent2">
+                    <a:lumMod val="75000"/>
+                  </a:schemeClr>
+                </a:solidFill>
+              </a:rPr>
+              <a:t>reverse=True</a:t>
+            </a:r>
+            <a:r>
+              <a:rPr lang="en-US" altLang="zh-TW" sz="2400"/>
+              <a:t>) </a:t>
             </a:r>
             <a:r>
               <a:rPr lang="zh-TW" altLang="en-US" sz="2400"/>
@@ -12411,7 +12437,21 @@
             </a:pPr>
             <a:r>
               <a:rPr lang="en-US" altLang="zh-TW" sz="2400"/>
-              <a:t>lst.sort(reverse = True) # lst </a:t>
+              <a:t>lst.sort(</a:t>
+            </a:r>
+            <a:r>
+              <a:rPr lang="en-US" altLang="zh-TW" sz="2400">
+                <a:solidFill>
+                  <a:schemeClr val="accent2">
+                    <a:lumMod val="75000"/>
+                  </a:schemeClr>
+                </a:solidFill>
+              </a:rPr>
+              <a:t>reverse=True</a:t>
+            </a:r>
+            <a:r>
+              <a:rPr lang="en-US" altLang="zh-TW" sz="2400"/>
+              <a:t>) # lst </a:t>
             </a:r>
             <a:r>
               <a:rPr lang="zh-TW" altLang="en-US" sz="2400"/>
@@ -12547,7 +12587,21 @@
             </a:pPr>
             <a:r>
               <a:rPr lang="en-US" altLang="zh-TW" sz="2400"/>
-              <a:t>lst.sort(reverse=True) </a:t>
+              <a:t>lst.sort(</a:t>
+            </a:r>
+            <a:r>
+              <a:rPr lang="en-US" altLang="zh-TW" sz="2400">
+                <a:solidFill>
+                  <a:schemeClr val="accent2">
+                    <a:lumMod val="75000"/>
+                  </a:schemeClr>
+                </a:solidFill>
+              </a:rPr>
+              <a:t>reverse=True</a:t>
+            </a:r>
+            <a:r>
+              <a:rPr lang="en-US" altLang="zh-TW" sz="2400"/>
+              <a:t>) </a:t>
             </a:r>
             <a:r>
               <a:rPr lang="zh-TW" altLang="en-US" sz="2400"/>
@@ -13413,7 +13467,7 @@
           <p:cNvPr id="2" name="標題 1">
             <a:extLst>
               <a:ext uri="{FF2B5EF4-FFF2-40B4-BE49-F238E27FC236}">
-                <a16:creationId xmlns:a16="http://schemas.microsoft.com/office/drawing/2014/main" id="{C2D0B30B-F9F1-411C-8B97-58C8979BB899}"/>
+                <a16:creationId xmlns:a16="http://schemas.microsoft.com/office/drawing/2014/main" id="{86166935-A246-4823-9799-71DAAF7681D0}"/>
               </a:ext>
             </a:extLst>
           </p:cNvPr>
@@ -13431,19 +13485,11 @@
           <a:p>
             <a:r>
               <a:rPr lang="zh-TW" altLang="en-US"/>
-              <a:t>字串 </a:t>
-            </a:r>
-            <a:r>
-              <a:rPr lang="zh-TW" altLang="en-US" sz="4000"/>
-              <a:t>與</a:t>
-            </a:r>
-            <a:r>
-              <a:rPr lang="zh-TW" altLang="en-US"/>
-              <a:t> 串列 </a:t>
-            </a:r>
-            <a:r>
-              <a:rPr lang="zh-TW" altLang="en-US" sz="4400"/>
-              <a:t>的交互操作</a:t>
+              <a:t>補充：映射 </a:t>
+            </a:r>
+            <a:r>
+              <a:rPr lang="en-US" altLang="zh-TW"/>
+              <a:t>map</a:t>
             </a:r>
             <a:endParaRPr lang="zh-TW" altLang="en-US"/>
           </a:p>
@@ -13451,10 +13497,10 @@
       </p:sp>
       <p:sp>
         <p:nvSpPr>
-          <p:cNvPr id="3" name="文字版面配置區 2">
+          <p:cNvPr id="3" name="內容版面配置區 2">
             <a:extLst>
               <a:ext uri="{FF2B5EF4-FFF2-40B4-BE49-F238E27FC236}">
-                <a16:creationId xmlns:a16="http://schemas.microsoft.com/office/drawing/2014/main" id="{9701EB94-FBB1-4339-81A8-CA44614DE3ED}"/>
+                <a16:creationId xmlns:a16="http://schemas.microsoft.com/office/drawing/2014/main" id="{BCE19237-B733-4595-B2FB-7B85AC65C316}"/>
               </a:ext>
             </a:extLst>
           </p:cNvPr>
@@ -13462,22 +13508,227 @@
             <a:spLocks noGrp="1"/>
           </p:cNvSpPr>
           <p:nvPr>
-            <p:ph type="body" idx="1"/>
+            <p:ph idx="1"/>
           </p:nvPr>
         </p:nvSpPr>
-        <p:spPr/>
+        <p:spPr>
+          <a:xfrm>
+            <a:off x="1261872" y="1828800"/>
+            <a:ext cx="9775821" cy="4351337"/>
+          </a:xfrm>
+        </p:spPr>
         <p:txBody>
-          <a:bodyPr/>
+          <a:bodyPr>
+            <a:normAutofit/>
+          </a:bodyPr>
           <a:lstStyle/>
           <a:p>
-            <a:endParaRPr lang="zh-TW" altLang="en-US"/>
+            <a:pPr marL="0" indent="0">
+              <a:buNone/>
+            </a:pPr>
+            <a:endParaRPr lang="en-US" altLang="zh-TW" sz="2400"/>
+          </a:p>
+          <a:p>
+            <a:pPr marL="0" indent="0">
+              <a:buNone/>
+            </a:pPr>
+            <a:r>
+              <a:rPr lang="en-US" altLang="zh-TW" sz="2400"/>
+              <a:t>map(func, container) </a:t>
+            </a:r>
+            <a:r>
+              <a:rPr lang="zh-TW" altLang="en-US" sz="2400"/>
+              <a:t>→ </a:t>
+            </a:r>
+            <a:r>
+              <a:rPr lang="zh-TW" altLang="en-US" sz="2400">
+                <a:solidFill>
+                  <a:srgbClr val="FF0000"/>
+                </a:solidFill>
+              </a:rPr>
+              <a:t>回傳</a:t>
+            </a:r>
+            <a:r>
+              <a:rPr lang="zh-TW" altLang="en-US" sz="2400"/>
+              <a:t>將每個元素經 </a:t>
+            </a:r>
+            <a:r>
+              <a:rPr lang="en-US" altLang="zh-TW" sz="2400"/>
+              <a:t>func </a:t>
+            </a:r>
+            <a:r>
+              <a:rPr lang="zh-TW" altLang="en-US" sz="2400"/>
+              <a:t>後的 </a:t>
+            </a:r>
+            <a:r>
+              <a:rPr lang="en-US" altLang="zh-TW" sz="2400"/>
+              <a:t>map </a:t>
+            </a:r>
+            <a:r>
+              <a:rPr lang="zh-TW" altLang="en-US" sz="2400"/>
+              <a:t>物件</a:t>
+            </a:r>
+            <a:endParaRPr lang="en-US" altLang="zh-TW" sz="2400"/>
+          </a:p>
+          <a:p>
+            <a:pPr marL="0" indent="0">
+              <a:buNone/>
+            </a:pPr>
+            <a:endParaRPr lang="en-US" altLang="zh-TW" sz="2400"/>
+          </a:p>
+          <a:p>
+            <a:pPr marL="0" indent="0">
+              <a:buNone/>
+            </a:pPr>
+            <a:r>
+              <a:rPr lang="en-US" altLang="zh-TW" sz="2400"/>
+              <a:t>lst = [“2”, “6”, “-3”]</a:t>
+            </a:r>
+          </a:p>
+          <a:p>
+            <a:pPr marL="0" indent="0">
+              <a:buNone/>
+            </a:pPr>
+            <a:r>
+              <a:rPr lang="en-US" altLang="zh-TW" sz="2400"/>
+              <a:t>lst = map(</a:t>
+            </a:r>
+            <a:r>
+              <a:rPr lang="en-US" altLang="zh-TW" sz="2400">
+                <a:solidFill>
+                  <a:srgbClr val="FF0000"/>
+                </a:solidFill>
+              </a:rPr>
+              <a:t>int</a:t>
+            </a:r>
+            <a:r>
+              <a:rPr lang="en-US" altLang="zh-TW" sz="2400"/>
+              <a:t>, </a:t>
+            </a:r>
+            <a:r>
+              <a:rPr lang="en-US" altLang="zh-TW" sz="2400">
+                <a:solidFill>
+                  <a:srgbClr val="FF0000"/>
+                </a:solidFill>
+              </a:rPr>
+              <a:t>lst</a:t>
+            </a:r>
+            <a:r>
+              <a:rPr lang="en-US" altLang="zh-TW" sz="2400"/>
+              <a:t>) </a:t>
+            </a:r>
+            <a:r>
+              <a:rPr lang="en-US" altLang="zh-TW" sz="2400">
+                <a:solidFill>
+                  <a:schemeClr val="bg1">
+                    <a:lumMod val="65000"/>
+                  </a:schemeClr>
+                </a:solidFill>
+              </a:rPr>
+              <a:t># type(lst) </a:t>
+            </a:r>
+            <a:r>
+              <a:rPr lang="zh-TW" altLang="en-US" sz="2400">
+                <a:solidFill>
+                  <a:schemeClr val="bg1">
+                    <a:lumMod val="65000"/>
+                  </a:schemeClr>
+                </a:solidFill>
+              </a:rPr>
+              <a:t>→ </a:t>
+            </a:r>
+            <a:r>
+              <a:rPr lang="en-US" altLang="zh-TW" sz="2400">
+                <a:solidFill>
+                  <a:schemeClr val="bg1">
+                    <a:lumMod val="65000"/>
+                  </a:schemeClr>
+                </a:solidFill>
+              </a:rPr>
+              <a:t>map</a:t>
+            </a:r>
+          </a:p>
+          <a:p>
+            <a:pPr marL="0" indent="0">
+              <a:buNone/>
+            </a:pPr>
+            <a:r>
+              <a:rPr lang="en-US" altLang="zh-TW" sz="2400"/>
+              <a:t>lst = </a:t>
+            </a:r>
+            <a:r>
+              <a:rPr lang="en-US" altLang="zh-TW" sz="2400">
+                <a:solidFill>
+                  <a:srgbClr val="0070C0"/>
+                </a:solidFill>
+              </a:rPr>
+              <a:t>list</a:t>
+            </a:r>
+            <a:r>
+              <a:rPr lang="en-US" altLang="zh-TW" sz="2400"/>
+              <a:t>(map(</a:t>
+            </a:r>
+            <a:r>
+              <a:rPr lang="en-US" altLang="zh-TW" sz="2400">
+                <a:solidFill>
+                  <a:srgbClr val="FF0000"/>
+                </a:solidFill>
+              </a:rPr>
+              <a:t>int</a:t>
+            </a:r>
+            <a:r>
+              <a:rPr lang="en-US" altLang="zh-TW" sz="2400"/>
+              <a:t>, </a:t>
+            </a:r>
+            <a:r>
+              <a:rPr lang="en-US" altLang="zh-TW" sz="2400">
+                <a:solidFill>
+                  <a:srgbClr val="FF0000"/>
+                </a:solidFill>
+              </a:rPr>
+              <a:t>lst</a:t>
+            </a:r>
+            <a:r>
+              <a:rPr lang="en-US" altLang="zh-TW" sz="2400"/>
+              <a:t>)) </a:t>
+            </a:r>
+            <a:r>
+              <a:rPr lang="en-US" altLang="zh-TW" sz="2400">
+                <a:solidFill>
+                  <a:schemeClr val="bg1">
+                    <a:lumMod val="65000"/>
+                  </a:schemeClr>
+                </a:solidFill>
+              </a:rPr>
+              <a:t># type(lst) </a:t>
+            </a:r>
+            <a:r>
+              <a:rPr lang="zh-TW" altLang="en-US" sz="2400">
+                <a:solidFill>
+                  <a:schemeClr val="bg1">
+                    <a:lumMod val="65000"/>
+                  </a:schemeClr>
+                </a:solidFill>
+              </a:rPr>
+              <a:t>→ </a:t>
+            </a:r>
+            <a:r>
+              <a:rPr lang="en-US" altLang="zh-TW" sz="2400">
+                <a:solidFill>
+                  <a:schemeClr val="bg1">
+                    <a:lumMod val="65000"/>
+                  </a:schemeClr>
+                </a:solidFill>
+              </a:rPr>
+              <a:t>list</a:t>
+            </a:r>
           </a:p>
         </p:txBody>
       </p:sp>
     </p:spTree>
     <p:extLst>
       <p:ext uri="{BB962C8B-B14F-4D97-AF65-F5344CB8AC3E}">
-        <p14:creationId xmlns:p14="http://schemas.microsoft.com/office/powerpoint/2010/main" val="1888925656"/>
+        <p14:creationId xmlns:p14="http://schemas.microsoft.com/office/powerpoint/2010/main" val="942100656"/>
       </p:ext>
     </p:extLst>
   </p:cSld>
@@ -13509,7 +13760,7 @@
           <p:cNvPr id="2" name="標題 1">
             <a:extLst>
               <a:ext uri="{FF2B5EF4-FFF2-40B4-BE49-F238E27FC236}">
-                <a16:creationId xmlns:a16="http://schemas.microsoft.com/office/drawing/2014/main" id="{40A56DC8-1CC0-466B-8BE2-A746A6C92886}"/>
+                <a16:creationId xmlns:a16="http://schemas.microsoft.com/office/drawing/2014/main" id="{C2D0B30B-F9F1-411C-8B97-58C8979BB899}"/>
               </a:ext>
             </a:extLst>
           </p:cNvPr>
@@ -13527,11 +13778,19 @@
           <a:p>
             <a:r>
               <a:rPr lang="zh-TW" altLang="en-US"/>
-              <a:t>字串分割 </a:t>
-            </a:r>
-            <a:r>
-              <a:rPr lang="en-US" altLang="zh-TW"/>
-              <a:t>split</a:t>
+              <a:t>字串 </a:t>
+            </a:r>
+            <a:r>
+              <a:rPr lang="zh-TW" altLang="en-US" sz="4000"/>
+              <a:t>與</a:t>
+            </a:r>
+            <a:r>
+              <a:rPr lang="zh-TW" altLang="en-US"/>
+              <a:t> 串列 </a:t>
+            </a:r>
+            <a:r>
+              <a:rPr lang="zh-TW" altLang="en-US" sz="4400"/>
+              <a:t>的交互操作</a:t>
             </a:r>
             <a:endParaRPr lang="zh-TW" altLang="en-US"/>
           </a:p>
@@ -13539,10 +13798,10 @@
       </p:sp>
       <p:sp>
         <p:nvSpPr>
-          <p:cNvPr id="3" name="內容版面配置區 2">
+          <p:cNvPr id="3" name="文字版面配置區 2">
             <a:extLst>
               <a:ext uri="{FF2B5EF4-FFF2-40B4-BE49-F238E27FC236}">
-                <a16:creationId xmlns:a16="http://schemas.microsoft.com/office/drawing/2014/main" id="{D1C5B161-079B-43B4-A5F5-973E8885388B}"/>
+                <a16:creationId xmlns:a16="http://schemas.microsoft.com/office/drawing/2014/main" id="{9701EB94-FBB1-4339-81A8-CA44614DE3ED}"/>
               </a:ext>
             </a:extLst>
           </p:cNvPr>
@@ -13550,102 +13809,22 @@
             <a:spLocks noGrp="1"/>
           </p:cNvSpPr>
           <p:nvPr>
-            <p:ph idx="1"/>
+            <p:ph type="body" idx="1"/>
           </p:nvPr>
         </p:nvSpPr>
         <p:spPr/>
         <p:txBody>
-          <a:bodyPr>
-            <a:normAutofit/>
-          </a:bodyPr>
+          <a:bodyPr/>
           <a:lstStyle/>
           <a:p>
-            <a:pPr marL="0" indent="0">
-              <a:buNone/>
-            </a:pPr>
-            <a:endParaRPr lang="en-US" altLang="zh-TW" sz="2400"/>
-          </a:p>
-          <a:p>
-            <a:pPr marL="0" indent="0">
-              <a:buNone/>
-            </a:pPr>
-            <a:r>
-              <a:rPr lang="en-US" altLang="zh-TW" sz="2400"/>
-              <a:t>s.split(str) </a:t>
-            </a:r>
-            <a:r>
-              <a:rPr lang="zh-TW" altLang="en-US" sz="2400"/>
-              <a:t>→ 以 </a:t>
-            </a:r>
-            <a:r>
-              <a:rPr lang="en-US" altLang="zh-TW" sz="2400"/>
-              <a:t>str </a:t>
-            </a:r>
-            <a:r>
-              <a:rPr lang="zh-TW" altLang="en-US" sz="2400"/>
-              <a:t>為分割點，</a:t>
-            </a:r>
-            <a:r>
-              <a:rPr lang="zh-TW" altLang="en-US" sz="2400">
-                <a:solidFill>
-                  <a:srgbClr val="FF0000"/>
-                </a:solidFill>
-              </a:rPr>
-              <a:t>回傳</a:t>
-            </a:r>
-            <a:r>
-              <a:rPr lang="zh-TW" altLang="en-US" sz="2400"/>
-              <a:t>分割後的串列</a:t>
-            </a:r>
-            <a:endParaRPr lang="en-US" altLang="zh-TW" sz="2400"/>
-          </a:p>
-          <a:p>
-            <a:pPr marL="0" indent="0">
-              <a:buNone/>
-            </a:pPr>
-            <a:endParaRPr lang="en-US" altLang="zh-TW" sz="2400"/>
-          </a:p>
-          <a:p>
-            <a:pPr marL="0" indent="0">
-              <a:buNone/>
-            </a:pPr>
-            <a:r>
-              <a:rPr lang="en-US" altLang="zh-TW" sz="2400"/>
-              <a:t>s = “chiisai no wa kawaii”</a:t>
-            </a:r>
-          </a:p>
-          <a:p>
-            <a:pPr marL="0" indent="0">
-              <a:buNone/>
-            </a:pPr>
-            <a:r>
-              <a:rPr lang="en-US" altLang="zh-TW" sz="2400"/>
-              <a:t>lst = s.split(“ ”)</a:t>
-            </a:r>
-          </a:p>
-          <a:p>
-            <a:pPr marL="0" indent="0">
-              <a:buNone/>
-            </a:pPr>
-            <a:r>
-              <a:rPr lang="en-US" altLang="zh-TW" sz="2400"/>
-              <a:t>lst </a:t>
-            </a:r>
-            <a:r>
-              <a:rPr lang="zh-TW" altLang="en-US" sz="2400"/>
-              <a:t>→ </a:t>
-            </a:r>
-            <a:r>
-              <a:rPr lang="en-US" altLang="zh-TW" sz="2400"/>
-              <a:t>[“chiisai”, “no”, “wa”, “kawaii”]</a:t>
-            </a:r>
+            <a:endParaRPr lang="zh-TW" altLang="en-US"/>
           </a:p>
         </p:txBody>
       </p:sp>
     </p:spTree>
     <p:extLst>
       <p:ext uri="{BB962C8B-B14F-4D97-AF65-F5344CB8AC3E}">
-        <p14:creationId xmlns:p14="http://schemas.microsoft.com/office/powerpoint/2010/main" val="3605959833"/>
+        <p14:creationId xmlns:p14="http://schemas.microsoft.com/office/powerpoint/2010/main" val="1888925656"/>
       </p:ext>
     </p:extLst>
   </p:cSld>
@@ -13875,6 +14054,174 @@
             </a:pPr>
             <a:r>
               <a:rPr lang="en-US" altLang="zh-TW" sz="2400"/>
+              <a:t>s = “chiisai no wa kawaii”</a:t>
+            </a:r>
+          </a:p>
+          <a:p>
+            <a:pPr marL="0" indent="0">
+              <a:buNone/>
+            </a:pPr>
+            <a:r>
+              <a:rPr lang="en-US" altLang="zh-TW" sz="2400"/>
+              <a:t>lst = s.split(“ ”)</a:t>
+            </a:r>
+          </a:p>
+          <a:p>
+            <a:pPr marL="0" indent="0">
+              <a:buNone/>
+            </a:pPr>
+            <a:r>
+              <a:rPr lang="en-US" altLang="zh-TW" sz="2400"/>
+              <a:t>lst </a:t>
+            </a:r>
+            <a:r>
+              <a:rPr lang="zh-TW" altLang="en-US" sz="2400"/>
+              <a:t>→ </a:t>
+            </a:r>
+            <a:r>
+              <a:rPr lang="en-US" altLang="zh-TW" sz="2400"/>
+              <a:t>[“chiisai”, “no”, “wa”, “kawaii”]</a:t>
+            </a:r>
+          </a:p>
+        </p:txBody>
+      </p:sp>
+    </p:spTree>
+    <p:extLst>
+      <p:ext uri="{BB962C8B-B14F-4D97-AF65-F5344CB8AC3E}">
+        <p14:creationId xmlns:p14="http://schemas.microsoft.com/office/powerpoint/2010/main" val="3605959833"/>
+      </p:ext>
+    </p:extLst>
+  </p:cSld>
+  <p:clrMapOvr>
+    <a:masterClrMapping/>
+  </p:clrMapOvr>
+</p:sld>
+</file>
+
+<file path=ppt/slides/slide41.xml><?xml version="1.0" encoding="utf-8"?>
+<p:sld xmlns:a="http://schemas.openxmlformats.org/drawingml/2006/main" xmlns:r="http://schemas.openxmlformats.org/officeDocument/2006/relationships" xmlns:p="http://schemas.openxmlformats.org/presentationml/2006/main">
+  <p:cSld>
+    <p:spTree>
+      <p:nvGrpSpPr>
+        <p:cNvPr id="1" name=""/>
+        <p:cNvGrpSpPr/>
+        <p:nvPr/>
+      </p:nvGrpSpPr>
+      <p:grpSpPr>
+        <a:xfrm>
+          <a:off x="0" y="0"/>
+          <a:ext cx="0" cy="0"/>
+          <a:chOff x="0" y="0"/>
+          <a:chExt cx="0" cy="0"/>
+        </a:xfrm>
+      </p:grpSpPr>
+      <p:sp>
+        <p:nvSpPr>
+          <p:cNvPr id="2" name="標題 1">
+            <a:extLst>
+              <a:ext uri="{FF2B5EF4-FFF2-40B4-BE49-F238E27FC236}">
+                <a16:creationId xmlns:a16="http://schemas.microsoft.com/office/drawing/2014/main" id="{40A56DC8-1CC0-466B-8BE2-A746A6C92886}"/>
+              </a:ext>
+            </a:extLst>
+          </p:cNvPr>
+          <p:cNvSpPr>
+            <a:spLocks noGrp="1"/>
+          </p:cNvSpPr>
+          <p:nvPr>
+            <p:ph type="title"/>
+          </p:nvPr>
+        </p:nvSpPr>
+        <p:spPr/>
+        <p:txBody>
+          <a:bodyPr/>
+          <a:lstStyle/>
+          <a:p>
+            <a:r>
+              <a:rPr lang="zh-TW" altLang="en-US"/>
+              <a:t>字串分割 </a:t>
+            </a:r>
+            <a:r>
+              <a:rPr lang="en-US" altLang="zh-TW"/>
+              <a:t>split</a:t>
+            </a:r>
+            <a:endParaRPr lang="zh-TW" altLang="en-US"/>
+          </a:p>
+        </p:txBody>
+      </p:sp>
+      <p:sp>
+        <p:nvSpPr>
+          <p:cNvPr id="3" name="內容版面配置區 2">
+            <a:extLst>
+              <a:ext uri="{FF2B5EF4-FFF2-40B4-BE49-F238E27FC236}">
+                <a16:creationId xmlns:a16="http://schemas.microsoft.com/office/drawing/2014/main" id="{D1C5B161-079B-43B4-A5F5-973E8885388B}"/>
+              </a:ext>
+            </a:extLst>
+          </p:cNvPr>
+          <p:cNvSpPr>
+            <a:spLocks noGrp="1"/>
+          </p:cNvSpPr>
+          <p:nvPr>
+            <p:ph idx="1"/>
+          </p:nvPr>
+        </p:nvSpPr>
+        <p:spPr/>
+        <p:txBody>
+          <a:bodyPr>
+            <a:normAutofit/>
+          </a:bodyPr>
+          <a:lstStyle/>
+          <a:p>
+            <a:pPr marL="0" indent="0">
+              <a:buNone/>
+            </a:pPr>
+            <a:endParaRPr lang="en-US" altLang="zh-TW" sz="2400"/>
+          </a:p>
+          <a:p>
+            <a:pPr marL="0" indent="0">
+              <a:buNone/>
+            </a:pPr>
+            <a:r>
+              <a:rPr lang="en-US" altLang="zh-TW" sz="2400"/>
+              <a:t>s.split(str) </a:t>
+            </a:r>
+            <a:r>
+              <a:rPr lang="zh-TW" altLang="en-US" sz="2400"/>
+              <a:t>→ 以 </a:t>
+            </a:r>
+            <a:r>
+              <a:rPr lang="en-US" altLang="zh-TW" sz="2400"/>
+              <a:t>str </a:t>
+            </a:r>
+            <a:r>
+              <a:rPr lang="zh-TW" altLang="en-US" sz="2400"/>
+              <a:t>為分割點，</a:t>
+            </a:r>
+            <a:r>
+              <a:rPr lang="zh-TW" altLang="en-US" sz="2400">
+                <a:solidFill>
+                  <a:srgbClr val="FF0000"/>
+                </a:solidFill>
+              </a:rPr>
+              <a:t>回傳</a:t>
+            </a:r>
+            <a:r>
+              <a:rPr lang="zh-TW" altLang="en-US" sz="2400"/>
+              <a:t>分割後的串列</a:t>
+            </a:r>
+            <a:endParaRPr lang="en-US" altLang="zh-TW" sz="2400"/>
+          </a:p>
+          <a:p>
+            <a:pPr marL="0" indent="0">
+              <a:buNone/>
+            </a:pPr>
+            <a:endParaRPr lang="en-US" altLang="zh-TW" sz="2400"/>
+          </a:p>
+          <a:p>
+            <a:pPr marL="0" indent="0">
+              <a:buNone/>
+            </a:pPr>
+            <a:r>
+              <a:rPr lang="en-US" altLang="zh-TW" sz="2400"/>
               <a:t>s = “ch</a:t>
             </a:r>
             <a:r>
@@ -14150,7 +14497,7 @@
 </p:sld>
 </file>
 
-<file path=ppt/slides/slide41.xml><?xml version="1.0" encoding="utf-8"?>
+<file path=ppt/slides/slide42.xml><?xml version="1.0" encoding="utf-8"?>
 <p:sld xmlns:a="http://schemas.openxmlformats.org/drawingml/2006/main" xmlns:r="http://schemas.openxmlformats.org/officeDocument/2006/relationships" xmlns:p="http://schemas.openxmlformats.org/presentationml/2006/main">
   <p:cSld>
     <p:spTree>
@@ -14284,7 +14631,7 @@
 </p:sld>
 </file>
 
-<file path=ppt/slides/slide42.xml><?xml version="1.0" encoding="utf-8"?>
+<file path=ppt/slides/slide43.xml><?xml version="1.0" encoding="utf-8"?>
 <p:sld xmlns:a="http://schemas.openxmlformats.org/drawingml/2006/main" xmlns:r="http://schemas.openxmlformats.org/officeDocument/2006/relationships" xmlns:p="http://schemas.openxmlformats.org/presentationml/2006/main">
   <p:cSld>
     <p:spTree>
@@ -14550,7 +14897,7 @@
 </p:sld>
 </file>
 
-<file path=ppt/slides/slide43.xml><?xml version="1.0" encoding="utf-8"?>
+<file path=ppt/slides/slide44.xml><?xml version="1.0" encoding="utf-8"?>
 <p:sld xmlns:a="http://schemas.openxmlformats.org/drawingml/2006/main" xmlns:r="http://schemas.openxmlformats.org/officeDocument/2006/relationships" xmlns:p="http://schemas.openxmlformats.org/presentationml/2006/main">
   <p:cSld>
     <p:spTree>
@@ -14637,7 +14984,7 @@
 </p:sld>
 </file>
 
-<file path=ppt/slides/slide44.xml><?xml version="1.0" encoding="utf-8"?>
+<file path=ppt/slides/slide45.xml><?xml version="1.0" encoding="utf-8"?>
 <p:sld xmlns:a="http://schemas.openxmlformats.org/drawingml/2006/main" xmlns:r="http://schemas.openxmlformats.org/officeDocument/2006/relationships" xmlns:p="http://schemas.openxmlformats.org/presentationml/2006/main">
   <p:cSld>
     <p:spTree>
@@ -14909,7 +15256,7 @@
 </p:sld>
 </file>
 
-<file path=ppt/slides/slide45.xml><?xml version="1.0" encoding="utf-8"?>
+<file path=ppt/slides/slide46.xml><?xml version="1.0" encoding="utf-8"?>
 <p:sld xmlns:a="http://schemas.openxmlformats.org/drawingml/2006/main" xmlns:r="http://schemas.openxmlformats.org/officeDocument/2006/relationships" xmlns:p="http://schemas.openxmlformats.org/presentationml/2006/main">
   <p:cSld>
     <p:spTree>
@@ -14931,7 +15278,7 @@
           <p:cNvPr id="2" name="標題 1">
             <a:extLst>
               <a:ext uri="{FF2B5EF4-FFF2-40B4-BE49-F238E27FC236}">
-                <a16:creationId xmlns:a16="http://schemas.microsoft.com/office/drawing/2014/main" id="{3867EB95-61CB-40E0-8B32-1D19A90287F6}"/>
+                <a16:creationId xmlns:a16="http://schemas.microsoft.com/office/drawing/2014/main" id="{0E19F189-725C-49D8-85BE-205FC24458F3}"/>
               </a:ext>
             </a:extLst>
           </p:cNvPr>
@@ -14948,12 +15295,12 @@
           <a:lstStyle/>
           <a:p>
             <a:r>
+              <a:rPr lang="en-US" altLang="zh-TW"/>
+              <a:t>for </a:t>
+            </a:r>
+            <a:r>
               <a:rPr lang="zh-TW" altLang="en-US"/>
-              <a:t>但串列轉字串</a:t>
-            </a:r>
-            <a:r>
-              <a:rPr lang="en-US" altLang="zh-TW"/>
-              <a:t>...</a:t>
+              <a:t>基本語法</a:t>
             </a:r>
           </a:p>
         </p:txBody>
@@ -14963,7 +15310,7 @@
           <p:cNvPr id="3" name="內容版面配置區 2">
             <a:extLst>
               <a:ext uri="{FF2B5EF4-FFF2-40B4-BE49-F238E27FC236}">
-                <a16:creationId xmlns:a16="http://schemas.microsoft.com/office/drawing/2014/main" id="{9B6DBF58-0D63-4291-BDB7-FA5074B0840E}"/>
+                <a16:creationId xmlns:a16="http://schemas.microsoft.com/office/drawing/2014/main" id="{CC451F0E-68A4-4C76-86EC-CCCCAA563157}"/>
               </a:ext>
             </a:extLst>
           </p:cNvPr>
@@ -14992,7 +15339,31 @@
             </a:pPr>
             <a:r>
               <a:rPr lang="en-US" altLang="zh-TW" sz="2800"/>
-              <a:t>str([“1”, “2”, “3”])</a:t>
+              <a:t>for </a:t>
+            </a:r>
+            <a:r>
+              <a:rPr lang="en-US" altLang="zh-TW" sz="2800">
+                <a:solidFill>
+                  <a:srgbClr val="FF0000"/>
+                </a:solidFill>
+              </a:rPr>
+              <a:t>ch</a:t>
+            </a:r>
+            <a:r>
+              <a:rPr lang="en-US" altLang="zh-TW" sz="2800"/>
+              <a:t> in </a:t>
+            </a:r>
+            <a:r>
+              <a:rPr lang="en-US" altLang="zh-TW" sz="2800">
+                <a:solidFill>
+                  <a:srgbClr val="FF0000"/>
+                </a:solidFill>
+              </a:rPr>
+              <a:t>“apple”</a:t>
+            </a:r>
+            <a:r>
+              <a:rPr lang="en-US" altLang="zh-TW" sz="2800"/>
+              <a:t>:</a:t>
             </a:r>
           </a:p>
           <a:p>
@@ -15004,36 +15375,573 @@
               <a:t>	</a:t>
             </a:r>
             <a:r>
+              <a:rPr lang="en-US" altLang="zh-TW" sz="2800">
+                <a:solidFill>
+                  <a:srgbClr val="FF0000"/>
+                </a:solidFill>
+              </a:rPr>
+              <a:t>print(ch, end=“.”)</a:t>
+            </a:r>
+          </a:p>
+          <a:p>
+            <a:pPr marL="0" indent="0">
+              <a:buNone/>
+            </a:pPr>
+            <a:endParaRPr lang="en-US" altLang="zh-TW" sz="2800">
+              <a:solidFill>
+                <a:srgbClr val="FF0000"/>
+              </a:solidFill>
+            </a:endParaRPr>
+          </a:p>
+          <a:p>
+            <a:pPr marL="0" indent="0">
+              <a:buNone/>
+            </a:pPr>
+            <a:r>
               <a:rPr lang="zh-TW" altLang="en-US" sz="2800"/>
-              <a:t>→ </a:t>
-            </a:r>
-            <a:r>
-              <a:rPr lang="en-US" altLang="zh-TW" sz="2800">
-                <a:solidFill>
-                  <a:srgbClr val="FF0000"/>
-                </a:solidFill>
-              </a:rPr>
-              <a:t>‘</a:t>
-            </a:r>
-            <a:r>
-              <a:rPr lang="en-US" altLang="zh-TW" sz="2800"/>
-              <a:t>[“1”, “2”, “3”]</a:t>
-            </a:r>
-            <a:r>
-              <a:rPr lang="en-US" altLang="zh-TW" sz="2800">
-                <a:solidFill>
-                  <a:srgbClr val="FF0000"/>
-                </a:solidFill>
-              </a:rPr>
-              <a:t>’</a:t>
-            </a:r>
+              <a:t>輸出：</a:t>
+            </a:r>
+            <a:endParaRPr lang="en-US" altLang="zh-TW" sz="2800"/>
           </a:p>
         </p:txBody>
       </p:sp>
     </p:spTree>
     <p:extLst>
       <p:ext uri="{BB962C8B-B14F-4D97-AF65-F5344CB8AC3E}">
-        <p14:creationId xmlns:p14="http://schemas.microsoft.com/office/powerpoint/2010/main" val="3274216098"/>
+        <p14:creationId xmlns:p14="http://schemas.microsoft.com/office/powerpoint/2010/main" val="147608673"/>
+      </p:ext>
+    </p:extLst>
+  </p:cSld>
+  <p:clrMapOvr>
+    <a:masterClrMapping/>
+  </p:clrMapOvr>
+</p:sld>
+</file>
+
+<file path=ppt/slides/slide47.xml><?xml version="1.0" encoding="utf-8"?>
+<p:sld xmlns:a="http://schemas.openxmlformats.org/drawingml/2006/main" xmlns:r="http://schemas.openxmlformats.org/officeDocument/2006/relationships" xmlns:p="http://schemas.openxmlformats.org/presentationml/2006/main">
+  <p:cSld>
+    <p:spTree>
+      <p:nvGrpSpPr>
+        <p:cNvPr id="1" name=""/>
+        <p:cNvGrpSpPr/>
+        <p:nvPr/>
+      </p:nvGrpSpPr>
+      <p:grpSpPr>
+        <a:xfrm>
+          <a:off x="0" y="0"/>
+          <a:ext cx="0" cy="0"/>
+          <a:chOff x="0" y="0"/>
+          <a:chExt cx="0" cy="0"/>
+        </a:xfrm>
+      </p:grpSpPr>
+      <p:sp>
+        <p:nvSpPr>
+          <p:cNvPr id="2" name="標題 1">
+            <a:extLst>
+              <a:ext uri="{FF2B5EF4-FFF2-40B4-BE49-F238E27FC236}">
+                <a16:creationId xmlns:a16="http://schemas.microsoft.com/office/drawing/2014/main" id="{0E19F189-725C-49D8-85BE-205FC24458F3}"/>
+              </a:ext>
+            </a:extLst>
+          </p:cNvPr>
+          <p:cNvSpPr>
+            <a:spLocks noGrp="1"/>
+          </p:cNvSpPr>
+          <p:nvPr>
+            <p:ph type="title"/>
+          </p:nvPr>
+        </p:nvSpPr>
+        <p:spPr/>
+        <p:txBody>
+          <a:bodyPr/>
+          <a:lstStyle/>
+          <a:p>
+            <a:r>
+              <a:rPr lang="en-US" altLang="zh-TW"/>
+              <a:t>for </a:t>
+            </a:r>
+            <a:r>
+              <a:rPr lang="zh-TW" altLang="en-US"/>
+              <a:t>基本語法</a:t>
+            </a:r>
+          </a:p>
+        </p:txBody>
+      </p:sp>
+      <p:sp>
+        <p:nvSpPr>
+          <p:cNvPr id="3" name="內容版面配置區 2">
+            <a:extLst>
+              <a:ext uri="{FF2B5EF4-FFF2-40B4-BE49-F238E27FC236}">
+                <a16:creationId xmlns:a16="http://schemas.microsoft.com/office/drawing/2014/main" id="{CC451F0E-68A4-4C76-86EC-CCCCAA563157}"/>
+              </a:ext>
+            </a:extLst>
+          </p:cNvPr>
+          <p:cNvSpPr>
+            <a:spLocks noGrp="1"/>
+          </p:cNvSpPr>
+          <p:nvPr>
+            <p:ph idx="1"/>
+          </p:nvPr>
+        </p:nvSpPr>
+        <p:spPr/>
+        <p:txBody>
+          <a:bodyPr>
+            <a:normAutofit/>
+          </a:bodyPr>
+          <a:lstStyle/>
+          <a:p>
+            <a:pPr marL="0" indent="0">
+              <a:buNone/>
+            </a:pPr>
+            <a:endParaRPr lang="en-US" altLang="zh-TW" sz="2800"/>
+          </a:p>
+          <a:p>
+            <a:pPr marL="0" indent="0">
+              <a:buNone/>
+            </a:pPr>
+            <a:r>
+              <a:rPr lang="en-US" altLang="zh-TW" sz="2800"/>
+              <a:t>for </a:t>
+            </a:r>
+            <a:r>
+              <a:rPr lang="en-US" altLang="zh-TW" sz="2800">
+                <a:solidFill>
+                  <a:srgbClr val="FF0000"/>
+                </a:solidFill>
+              </a:rPr>
+              <a:t>ch</a:t>
+            </a:r>
+            <a:r>
+              <a:rPr lang="en-US" altLang="zh-TW" sz="2800"/>
+              <a:t> in </a:t>
+            </a:r>
+            <a:r>
+              <a:rPr lang="en-US" altLang="zh-TW" sz="2800">
+                <a:solidFill>
+                  <a:srgbClr val="FF0000"/>
+                </a:solidFill>
+              </a:rPr>
+              <a:t>“apple”</a:t>
+            </a:r>
+            <a:r>
+              <a:rPr lang="en-US" altLang="zh-TW" sz="2800"/>
+              <a:t>:</a:t>
+            </a:r>
+          </a:p>
+          <a:p>
+            <a:pPr marL="0" indent="0">
+              <a:buNone/>
+            </a:pPr>
+            <a:r>
+              <a:rPr lang="en-US" altLang="zh-TW" sz="2800"/>
+              <a:t>	</a:t>
+            </a:r>
+            <a:r>
+              <a:rPr lang="en-US" altLang="zh-TW" sz="2800">
+                <a:solidFill>
+                  <a:srgbClr val="FF0000"/>
+                </a:solidFill>
+              </a:rPr>
+              <a:t>print(ch, end=“.”)</a:t>
+            </a:r>
+          </a:p>
+          <a:p>
+            <a:pPr marL="0" indent="0">
+              <a:buNone/>
+            </a:pPr>
+            <a:endParaRPr lang="en-US" altLang="zh-TW" sz="2800">
+              <a:solidFill>
+                <a:srgbClr val="FF0000"/>
+              </a:solidFill>
+            </a:endParaRPr>
+          </a:p>
+          <a:p>
+            <a:pPr marL="0" indent="0">
+              <a:buNone/>
+            </a:pPr>
+            <a:r>
+              <a:rPr lang="zh-TW" altLang="en-US" sz="2800"/>
+              <a:t>輸出：</a:t>
+            </a:r>
+            <a:endParaRPr lang="en-US" altLang="zh-TW" sz="2800"/>
+          </a:p>
+          <a:p>
+            <a:pPr marL="0" indent="0">
+              <a:buNone/>
+            </a:pPr>
+            <a:r>
+              <a:rPr lang="en-US" altLang="zh-TW" sz="2800">
+                <a:solidFill>
+                  <a:srgbClr val="0070C0"/>
+                </a:solidFill>
+              </a:rPr>
+              <a:t>a.</a:t>
+            </a:r>
+          </a:p>
+        </p:txBody>
+      </p:sp>
+    </p:spTree>
+    <p:extLst>
+      <p:ext uri="{BB962C8B-B14F-4D97-AF65-F5344CB8AC3E}">
+        <p14:creationId xmlns:p14="http://schemas.microsoft.com/office/powerpoint/2010/main" val="3612237419"/>
+      </p:ext>
+    </p:extLst>
+  </p:cSld>
+  <p:clrMapOvr>
+    <a:masterClrMapping/>
+  </p:clrMapOvr>
+</p:sld>
+</file>
+
+<file path=ppt/slides/slide48.xml><?xml version="1.0" encoding="utf-8"?>
+<p:sld xmlns:a="http://schemas.openxmlformats.org/drawingml/2006/main" xmlns:r="http://schemas.openxmlformats.org/officeDocument/2006/relationships" xmlns:p="http://schemas.openxmlformats.org/presentationml/2006/main">
+  <p:cSld>
+    <p:spTree>
+      <p:nvGrpSpPr>
+        <p:cNvPr id="1" name=""/>
+        <p:cNvGrpSpPr/>
+        <p:nvPr/>
+      </p:nvGrpSpPr>
+      <p:grpSpPr>
+        <a:xfrm>
+          <a:off x="0" y="0"/>
+          <a:ext cx="0" cy="0"/>
+          <a:chOff x="0" y="0"/>
+          <a:chExt cx="0" cy="0"/>
+        </a:xfrm>
+      </p:grpSpPr>
+      <p:sp>
+        <p:nvSpPr>
+          <p:cNvPr id="2" name="標題 1">
+            <a:extLst>
+              <a:ext uri="{FF2B5EF4-FFF2-40B4-BE49-F238E27FC236}">
+                <a16:creationId xmlns:a16="http://schemas.microsoft.com/office/drawing/2014/main" id="{0E19F189-725C-49D8-85BE-205FC24458F3}"/>
+              </a:ext>
+            </a:extLst>
+          </p:cNvPr>
+          <p:cNvSpPr>
+            <a:spLocks noGrp="1"/>
+          </p:cNvSpPr>
+          <p:nvPr>
+            <p:ph type="title"/>
+          </p:nvPr>
+        </p:nvSpPr>
+        <p:spPr/>
+        <p:txBody>
+          <a:bodyPr/>
+          <a:lstStyle/>
+          <a:p>
+            <a:r>
+              <a:rPr lang="en-US" altLang="zh-TW"/>
+              <a:t>for </a:t>
+            </a:r>
+            <a:r>
+              <a:rPr lang="zh-TW" altLang="en-US"/>
+              <a:t>基本語法</a:t>
+            </a:r>
+          </a:p>
+        </p:txBody>
+      </p:sp>
+      <p:sp>
+        <p:nvSpPr>
+          <p:cNvPr id="3" name="內容版面配置區 2">
+            <a:extLst>
+              <a:ext uri="{FF2B5EF4-FFF2-40B4-BE49-F238E27FC236}">
+                <a16:creationId xmlns:a16="http://schemas.microsoft.com/office/drawing/2014/main" id="{CC451F0E-68A4-4C76-86EC-CCCCAA563157}"/>
+              </a:ext>
+            </a:extLst>
+          </p:cNvPr>
+          <p:cNvSpPr>
+            <a:spLocks noGrp="1"/>
+          </p:cNvSpPr>
+          <p:nvPr>
+            <p:ph idx="1"/>
+          </p:nvPr>
+        </p:nvSpPr>
+        <p:spPr/>
+        <p:txBody>
+          <a:bodyPr>
+            <a:normAutofit/>
+          </a:bodyPr>
+          <a:lstStyle/>
+          <a:p>
+            <a:pPr marL="0" indent="0">
+              <a:buNone/>
+            </a:pPr>
+            <a:endParaRPr lang="en-US" altLang="zh-TW" sz="2800"/>
+          </a:p>
+          <a:p>
+            <a:pPr marL="0" indent="0">
+              <a:buNone/>
+            </a:pPr>
+            <a:r>
+              <a:rPr lang="en-US" altLang="zh-TW" sz="2800"/>
+              <a:t>for </a:t>
+            </a:r>
+            <a:r>
+              <a:rPr lang="en-US" altLang="zh-TW" sz="2800">
+                <a:solidFill>
+                  <a:srgbClr val="FF0000"/>
+                </a:solidFill>
+              </a:rPr>
+              <a:t>ch</a:t>
+            </a:r>
+            <a:r>
+              <a:rPr lang="en-US" altLang="zh-TW" sz="2800"/>
+              <a:t> in </a:t>
+            </a:r>
+            <a:r>
+              <a:rPr lang="en-US" altLang="zh-TW" sz="2800">
+                <a:solidFill>
+                  <a:srgbClr val="FF0000"/>
+                </a:solidFill>
+              </a:rPr>
+              <a:t>“apple”</a:t>
+            </a:r>
+            <a:r>
+              <a:rPr lang="en-US" altLang="zh-TW" sz="2800"/>
+              <a:t>:</a:t>
+            </a:r>
+          </a:p>
+          <a:p>
+            <a:pPr marL="0" indent="0">
+              <a:buNone/>
+            </a:pPr>
+            <a:r>
+              <a:rPr lang="en-US" altLang="zh-TW" sz="2800"/>
+              <a:t>	</a:t>
+            </a:r>
+            <a:r>
+              <a:rPr lang="en-US" altLang="zh-TW" sz="2800">
+                <a:solidFill>
+                  <a:srgbClr val="FF0000"/>
+                </a:solidFill>
+              </a:rPr>
+              <a:t>print(ch, end=“.”)</a:t>
+            </a:r>
+          </a:p>
+          <a:p>
+            <a:pPr marL="0" indent="0">
+              <a:buNone/>
+            </a:pPr>
+            <a:endParaRPr lang="en-US" altLang="zh-TW" sz="2800">
+              <a:solidFill>
+                <a:srgbClr val="FF0000"/>
+              </a:solidFill>
+            </a:endParaRPr>
+          </a:p>
+          <a:p>
+            <a:pPr marL="0" indent="0">
+              <a:buNone/>
+            </a:pPr>
+            <a:r>
+              <a:rPr lang="zh-TW" altLang="en-US" sz="2800"/>
+              <a:t>輸出：</a:t>
+            </a:r>
+            <a:endParaRPr lang="en-US" altLang="zh-TW" sz="2800"/>
+          </a:p>
+          <a:p>
+            <a:pPr marL="0" indent="0">
+              <a:buNone/>
+            </a:pPr>
+            <a:r>
+              <a:rPr lang="en-US" altLang="zh-TW" sz="2800"/>
+              <a:t>a.</a:t>
+            </a:r>
+            <a:r>
+              <a:rPr lang="en-US" altLang="zh-TW" sz="2800">
+                <a:solidFill>
+                  <a:srgbClr val="0070C0"/>
+                </a:solidFill>
+              </a:rPr>
+              <a:t>p.</a:t>
+            </a:r>
+          </a:p>
+        </p:txBody>
+      </p:sp>
+    </p:spTree>
+    <p:extLst>
+      <p:ext uri="{BB962C8B-B14F-4D97-AF65-F5344CB8AC3E}">
+        <p14:creationId xmlns:p14="http://schemas.microsoft.com/office/powerpoint/2010/main" val="1714204985"/>
+      </p:ext>
+    </p:extLst>
+  </p:cSld>
+  <p:clrMapOvr>
+    <a:masterClrMapping/>
+  </p:clrMapOvr>
+</p:sld>
+</file>
+
+<file path=ppt/slides/slide49.xml><?xml version="1.0" encoding="utf-8"?>
+<p:sld xmlns:a="http://schemas.openxmlformats.org/drawingml/2006/main" xmlns:r="http://schemas.openxmlformats.org/officeDocument/2006/relationships" xmlns:p="http://schemas.openxmlformats.org/presentationml/2006/main">
+  <p:cSld>
+    <p:spTree>
+      <p:nvGrpSpPr>
+        <p:cNvPr id="1" name=""/>
+        <p:cNvGrpSpPr/>
+        <p:nvPr/>
+      </p:nvGrpSpPr>
+      <p:grpSpPr>
+        <a:xfrm>
+          <a:off x="0" y="0"/>
+          <a:ext cx="0" cy="0"/>
+          <a:chOff x="0" y="0"/>
+          <a:chExt cx="0" cy="0"/>
+        </a:xfrm>
+      </p:grpSpPr>
+      <p:sp>
+        <p:nvSpPr>
+          <p:cNvPr id="2" name="標題 1">
+            <a:extLst>
+              <a:ext uri="{FF2B5EF4-FFF2-40B4-BE49-F238E27FC236}">
+                <a16:creationId xmlns:a16="http://schemas.microsoft.com/office/drawing/2014/main" id="{0E19F189-725C-49D8-85BE-205FC24458F3}"/>
+              </a:ext>
+            </a:extLst>
+          </p:cNvPr>
+          <p:cNvSpPr>
+            <a:spLocks noGrp="1"/>
+          </p:cNvSpPr>
+          <p:nvPr>
+            <p:ph type="title"/>
+          </p:nvPr>
+        </p:nvSpPr>
+        <p:spPr/>
+        <p:txBody>
+          <a:bodyPr/>
+          <a:lstStyle/>
+          <a:p>
+            <a:r>
+              <a:rPr lang="en-US" altLang="zh-TW"/>
+              <a:t>for </a:t>
+            </a:r>
+            <a:r>
+              <a:rPr lang="zh-TW" altLang="en-US"/>
+              <a:t>基本語法</a:t>
+            </a:r>
+          </a:p>
+        </p:txBody>
+      </p:sp>
+      <p:sp>
+        <p:nvSpPr>
+          <p:cNvPr id="3" name="內容版面配置區 2">
+            <a:extLst>
+              <a:ext uri="{FF2B5EF4-FFF2-40B4-BE49-F238E27FC236}">
+                <a16:creationId xmlns:a16="http://schemas.microsoft.com/office/drawing/2014/main" id="{CC451F0E-68A4-4C76-86EC-CCCCAA563157}"/>
+              </a:ext>
+            </a:extLst>
+          </p:cNvPr>
+          <p:cNvSpPr>
+            <a:spLocks noGrp="1"/>
+          </p:cNvSpPr>
+          <p:nvPr>
+            <p:ph idx="1"/>
+          </p:nvPr>
+        </p:nvSpPr>
+        <p:spPr/>
+        <p:txBody>
+          <a:bodyPr>
+            <a:normAutofit/>
+          </a:bodyPr>
+          <a:lstStyle/>
+          <a:p>
+            <a:pPr marL="0" indent="0">
+              <a:buNone/>
+            </a:pPr>
+            <a:endParaRPr lang="en-US" altLang="zh-TW" sz="2800"/>
+          </a:p>
+          <a:p>
+            <a:pPr marL="0" indent="0">
+              <a:buNone/>
+            </a:pPr>
+            <a:r>
+              <a:rPr lang="en-US" altLang="zh-TW" sz="2800"/>
+              <a:t>for </a:t>
+            </a:r>
+            <a:r>
+              <a:rPr lang="en-US" altLang="zh-TW" sz="2800">
+                <a:solidFill>
+                  <a:srgbClr val="FF0000"/>
+                </a:solidFill>
+              </a:rPr>
+              <a:t>ch</a:t>
+            </a:r>
+            <a:r>
+              <a:rPr lang="en-US" altLang="zh-TW" sz="2800"/>
+              <a:t> in </a:t>
+            </a:r>
+            <a:r>
+              <a:rPr lang="en-US" altLang="zh-TW" sz="2800">
+                <a:solidFill>
+                  <a:srgbClr val="FF0000"/>
+                </a:solidFill>
+              </a:rPr>
+              <a:t>“apple”</a:t>
+            </a:r>
+            <a:r>
+              <a:rPr lang="en-US" altLang="zh-TW" sz="2800"/>
+              <a:t>:</a:t>
+            </a:r>
+          </a:p>
+          <a:p>
+            <a:pPr marL="0" indent="0">
+              <a:buNone/>
+            </a:pPr>
+            <a:r>
+              <a:rPr lang="en-US" altLang="zh-TW" sz="2800"/>
+              <a:t>	</a:t>
+            </a:r>
+            <a:r>
+              <a:rPr lang="en-US" altLang="zh-TW" sz="2800">
+                <a:solidFill>
+                  <a:srgbClr val="FF0000"/>
+                </a:solidFill>
+              </a:rPr>
+              <a:t>print(ch, end=“.”)</a:t>
+            </a:r>
+          </a:p>
+          <a:p>
+            <a:pPr marL="0" indent="0">
+              <a:buNone/>
+            </a:pPr>
+            <a:endParaRPr lang="en-US" altLang="zh-TW" sz="2800">
+              <a:solidFill>
+                <a:srgbClr val="FF0000"/>
+              </a:solidFill>
+            </a:endParaRPr>
+          </a:p>
+          <a:p>
+            <a:pPr marL="0" indent="0">
+              <a:buNone/>
+            </a:pPr>
+            <a:r>
+              <a:rPr lang="zh-TW" altLang="en-US" sz="2800"/>
+              <a:t>輸出：</a:t>
+            </a:r>
+            <a:endParaRPr lang="en-US" altLang="zh-TW" sz="2800"/>
+          </a:p>
+          <a:p>
+            <a:pPr marL="0" indent="0">
+              <a:buNone/>
+            </a:pPr>
+            <a:r>
+              <a:rPr lang="en-US" altLang="zh-TW" sz="2800"/>
+              <a:t>a.p.</a:t>
+            </a:r>
+            <a:r>
+              <a:rPr lang="en-US" altLang="zh-TW" sz="2800">
+                <a:solidFill>
+                  <a:srgbClr val="0070C0"/>
+                </a:solidFill>
+              </a:rPr>
+              <a:t>p.</a:t>
+            </a:r>
+          </a:p>
+        </p:txBody>
+      </p:sp>
+    </p:spTree>
+    <p:extLst>
+      <p:ext uri="{BB962C8B-B14F-4D97-AF65-F5344CB8AC3E}">
+        <p14:creationId xmlns:p14="http://schemas.microsoft.com/office/powerpoint/2010/main" val="174401486"/>
       </p:ext>
     </p:extLst>
   </p:cSld>
@@ -15210,6 +16118,1456 @@
     <p:extLst>
       <p:ext uri="{BB962C8B-B14F-4D97-AF65-F5344CB8AC3E}">
         <p14:creationId xmlns:p14="http://schemas.microsoft.com/office/powerpoint/2010/main" val="3308101077"/>
+      </p:ext>
+    </p:extLst>
+  </p:cSld>
+  <p:clrMapOvr>
+    <a:masterClrMapping/>
+  </p:clrMapOvr>
+</p:sld>
+</file>
+
+<file path=ppt/slides/slide50.xml><?xml version="1.0" encoding="utf-8"?>
+<p:sld xmlns:a="http://schemas.openxmlformats.org/drawingml/2006/main" xmlns:r="http://schemas.openxmlformats.org/officeDocument/2006/relationships" xmlns:p="http://schemas.openxmlformats.org/presentationml/2006/main">
+  <p:cSld>
+    <p:spTree>
+      <p:nvGrpSpPr>
+        <p:cNvPr id="1" name=""/>
+        <p:cNvGrpSpPr/>
+        <p:nvPr/>
+      </p:nvGrpSpPr>
+      <p:grpSpPr>
+        <a:xfrm>
+          <a:off x="0" y="0"/>
+          <a:ext cx="0" cy="0"/>
+          <a:chOff x="0" y="0"/>
+          <a:chExt cx="0" cy="0"/>
+        </a:xfrm>
+      </p:grpSpPr>
+      <p:sp>
+        <p:nvSpPr>
+          <p:cNvPr id="2" name="標題 1">
+            <a:extLst>
+              <a:ext uri="{FF2B5EF4-FFF2-40B4-BE49-F238E27FC236}">
+                <a16:creationId xmlns:a16="http://schemas.microsoft.com/office/drawing/2014/main" id="{0E19F189-725C-49D8-85BE-205FC24458F3}"/>
+              </a:ext>
+            </a:extLst>
+          </p:cNvPr>
+          <p:cNvSpPr>
+            <a:spLocks noGrp="1"/>
+          </p:cNvSpPr>
+          <p:nvPr>
+            <p:ph type="title"/>
+          </p:nvPr>
+        </p:nvSpPr>
+        <p:spPr/>
+        <p:txBody>
+          <a:bodyPr/>
+          <a:lstStyle/>
+          <a:p>
+            <a:r>
+              <a:rPr lang="en-US" altLang="zh-TW"/>
+              <a:t>for </a:t>
+            </a:r>
+            <a:r>
+              <a:rPr lang="zh-TW" altLang="en-US"/>
+              <a:t>基本語法</a:t>
+            </a:r>
+          </a:p>
+        </p:txBody>
+      </p:sp>
+      <p:sp>
+        <p:nvSpPr>
+          <p:cNvPr id="3" name="內容版面配置區 2">
+            <a:extLst>
+              <a:ext uri="{FF2B5EF4-FFF2-40B4-BE49-F238E27FC236}">
+                <a16:creationId xmlns:a16="http://schemas.microsoft.com/office/drawing/2014/main" id="{CC451F0E-68A4-4C76-86EC-CCCCAA563157}"/>
+              </a:ext>
+            </a:extLst>
+          </p:cNvPr>
+          <p:cNvSpPr>
+            <a:spLocks noGrp="1"/>
+          </p:cNvSpPr>
+          <p:nvPr>
+            <p:ph idx="1"/>
+          </p:nvPr>
+        </p:nvSpPr>
+        <p:spPr/>
+        <p:txBody>
+          <a:bodyPr>
+            <a:normAutofit/>
+          </a:bodyPr>
+          <a:lstStyle/>
+          <a:p>
+            <a:pPr marL="0" indent="0">
+              <a:buNone/>
+            </a:pPr>
+            <a:endParaRPr lang="en-US" altLang="zh-TW" sz="2800"/>
+          </a:p>
+          <a:p>
+            <a:pPr marL="0" indent="0">
+              <a:buNone/>
+            </a:pPr>
+            <a:r>
+              <a:rPr lang="en-US" altLang="zh-TW" sz="2800"/>
+              <a:t>for </a:t>
+            </a:r>
+            <a:r>
+              <a:rPr lang="en-US" altLang="zh-TW" sz="2800">
+                <a:solidFill>
+                  <a:srgbClr val="FF0000"/>
+                </a:solidFill>
+              </a:rPr>
+              <a:t>ch</a:t>
+            </a:r>
+            <a:r>
+              <a:rPr lang="en-US" altLang="zh-TW" sz="2800"/>
+              <a:t> in </a:t>
+            </a:r>
+            <a:r>
+              <a:rPr lang="en-US" altLang="zh-TW" sz="2800">
+                <a:solidFill>
+                  <a:srgbClr val="FF0000"/>
+                </a:solidFill>
+              </a:rPr>
+              <a:t>“apple”</a:t>
+            </a:r>
+            <a:r>
+              <a:rPr lang="en-US" altLang="zh-TW" sz="2800"/>
+              <a:t>:</a:t>
+            </a:r>
+          </a:p>
+          <a:p>
+            <a:pPr marL="0" indent="0">
+              <a:buNone/>
+            </a:pPr>
+            <a:r>
+              <a:rPr lang="en-US" altLang="zh-TW" sz="2800"/>
+              <a:t>	</a:t>
+            </a:r>
+            <a:r>
+              <a:rPr lang="en-US" altLang="zh-TW" sz="2800">
+                <a:solidFill>
+                  <a:srgbClr val="FF0000"/>
+                </a:solidFill>
+              </a:rPr>
+              <a:t>print(ch, end=“.”)</a:t>
+            </a:r>
+          </a:p>
+          <a:p>
+            <a:pPr marL="0" indent="0">
+              <a:buNone/>
+            </a:pPr>
+            <a:endParaRPr lang="en-US" altLang="zh-TW" sz="2800">
+              <a:solidFill>
+                <a:srgbClr val="FF0000"/>
+              </a:solidFill>
+            </a:endParaRPr>
+          </a:p>
+          <a:p>
+            <a:pPr marL="0" indent="0">
+              <a:buNone/>
+            </a:pPr>
+            <a:r>
+              <a:rPr lang="zh-TW" altLang="en-US" sz="2800"/>
+              <a:t>輸出：</a:t>
+            </a:r>
+            <a:endParaRPr lang="en-US" altLang="zh-TW" sz="2800"/>
+          </a:p>
+          <a:p>
+            <a:pPr marL="0" indent="0">
+              <a:buNone/>
+            </a:pPr>
+            <a:r>
+              <a:rPr lang="en-US" altLang="zh-TW" sz="2800"/>
+              <a:t>a.p.p.</a:t>
+            </a:r>
+            <a:r>
+              <a:rPr lang="en-US" altLang="zh-TW" sz="2800">
+                <a:solidFill>
+                  <a:srgbClr val="0070C0"/>
+                </a:solidFill>
+              </a:rPr>
+              <a:t>l.</a:t>
+            </a:r>
+          </a:p>
+        </p:txBody>
+      </p:sp>
+    </p:spTree>
+    <p:extLst>
+      <p:ext uri="{BB962C8B-B14F-4D97-AF65-F5344CB8AC3E}">
+        <p14:creationId xmlns:p14="http://schemas.microsoft.com/office/powerpoint/2010/main" val="4125248947"/>
+      </p:ext>
+    </p:extLst>
+  </p:cSld>
+  <p:clrMapOvr>
+    <a:masterClrMapping/>
+  </p:clrMapOvr>
+</p:sld>
+</file>
+
+<file path=ppt/slides/slide51.xml><?xml version="1.0" encoding="utf-8"?>
+<p:sld xmlns:a="http://schemas.openxmlformats.org/drawingml/2006/main" xmlns:r="http://schemas.openxmlformats.org/officeDocument/2006/relationships" xmlns:p="http://schemas.openxmlformats.org/presentationml/2006/main">
+  <p:cSld>
+    <p:spTree>
+      <p:nvGrpSpPr>
+        <p:cNvPr id="1" name=""/>
+        <p:cNvGrpSpPr/>
+        <p:nvPr/>
+      </p:nvGrpSpPr>
+      <p:grpSpPr>
+        <a:xfrm>
+          <a:off x="0" y="0"/>
+          <a:ext cx="0" cy="0"/>
+          <a:chOff x="0" y="0"/>
+          <a:chExt cx="0" cy="0"/>
+        </a:xfrm>
+      </p:grpSpPr>
+      <p:sp>
+        <p:nvSpPr>
+          <p:cNvPr id="2" name="標題 1">
+            <a:extLst>
+              <a:ext uri="{FF2B5EF4-FFF2-40B4-BE49-F238E27FC236}">
+                <a16:creationId xmlns:a16="http://schemas.microsoft.com/office/drawing/2014/main" id="{0E19F189-725C-49D8-85BE-205FC24458F3}"/>
+              </a:ext>
+            </a:extLst>
+          </p:cNvPr>
+          <p:cNvSpPr>
+            <a:spLocks noGrp="1"/>
+          </p:cNvSpPr>
+          <p:nvPr>
+            <p:ph type="title"/>
+          </p:nvPr>
+        </p:nvSpPr>
+        <p:spPr/>
+        <p:txBody>
+          <a:bodyPr/>
+          <a:lstStyle/>
+          <a:p>
+            <a:r>
+              <a:rPr lang="en-US" altLang="zh-TW"/>
+              <a:t>for </a:t>
+            </a:r>
+            <a:r>
+              <a:rPr lang="zh-TW" altLang="en-US"/>
+              <a:t>基本語法</a:t>
+            </a:r>
+          </a:p>
+        </p:txBody>
+      </p:sp>
+      <p:sp>
+        <p:nvSpPr>
+          <p:cNvPr id="3" name="內容版面配置區 2">
+            <a:extLst>
+              <a:ext uri="{FF2B5EF4-FFF2-40B4-BE49-F238E27FC236}">
+                <a16:creationId xmlns:a16="http://schemas.microsoft.com/office/drawing/2014/main" id="{CC451F0E-68A4-4C76-86EC-CCCCAA563157}"/>
+              </a:ext>
+            </a:extLst>
+          </p:cNvPr>
+          <p:cNvSpPr>
+            <a:spLocks noGrp="1"/>
+          </p:cNvSpPr>
+          <p:nvPr>
+            <p:ph idx="1"/>
+          </p:nvPr>
+        </p:nvSpPr>
+        <p:spPr/>
+        <p:txBody>
+          <a:bodyPr>
+            <a:normAutofit/>
+          </a:bodyPr>
+          <a:lstStyle/>
+          <a:p>
+            <a:pPr marL="0" indent="0">
+              <a:buNone/>
+            </a:pPr>
+            <a:endParaRPr lang="en-US" altLang="zh-TW" sz="2800"/>
+          </a:p>
+          <a:p>
+            <a:pPr marL="0" indent="0">
+              <a:buNone/>
+            </a:pPr>
+            <a:r>
+              <a:rPr lang="en-US" altLang="zh-TW" sz="2800"/>
+              <a:t>for </a:t>
+            </a:r>
+            <a:r>
+              <a:rPr lang="en-US" altLang="zh-TW" sz="2800">
+                <a:solidFill>
+                  <a:srgbClr val="FF0000"/>
+                </a:solidFill>
+              </a:rPr>
+              <a:t>ch</a:t>
+            </a:r>
+            <a:r>
+              <a:rPr lang="en-US" altLang="zh-TW" sz="2800"/>
+              <a:t> in </a:t>
+            </a:r>
+            <a:r>
+              <a:rPr lang="en-US" altLang="zh-TW" sz="2800">
+                <a:solidFill>
+                  <a:srgbClr val="FF0000"/>
+                </a:solidFill>
+              </a:rPr>
+              <a:t>“apple”</a:t>
+            </a:r>
+            <a:r>
+              <a:rPr lang="en-US" altLang="zh-TW" sz="2800"/>
+              <a:t>:</a:t>
+            </a:r>
+          </a:p>
+          <a:p>
+            <a:pPr marL="0" indent="0">
+              <a:buNone/>
+            </a:pPr>
+            <a:r>
+              <a:rPr lang="en-US" altLang="zh-TW" sz="2800"/>
+              <a:t>	</a:t>
+            </a:r>
+            <a:r>
+              <a:rPr lang="en-US" altLang="zh-TW" sz="2800">
+                <a:solidFill>
+                  <a:srgbClr val="FF0000"/>
+                </a:solidFill>
+              </a:rPr>
+              <a:t>print(ch, end=“.”)</a:t>
+            </a:r>
+          </a:p>
+          <a:p>
+            <a:pPr marL="0" indent="0">
+              <a:buNone/>
+            </a:pPr>
+            <a:endParaRPr lang="en-US" altLang="zh-TW" sz="2800">
+              <a:solidFill>
+                <a:srgbClr val="FF0000"/>
+              </a:solidFill>
+            </a:endParaRPr>
+          </a:p>
+          <a:p>
+            <a:pPr marL="0" indent="0">
+              <a:buNone/>
+            </a:pPr>
+            <a:r>
+              <a:rPr lang="zh-TW" altLang="en-US" sz="2800"/>
+              <a:t>輸出：</a:t>
+            </a:r>
+            <a:endParaRPr lang="en-US" altLang="zh-TW" sz="2800"/>
+          </a:p>
+          <a:p>
+            <a:pPr marL="0" indent="0">
+              <a:buNone/>
+            </a:pPr>
+            <a:r>
+              <a:rPr lang="en-US" altLang="zh-TW" sz="2800"/>
+              <a:t>a.p.p.l.</a:t>
+            </a:r>
+            <a:r>
+              <a:rPr lang="en-US" altLang="zh-TW" sz="2800">
+                <a:solidFill>
+                  <a:srgbClr val="0070C0"/>
+                </a:solidFill>
+              </a:rPr>
+              <a:t>e.</a:t>
+            </a:r>
+          </a:p>
+        </p:txBody>
+      </p:sp>
+    </p:spTree>
+    <p:extLst>
+      <p:ext uri="{BB962C8B-B14F-4D97-AF65-F5344CB8AC3E}">
+        <p14:creationId xmlns:p14="http://schemas.microsoft.com/office/powerpoint/2010/main" val="1437328513"/>
+      </p:ext>
+    </p:extLst>
+  </p:cSld>
+  <p:clrMapOvr>
+    <a:masterClrMapping/>
+  </p:clrMapOvr>
+</p:sld>
+</file>
+
+<file path=ppt/slides/slide52.xml><?xml version="1.0" encoding="utf-8"?>
+<p:sld xmlns:a="http://schemas.openxmlformats.org/drawingml/2006/main" xmlns:r="http://schemas.openxmlformats.org/officeDocument/2006/relationships" xmlns:p="http://schemas.openxmlformats.org/presentationml/2006/main">
+  <p:cSld>
+    <p:spTree>
+      <p:nvGrpSpPr>
+        <p:cNvPr id="1" name=""/>
+        <p:cNvGrpSpPr/>
+        <p:nvPr/>
+      </p:nvGrpSpPr>
+      <p:grpSpPr>
+        <a:xfrm>
+          <a:off x="0" y="0"/>
+          <a:ext cx="0" cy="0"/>
+          <a:chOff x="0" y="0"/>
+          <a:chExt cx="0" cy="0"/>
+        </a:xfrm>
+      </p:grpSpPr>
+      <p:sp>
+        <p:nvSpPr>
+          <p:cNvPr id="2" name="標題 1">
+            <a:extLst>
+              <a:ext uri="{FF2B5EF4-FFF2-40B4-BE49-F238E27FC236}">
+                <a16:creationId xmlns:a16="http://schemas.microsoft.com/office/drawing/2014/main" id="{0E19F189-725C-49D8-85BE-205FC24458F3}"/>
+              </a:ext>
+            </a:extLst>
+          </p:cNvPr>
+          <p:cNvSpPr>
+            <a:spLocks noGrp="1"/>
+          </p:cNvSpPr>
+          <p:nvPr>
+            <p:ph type="title"/>
+          </p:nvPr>
+        </p:nvSpPr>
+        <p:spPr/>
+        <p:txBody>
+          <a:bodyPr/>
+          <a:lstStyle/>
+          <a:p>
+            <a:r>
+              <a:rPr lang="en-US" altLang="zh-TW"/>
+              <a:t>for </a:t>
+            </a:r>
+            <a:r>
+              <a:rPr lang="zh-TW" altLang="en-US"/>
+              <a:t>基本語法</a:t>
+            </a:r>
+          </a:p>
+        </p:txBody>
+      </p:sp>
+      <p:sp>
+        <p:nvSpPr>
+          <p:cNvPr id="3" name="內容版面配置區 2">
+            <a:extLst>
+              <a:ext uri="{FF2B5EF4-FFF2-40B4-BE49-F238E27FC236}">
+                <a16:creationId xmlns:a16="http://schemas.microsoft.com/office/drawing/2014/main" id="{CC451F0E-68A4-4C76-86EC-CCCCAA563157}"/>
+              </a:ext>
+            </a:extLst>
+          </p:cNvPr>
+          <p:cNvSpPr>
+            <a:spLocks noGrp="1"/>
+          </p:cNvSpPr>
+          <p:nvPr>
+            <p:ph idx="1"/>
+          </p:nvPr>
+        </p:nvSpPr>
+        <p:spPr/>
+        <p:txBody>
+          <a:bodyPr>
+            <a:normAutofit/>
+          </a:bodyPr>
+          <a:lstStyle/>
+          <a:p>
+            <a:pPr marL="0" indent="0">
+              <a:buNone/>
+            </a:pPr>
+            <a:endParaRPr lang="en-US" altLang="zh-TW" sz="2800"/>
+          </a:p>
+          <a:p>
+            <a:pPr marL="0" indent="0">
+              <a:buNone/>
+            </a:pPr>
+            <a:r>
+              <a:rPr lang="en-US" altLang="zh-TW" sz="2800"/>
+              <a:t>for </a:t>
+            </a:r>
+            <a:r>
+              <a:rPr lang="en-US" altLang="zh-TW" sz="2800">
+                <a:solidFill>
+                  <a:srgbClr val="FF0000"/>
+                </a:solidFill>
+              </a:rPr>
+              <a:t>elm</a:t>
+            </a:r>
+            <a:r>
+              <a:rPr lang="en-US" altLang="zh-TW" sz="2800"/>
+              <a:t> in </a:t>
+            </a:r>
+            <a:r>
+              <a:rPr lang="en-US" altLang="zh-TW" sz="2800">
+                <a:solidFill>
+                  <a:srgbClr val="FF0000"/>
+                </a:solidFill>
+              </a:rPr>
+              <a:t>[“12”, “23”, “34”]</a:t>
+            </a:r>
+            <a:r>
+              <a:rPr lang="en-US" altLang="zh-TW" sz="2800"/>
+              <a:t>:</a:t>
+            </a:r>
+          </a:p>
+          <a:p>
+            <a:pPr marL="0" indent="0">
+              <a:buNone/>
+            </a:pPr>
+            <a:r>
+              <a:rPr lang="en-US" altLang="zh-TW" sz="2800"/>
+              <a:t>	</a:t>
+            </a:r>
+            <a:r>
+              <a:rPr lang="en-US" altLang="zh-TW" sz="2800">
+                <a:solidFill>
+                  <a:srgbClr val="FF0000"/>
+                </a:solidFill>
+              </a:rPr>
+              <a:t>print(elm, end=“.”)</a:t>
+            </a:r>
+          </a:p>
+          <a:p>
+            <a:pPr marL="0" indent="0">
+              <a:buNone/>
+            </a:pPr>
+            <a:endParaRPr lang="en-US" altLang="zh-TW" sz="2800">
+              <a:solidFill>
+                <a:srgbClr val="FF0000"/>
+              </a:solidFill>
+            </a:endParaRPr>
+          </a:p>
+          <a:p>
+            <a:pPr marL="0" indent="0">
+              <a:buNone/>
+            </a:pPr>
+            <a:r>
+              <a:rPr lang="zh-TW" altLang="en-US" sz="2800"/>
+              <a:t>輸出：</a:t>
+            </a:r>
+            <a:endParaRPr lang="en-US" altLang="zh-TW" sz="2800"/>
+          </a:p>
+        </p:txBody>
+      </p:sp>
+    </p:spTree>
+    <p:extLst>
+      <p:ext uri="{BB962C8B-B14F-4D97-AF65-F5344CB8AC3E}">
+        <p14:creationId xmlns:p14="http://schemas.microsoft.com/office/powerpoint/2010/main" val="902170571"/>
+      </p:ext>
+    </p:extLst>
+  </p:cSld>
+  <p:clrMapOvr>
+    <a:masterClrMapping/>
+  </p:clrMapOvr>
+</p:sld>
+</file>
+
+<file path=ppt/slides/slide53.xml><?xml version="1.0" encoding="utf-8"?>
+<p:sld xmlns:a="http://schemas.openxmlformats.org/drawingml/2006/main" xmlns:r="http://schemas.openxmlformats.org/officeDocument/2006/relationships" xmlns:p="http://schemas.openxmlformats.org/presentationml/2006/main">
+  <p:cSld>
+    <p:spTree>
+      <p:nvGrpSpPr>
+        <p:cNvPr id="1" name=""/>
+        <p:cNvGrpSpPr/>
+        <p:nvPr/>
+      </p:nvGrpSpPr>
+      <p:grpSpPr>
+        <a:xfrm>
+          <a:off x="0" y="0"/>
+          <a:ext cx="0" cy="0"/>
+          <a:chOff x="0" y="0"/>
+          <a:chExt cx="0" cy="0"/>
+        </a:xfrm>
+      </p:grpSpPr>
+      <p:sp>
+        <p:nvSpPr>
+          <p:cNvPr id="2" name="標題 1">
+            <a:extLst>
+              <a:ext uri="{FF2B5EF4-FFF2-40B4-BE49-F238E27FC236}">
+                <a16:creationId xmlns:a16="http://schemas.microsoft.com/office/drawing/2014/main" id="{0E19F189-725C-49D8-85BE-205FC24458F3}"/>
+              </a:ext>
+            </a:extLst>
+          </p:cNvPr>
+          <p:cNvSpPr>
+            <a:spLocks noGrp="1"/>
+          </p:cNvSpPr>
+          <p:nvPr>
+            <p:ph type="title"/>
+          </p:nvPr>
+        </p:nvSpPr>
+        <p:spPr/>
+        <p:txBody>
+          <a:bodyPr/>
+          <a:lstStyle/>
+          <a:p>
+            <a:r>
+              <a:rPr lang="en-US" altLang="zh-TW"/>
+              <a:t>for </a:t>
+            </a:r>
+            <a:r>
+              <a:rPr lang="zh-TW" altLang="en-US"/>
+              <a:t>基本語法</a:t>
+            </a:r>
+          </a:p>
+        </p:txBody>
+      </p:sp>
+      <p:sp>
+        <p:nvSpPr>
+          <p:cNvPr id="3" name="內容版面配置區 2">
+            <a:extLst>
+              <a:ext uri="{FF2B5EF4-FFF2-40B4-BE49-F238E27FC236}">
+                <a16:creationId xmlns:a16="http://schemas.microsoft.com/office/drawing/2014/main" id="{CC451F0E-68A4-4C76-86EC-CCCCAA563157}"/>
+              </a:ext>
+            </a:extLst>
+          </p:cNvPr>
+          <p:cNvSpPr>
+            <a:spLocks noGrp="1"/>
+          </p:cNvSpPr>
+          <p:nvPr>
+            <p:ph idx="1"/>
+          </p:nvPr>
+        </p:nvSpPr>
+        <p:spPr/>
+        <p:txBody>
+          <a:bodyPr>
+            <a:normAutofit/>
+          </a:bodyPr>
+          <a:lstStyle/>
+          <a:p>
+            <a:pPr marL="0" indent="0">
+              <a:buNone/>
+            </a:pPr>
+            <a:endParaRPr lang="en-US" altLang="zh-TW" sz="2800"/>
+          </a:p>
+          <a:p>
+            <a:pPr marL="0" indent="0">
+              <a:buNone/>
+            </a:pPr>
+            <a:r>
+              <a:rPr lang="en-US" altLang="zh-TW" sz="2800"/>
+              <a:t>for </a:t>
+            </a:r>
+            <a:r>
+              <a:rPr lang="en-US" altLang="zh-TW" sz="2800">
+                <a:solidFill>
+                  <a:srgbClr val="FF0000"/>
+                </a:solidFill>
+              </a:rPr>
+              <a:t>elm</a:t>
+            </a:r>
+            <a:r>
+              <a:rPr lang="en-US" altLang="zh-TW" sz="2800"/>
+              <a:t> in </a:t>
+            </a:r>
+            <a:r>
+              <a:rPr lang="en-US" altLang="zh-TW" sz="2800">
+                <a:solidFill>
+                  <a:srgbClr val="FF0000"/>
+                </a:solidFill>
+              </a:rPr>
+              <a:t>[“12”, “23”, “34”]</a:t>
+            </a:r>
+            <a:r>
+              <a:rPr lang="en-US" altLang="zh-TW" sz="2800"/>
+              <a:t>:</a:t>
+            </a:r>
+          </a:p>
+          <a:p>
+            <a:pPr marL="0" indent="0">
+              <a:buNone/>
+            </a:pPr>
+            <a:r>
+              <a:rPr lang="en-US" altLang="zh-TW" sz="2800"/>
+              <a:t>	</a:t>
+            </a:r>
+            <a:r>
+              <a:rPr lang="en-US" altLang="zh-TW" sz="2800">
+                <a:solidFill>
+                  <a:srgbClr val="FF0000"/>
+                </a:solidFill>
+              </a:rPr>
+              <a:t>print(elm, end=“.”)</a:t>
+            </a:r>
+          </a:p>
+          <a:p>
+            <a:pPr marL="0" indent="0">
+              <a:buNone/>
+            </a:pPr>
+            <a:endParaRPr lang="en-US" altLang="zh-TW" sz="2800">
+              <a:solidFill>
+                <a:srgbClr val="FF0000"/>
+              </a:solidFill>
+            </a:endParaRPr>
+          </a:p>
+          <a:p>
+            <a:pPr marL="0" indent="0">
+              <a:buNone/>
+            </a:pPr>
+            <a:r>
+              <a:rPr lang="zh-TW" altLang="en-US" sz="2800"/>
+              <a:t>輸出：</a:t>
+            </a:r>
+            <a:endParaRPr lang="en-US" altLang="zh-TW" sz="2800"/>
+          </a:p>
+          <a:p>
+            <a:pPr marL="0" indent="0">
+              <a:buNone/>
+            </a:pPr>
+            <a:r>
+              <a:rPr lang="en-US" altLang="zh-TW" sz="2800">
+                <a:solidFill>
+                  <a:srgbClr val="0070C0"/>
+                </a:solidFill>
+              </a:rPr>
+              <a:t>12.</a:t>
+            </a:r>
+          </a:p>
+        </p:txBody>
+      </p:sp>
+    </p:spTree>
+    <p:extLst>
+      <p:ext uri="{BB962C8B-B14F-4D97-AF65-F5344CB8AC3E}">
+        <p14:creationId xmlns:p14="http://schemas.microsoft.com/office/powerpoint/2010/main" val="4188539050"/>
+      </p:ext>
+    </p:extLst>
+  </p:cSld>
+  <p:clrMapOvr>
+    <a:masterClrMapping/>
+  </p:clrMapOvr>
+</p:sld>
+</file>
+
+<file path=ppt/slides/slide54.xml><?xml version="1.0" encoding="utf-8"?>
+<p:sld xmlns:a="http://schemas.openxmlformats.org/drawingml/2006/main" xmlns:r="http://schemas.openxmlformats.org/officeDocument/2006/relationships" xmlns:p="http://schemas.openxmlformats.org/presentationml/2006/main">
+  <p:cSld>
+    <p:spTree>
+      <p:nvGrpSpPr>
+        <p:cNvPr id="1" name=""/>
+        <p:cNvGrpSpPr/>
+        <p:nvPr/>
+      </p:nvGrpSpPr>
+      <p:grpSpPr>
+        <a:xfrm>
+          <a:off x="0" y="0"/>
+          <a:ext cx="0" cy="0"/>
+          <a:chOff x="0" y="0"/>
+          <a:chExt cx="0" cy="0"/>
+        </a:xfrm>
+      </p:grpSpPr>
+      <p:sp>
+        <p:nvSpPr>
+          <p:cNvPr id="2" name="標題 1">
+            <a:extLst>
+              <a:ext uri="{FF2B5EF4-FFF2-40B4-BE49-F238E27FC236}">
+                <a16:creationId xmlns:a16="http://schemas.microsoft.com/office/drawing/2014/main" id="{0E19F189-725C-49D8-85BE-205FC24458F3}"/>
+              </a:ext>
+            </a:extLst>
+          </p:cNvPr>
+          <p:cNvSpPr>
+            <a:spLocks noGrp="1"/>
+          </p:cNvSpPr>
+          <p:nvPr>
+            <p:ph type="title"/>
+          </p:nvPr>
+        </p:nvSpPr>
+        <p:spPr/>
+        <p:txBody>
+          <a:bodyPr/>
+          <a:lstStyle/>
+          <a:p>
+            <a:r>
+              <a:rPr lang="en-US" altLang="zh-TW"/>
+              <a:t>for </a:t>
+            </a:r>
+            <a:r>
+              <a:rPr lang="zh-TW" altLang="en-US"/>
+              <a:t>基本語法</a:t>
+            </a:r>
+          </a:p>
+        </p:txBody>
+      </p:sp>
+      <p:sp>
+        <p:nvSpPr>
+          <p:cNvPr id="3" name="內容版面配置區 2">
+            <a:extLst>
+              <a:ext uri="{FF2B5EF4-FFF2-40B4-BE49-F238E27FC236}">
+                <a16:creationId xmlns:a16="http://schemas.microsoft.com/office/drawing/2014/main" id="{CC451F0E-68A4-4C76-86EC-CCCCAA563157}"/>
+              </a:ext>
+            </a:extLst>
+          </p:cNvPr>
+          <p:cNvSpPr>
+            <a:spLocks noGrp="1"/>
+          </p:cNvSpPr>
+          <p:nvPr>
+            <p:ph idx="1"/>
+          </p:nvPr>
+        </p:nvSpPr>
+        <p:spPr/>
+        <p:txBody>
+          <a:bodyPr>
+            <a:normAutofit/>
+          </a:bodyPr>
+          <a:lstStyle/>
+          <a:p>
+            <a:pPr marL="0" indent="0">
+              <a:buNone/>
+            </a:pPr>
+            <a:endParaRPr lang="en-US" altLang="zh-TW" sz="2800"/>
+          </a:p>
+          <a:p>
+            <a:pPr marL="0" indent="0">
+              <a:buNone/>
+            </a:pPr>
+            <a:r>
+              <a:rPr lang="en-US" altLang="zh-TW" sz="2800"/>
+              <a:t>for </a:t>
+            </a:r>
+            <a:r>
+              <a:rPr lang="en-US" altLang="zh-TW" sz="2800">
+                <a:solidFill>
+                  <a:srgbClr val="FF0000"/>
+                </a:solidFill>
+              </a:rPr>
+              <a:t>elm</a:t>
+            </a:r>
+            <a:r>
+              <a:rPr lang="en-US" altLang="zh-TW" sz="2800"/>
+              <a:t> in </a:t>
+            </a:r>
+            <a:r>
+              <a:rPr lang="en-US" altLang="zh-TW" sz="2800">
+                <a:solidFill>
+                  <a:srgbClr val="FF0000"/>
+                </a:solidFill>
+              </a:rPr>
+              <a:t>[“12”, “23”, “34”]</a:t>
+            </a:r>
+            <a:r>
+              <a:rPr lang="en-US" altLang="zh-TW" sz="2800"/>
+              <a:t>:</a:t>
+            </a:r>
+          </a:p>
+          <a:p>
+            <a:pPr marL="0" indent="0">
+              <a:buNone/>
+            </a:pPr>
+            <a:r>
+              <a:rPr lang="en-US" altLang="zh-TW" sz="2800"/>
+              <a:t>	</a:t>
+            </a:r>
+            <a:r>
+              <a:rPr lang="en-US" altLang="zh-TW" sz="2800">
+                <a:solidFill>
+                  <a:srgbClr val="FF0000"/>
+                </a:solidFill>
+              </a:rPr>
+              <a:t>print(elm, end=“.”)</a:t>
+            </a:r>
+          </a:p>
+          <a:p>
+            <a:pPr marL="0" indent="0">
+              <a:buNone/>
+            </a:pPr>
+            <a:endParaRPr lang="en-US" altLang="zh-TW" sz="2800">
+              <a:solidFill>
+                <a:srgbClr val="FF0000"/>
+              </a:solidFill>
+            </a:endParaRPr>
+          </a:p>
+          <a:p>
+            <a:pPr marL="0" indent="0">
+              <a:buNone/>
+            </a:pPr>
+            <a:r>
+              <a:rPr lang="zh-TW" altLang="en-US" sz="2800"/>
+              <a:t>輸出：</a:t>
+            </a:r>
+            <a:endParaRPr lang="en-US" altLang="zh-TW" sz="2800"/>
+          </a:p>
+          <a:p>
+            <a:pPr marL="0" indent="0">
+              <a:buNone/>
+            </a:pPr>
+            <a:r>
+              <a:rPr lang="en-US" altLang="zh-TW" sz="2800"/>
+              <a:t>12.</a:t>
+            </a:r>
+            <a:r>
+              <a:rPr lang="en-US" altLang="zh-TW" sz="2800">
+                <a:solidFill>
+                  <a:srgbClr val="0070C0"/>
+                </a:solidFill>
+              </a:rPr>
+              <a:t>23.</a:t>
+            </a:r>
+          </a:p>
+        </p:txBody>
+      </p:sp>
+    </p:spTree>
+    <p:extLst>
+      <p:ext uri="{BB962C8B-B14F-4D97-AF65-F5344CB8AC3E}">
+        <p14:creationId xmlns:p14="http://schemas.microsoft.com/office/powerpoint/2010/main" val="1706977499"/>
+      </p:ext>
+    </p:extLst>
+  </p:cSld>
+  <p:clrMapOvr>
+    <a:masterClrMapping/>
+  </p:clrMapOvr>
+</p:sld>
+</file>
+
+<file path=ppt/slides/slide55.xml><?xml version="1.0" encoding="utf-8"?>
+<p:sld xmlns:a="http://schemas.openxmlformats.org/drawingml/2006/main" xmlns:r="http://schemas.openxmlformats.org/officeDocument/2006/relationships" xmlns:p="http://schemas.openxmlformats.org/presentationml/2006/main">
+  <p:cSld>
+    <p:spTree>
+      <p:nvGrpSpPr>
+        <p:cNvPr id="1" name=""/>
+        <p:cNvGrpSpPr/>
+        <p:nvPr/>
+      </p:nvGrpSpPr>
+      <p:grpSpPr>
+        <a:xfrm>
+          <a:off x="0" y="0"/>
+          <a:ext cx="0" cy="0"/>
+          <a:chOff x="0" y="0"/>
+          <a:chExt cx="0" cy="0"/>
+        </a:xfrm>
+      </p:grpSpPr>
+      <p:sp>
+        <p:nvSpPr>
+          <p:cNvPr id="2" name="標題 1">
+            <a:extLst>
+              <a:ext uri="{FF2B5EF4-FFF2-40B4-BE49-F238E27FC236}">
+                <a16:creationId xmlns:a16="http://schemas.microsoft.com/office/drawing/2014/main" id="{0E19F189-725C-49D8-85BE-205FC24458F3}"/>
+              </a:ext>
+            </a:extLst>
+          </p:cNvPr>
+          <p:cNvSpPr>
+            <a:spLocks noGrp="1"/>
+          </p:cNvSpPr>
+          <p:nvPr>
+            <p:ph type="title"/>
+          </p:nvPr>
+        </p:nvSpPr>
+        <p:spPr/>
+        <p:txBody>
+          <a:bodyPr/>
+          <a:lstStyle/>
+          <a:p>
+            <a:r>
+              <a:rPr lang="en-US" altLang="zh-TW"/>
+              <a:t>for </a:t>
+            </a:r>
+            <a:r>
+              <a:rPr lang="zh-TW" altLang="en-US"/>
+              <a:t>基本語法</a:t>
+            </a:r>
+          </a:p>
+        </p:txBody>
+      </p:sp>
+      <p:sp>
+        <p:nvSpPr>
+          <p:cNvPr id="3" name="內容版面配置區 2">
+            <a:extLst>
+              <a:ext uri="{FF2B5EF4-FFF2-40B4-BE49-F238E27FC236}">
+                <a16:creationId xmlns:a16="http://schemas.microsoft.com/office/drawing/2014/main" id="{CC451F0E-68A4-4C76-86EC-CCCCAA563157}"/>
+              </a:ext>
+            </a:extLst>
+          </p:cNvPr>
+          <p:cNvSpPr>
+            <a:spLocks noGrp="1"/>
+          </p:cNvSpPr>
+          <p:nvPr>
+            <p:ph idx="1"/>
+          </p:nvPr>
+        </p:nvSpPr>
+        <p:spPr/>
+        <p:txBody>
+          <a:bodyPr>
+            <a:normAutofit/>
+          </a:bodyPr>
+          <a:lstStyle/>
+          <a:p>
+            <a:pPr marL="0" indent="0">
+              <a:buNone/>
+            </a:pPr>
+            <a:endParaRPr lang="en-US" altLang="zh-TW" sz="2800"/>
+          </a:p>
+          <a:p>
+            <a:pPr marL="0" indent="0">
+              <a:buNone/>
+            </a:pPr>
+            <a:r>
+              <a:rPr lang="en-US" altLang="zh-TW" sz="2800"/>
+              <a:t>for </a:t>
+            </a:r>
+            <a:r>
+              <a:rPr lang="en-US" altLang="zh-TW" sz="2800">
+                <a:solidFill>
+                  <a:srgbClr val="FF0000"/>
+                </a:solidFill>
+              </a:rPr>
+              <a:t>elm</a:t>
+            </a:r>
+            <a:r>
+              <a:rPr lang="en-US" altLang="zh-TW" sz="2800"/>
+              <a:t> in </a:t>
+            </a:r>
+            <a:r>
+              <a:rPr lang="en-US" altLang="zh-TW" sz="2800">
+                <a:solidFill>
+                  <a:srgbClr val="FF0000"/>
+                </a:solidFill>
+              </a:rPr>
+              <a:t>[“12”, “23”, “34”]</a:t>
+            </a:r>
+            <a:r>
+              <a:rPr lang="en-US" altLang="zh-TW" sz="2800"/>
+              <a:t>:</a:t>
+            </a:r>
+          </a:p>
+          <a:p>
+            <a:pPr marL="0" indent="0">
+              <a:buNone/>
+            </a:pPr>
+            <a:r>
+              <a:rPr lang="en-US" altLang="zh-TW" sz="2800"/>
+              <a:t>	</a:t>
+            </a:r>
+            <a:r>
+              <a:rPr lang="en-US" altLang="zh-TW" sz="2800">
+                <a:solidFill>
+                  <a:srgbClr val="FF0000"/>
+                </a:solidFill>
+              </a:rPr>
+              <a:t>print(elm, end=“.”)</a:t>
+            </a:r>
+          </a:p>
+          <a:p>
+            <a:pPr marL="0" indent="0">
+              <a:buNone/>
+            </a:pPr>
+            <a:endParaRPr lang="en-US" altLang="zh-TW" sz="2800">
+              <a:solidFill>
+                <a:srgbClr val="FF0000"/>
+              </a:solidFill>
+            </a:endParaRPr>
+          </a:p>
+          <a:p>
+            <a:pPr marL="0" indent="0">
+              <a:buNone/>
+            </a:pPr>
+            <a:r>
+              <a:rPr lang="zh-TW" altLang="en-US" sz="2800"/>
+              <a:t>輸出：</a:t>
+            </a:r>
+            <a:endParaRPr lang="en-US" altLang="zh-TW" sz="2800"/>
+          </a:p>
+          <a:p>
+            <a:pPr marL="0" indent="0">
+              <a:buNone/>
+            </a:pPr>
+            <a:r>
+              <a:rPr lang="en-US" altLang="zh-TW" sz="2800"/>
+              <a:t>12.23.</a:t>
+            </a:r>
+            <a:r>
+              <a:rPr lang="en-US" altLang="zh-TW" sz="2800">
+                <a:solidFill>
+                  <a:srgbClr val="0070C0"/>
+                </a:solidFill>
+              </a:rPr>
+              <a:t>34.</a:t>
+            </a:r>
+          </a:p>
+        </p:txBody>
+      </p:sp>
+    </p:spTree>
+    <p:extLst>
+      <p:ext uri="{BB962C8B-B14F-4D97-AF65-F5344CB8AC3E}">
+        <p14:creationId xmlns:p14="http://schemas.microsoft.com/office/powerpoint/2010/main" val="3281765148"/>
+      </p:ext>
+    </p:extLst>
+  </p:cSld>
+  <p:clrMapOvr>
+    <a:masterClrMapping/>
+  </p:clrMapOvr>
+</p:sld>
+</file>
+
+<file path=ppt/slides/slide56.xml><?xml version="1.0" encoding="utf-8"?>
+<p:sld xmlns:a="http://schemas.openxmlformats.org/drawingml/2006/main" xmlns:r="http://schemas.openxmlformats.org/officeDocument/2006/relationships" xmlns:p="http://schemas.openxmlformats.org/presentationml/2006/main">
+  <p:cSld>
+    <p:spTree>
+      <p:nvGrpSpPr>
+        <p:cNvPr id="1" name=""/>
+        <p:cNvGrpSpPr/>
+        <p:nvPr/>
+      </p:nvGrpSpPr>
+      <p:grpSpPr>
+        <a:xfrm>
+          <a:off x="0" y="0"/>
+          <a:ext cx="0" cy="0"/>
+          <a:chOff x="0" y="0"/>
+          <a:chExt cx="0" cy="0"/>
+        </a:xfrm>
+      </p:grpSpPr>
+      <p:sp>
+        <p:nvSpPr>
+          <p:cNvPr id="2" name="標題 1">
+            <a:extLst>
+              <a:ext uri="{FF2B5EF4-FFF2-40B4-BE49-F238E27FC236}">
+                <a16:creationId xmlns:a16="http://schemas.microsoft.com/office/drawing/2014/main" id="{0E19F189-725C-49D8-85BE-205FC24458F3}"/>
+              </a:ext>
+            </a:extLst>
+          </p:cNvPr>
+          <p:cNvSpPr>
+            <a:spLocks noGrp="1"/>
+          </p:cNvSpPr>
+          <p:nvPr>
+            <p:ph type="title"/>
+          </p:nvPr>
+        </p:nvSpPr>
+        <p:spPr/>
+        <p:txBody>
+          <a:bodyPr/>
+          <a:lstStyle/>
+          <a:p>
+            <a:r>
+              <a:rPr lang="en-US" altLang="zh-TW"/>
+              <a:t>for </a:t>
+            </a:r>
+            <a:r>
+              <a:rPr lang="zh-TW" altLang="en-US"/>
+              <a:t>基本語法</a:t>
+            </a:r>
+          </a:p>
+        </p:txBody>
+      </p:sp>
+      <p:sp>
+        <p:nvSpPr>
+          <p:cNvPr id="3" name="內容版面配置區 2">
+            <a:extLst>
+              <a:ext uri="{FF2B5EF4-FFF2-40B4-BE49-F238E27FC236}">
+                <a16:creationId xmlns:a16="http://schemas.microsoft.com/office/drawing/2014/main" id="{CC451F0E-68A4-4C76-86EC-CCCCAA563157}"/>
+              </a:ext>
+            </a:extLst>
+          </p:cNvPr>
+          <p:cNvSpPr>
+            <a:spLocks noGrp="1"/>
+          </p:cNvSpPr>
+          <p:nvPr>
+            <p:ph idx="1"/>
+          </p:nvPr>
+        </p:nvSpPr>
+        <p:spPr/>
+        <p:txBody>
+          <a:bodyPr>
+            <a:normAutofit/>
+          </a:bodyPr>
+          <a:lstStyle/>
+          <a:p>
+            <a:pPr marL="0" indent="0">
+              <a:buNone/>
+            </a:pPr>
+            <a:endParaRPr lang="en-US" altLang="zh-TW" sz="2800"/>
+          </a:p>
+          <a:p>
+            <a:pPr marL="0" indent="0">
+              <a:buNone/>
+            </a:pPr>
+            <a:r>
+              <a:rPr lang="en-US" altLang="zh-TW" sz="2800"/>
+              <a:t>lst = [“1”, “2”, “3”, “4”]</a:t>
+            </a:r>
+          </a:p>
+          <a:p>
+            <a:pPr marL="0" indent="0">
+              <a:buNone/>
+            </a:pPr>
+            <a:r>
+              <a:rPr lang="en-US" altLang="zh-TW" sz="2800"/>
+              <a:t>for </a:t>
+            </a:r>
+            <a:r>
+              <a:rPr lang="en-US" altLang="zh-TW" sz="2800">
+                <a:solidFill>
+                  <a:srgbClr val="FF0000"/>
+                </a:solidFill>
+              </a:rPr>
+              <a:t>elm</a:t>
+            </a:r>
+            <a:r>
+              <a:rPr lang="en-US" altLang="zh-TW" sz="2800"/>
+              <a:t> in </a:t>
+            </a:r>
+            <a:r>
+              <a:rPr lang="en-US" altLang="zh-TW" sz="2800">
+                <a:solidFill>
+                  <a:srgbClr val="FF0000"/>
+                </a:solidFill>
+              </a:rPr>
+              <a:t>lst</a:t>
+            </a:r>
+            <a:r>
+              <a:rPr lang="en-US" altLang="zh-TW" sz="2800"/>
+              <a:t>:</a:t>
+            </a:r>
+          </a:p>
+          <a:p>
+            <a:pPr marL="0" indent="0">
+              <a:buNone/>
+            </a:pPr>
+            <a:r>
+              <a:rPr lang="en-US" altLang="zh-TW" sz="2800"/>
+              <a:t>	</a:t>
+            </a:r>
+            <a:r>
+              <a:rPr lang="en-US" altLang="zh-TW" sz="2800">
+                <a:solidFill>
+                  <a:srgbClr val="FF0000"/>
+                </a:solidFill>
+              </a:rPr>
+              <a:t>elm = int(elm)</a:t>
+            </a:r>
+          </a:p>
+          <a:p>
+            <a:pPr marL="0" indent="0">
+              <a:buNone/>
+            </a:pPr>
+            <a:endParaRPr lang="en-US" altLang="zh-TW" sz="2800">
+              <a:solidFill>
+                <a:srgbClr val="FF0000"/>
+              </a:solidFill>
+            </a:endParaRPr>
+          </a:p>
+          <a:p>
+            <a:pPr marL="0" indent="0">
+              <a:buNone/>
+            </a:pPr>
+            <a:r>
+              <a:rPr lang="en-US" altLang="zh-TW" sz="2800"/>
+              <a:t>lst </a:t>
+            </a:r>
+            <a:r>
+              <a:rPr lang="zh-TW" altLang="en-US" sz="2800"/>
+              <a:t>→ </a:t>
+            </a:r>
+            <a:r>
+              <a:rPr lang="en-US" altLang="zh-TW" sz="2800"/>
+              <a:t>[“1”, “2”, “3”, “4”]</a:t>
+            </a:r>
+            <a:endParaRPr lang="en-US" altLang="zh-TW" sz="2800">
+              <a:solidFill>
+                <a:srgbClr val="FF0000"/>
+              </a:solidFill>
+            </a:endParaRPr>
+          </a:p>
+        </p:txBody>
+      </p:sp>
+    </p:spTree>
+    <p:extLst>
+      <p:ext uri="{BB962C8B-B14F-4D97-AF65-F5344CB8AC3E}">
+        <p14:creationId xmlns:p14="http://schemas.microsoft.com/office/powerpoint/2010/main" val="6988592"/>
+      </p:ext>
+    </p:extLst>
+  </p:cSld>
+  <p:clrMapOvr>
+    <a:masterClrMapping/>
+  </p:clrMapOvr>
+</p:sld>
+</file>
+
+<file path=ppt/slides/slide57.xml><?xml version="1.0" encoding="utf-8"?>
+<p:sld xmlns:a="http://schemas.openxmlformats.org/drawingml/2006/main" xmlns:r="http://schemas.openxmlformats.org/officeDocument/2006/relationships" xmlns:p="http://schemas.openxmlformats.org/presentationml/2006/main">
+  <p:cSld>
+    <p:spTree>
+      <p:nvGrpSpPr>
+        <p:cNvPr id="1" name=""/>
+        <p:cNvGrpSpPr/>
+        <p:nvPr/>
+      </p:nvGrpSpPr>
+      <p:grpSpPr>
+        <a:xfrm>
+          <a:off x="0" y="0"/>
+          <a:ext cx="0" cy="0"/>
+          <a:chOff x="0" y="0"/>
+          <a:chExt cx="0" cy="0"/>
+        </a:xfrm>
+      </p:grpSpPr>
+      <p:sp>
+        <p:nvSpPr>
+          <p:cNvPr id="2" name="標題 1">
+            <a:extLst>
+              <a:ext uri="{FF2B5EF4-FFF2-40B4-BE49-F238E27FC236}">
+                <a16:creationId xmlns:a16="http://schemas.microsoft.com/office/drawing/2014/main" id="{0E19F189-725C-49D8-85BE-205FC24458F3}"/>
+              </a:ext>
+            </a:extLst>
+          </p:cNvPr>
+          <p:cNvSpPr>
+            <a:spLocks noGrp="1"/>
+          </p:cNvSpPr>
+          <p:nvPr>
+            <p:ph type="title"/>
+          </p:nvPr>
+        </p:nvSpPr>
+        <p:spPr/>
+        <p:txBody>
+          <a:bodyPr/>
+          <a:lstStyle/>
+          <a:p>
+            <a:r>
+              <a:rPr lang="en-US" altLang="zh-TW"/>
+              <a:t>for </a:t>
+            </a:r>
+            <a:r>
+              <a:rPr lang="zh-TW" altLang="en-US"/>
+              <a:t>基本語法</a:t>
+            </a:r>
+          </a:p>
+        </p:txBody>
+      </p:sp>
+      <p:sp>
+        <p:nvSpPr>
+          <p:cNvPr id="3" name="內容版面配置區 2">
+            <a:extLst>
+              <a:ext uri="{FF2B5EF4-FFF2-40B4-BE49-F238E27FC236}">
+                <a16:creationId xmlns:a16="http://schemas.microsoft.com/office/drawing/2014/main" id="{CC451F0E-68A4-4C76-86EC-CCCCAA563157}"/>
+              </a:ext>
+            </a:extLst>
+          </p:cNvPr>
+          <p:cNvSpPr>
+            <a:spLocks noGrp="1"/>
+          </p:cNvSpPr>
+          <p:nvPr>
+            <p:ph idx="1"/>
+          </p:nvPr>
+        </p:nvSpPr>
+        <p:spPr/>
+        <p:txBody>
+          <a:bodyPr>
+            <a:normAutofit/>
+          </a:bodyPr>
+          <a:lstStyle/>
+          <a:p>
+            <a:pPr marL="0" indent="0">
+              <a:buNone/>
+            </a:pPr>
+            <a:r>
+              <a:rPr lang="en-US" altLang="zh-TW" sz="2800">
+                <a:solidFill>
+                  <a:srgbClr val="FF0000"/>
+                </a:solidFill>
+              </a:rPr>
+              <a:t>result = []</a:t>
+            </a:r>
+          </a:p>
+          <a:p>
+            <a:pPr marL="0" indent="0">
+              <a:buNone/>
+            </a:pPr>
+            <a:r>
+              <a:rPr lang="en-US" altLang="zh-TW" sz="2800"/>
+              <a:t>lst = [“1”, “2”, “3”, “4”]</a:t>
+            </a:r>
+          </a:p>
+          <a:p>
+            <a:pPr marL="0" indent="0">
+              <a:buNone/>
+            </a:pPr>
+            <a:r>
+              <a:rPr lang="en-US" altLang="zh-TW" sz="2800"/>
+              <a:t>for </a:t>
+            </a:r>
+            <a:r>
+              <a:rPr lang="en-US" altLang="zh-TW" sz="2800">
+                <a:solidFill>
+                  <a:srgbClr val="FF0000"/>
+                </a:solidFill>
+              </a:rPr>
+              <a:t>elm</a:t>
+            </a:r>
+            <a:r>
+              <a:rPr lang="en-US" altLang="zh-TW" sz="2800"/>
+              <a:t> in </a:t>
+            </a:r>
+            <a:r>
+              <a:rPr lang="en-US" altLang="zh-TW" sz="2800">
+                <a:solidFill>
+                  <a:srgbClr val="FF0000"/>
+                </a:solidFill>
+              </a:rPr>
+              <a:t>lst</a:t>
+            </a:r>
+            <a:r>
+              <a:rPr lang="en-US" altLang="zh-TW" sz="2800"/>
+              <a:t>:</a:t>
+            </a:r>
+          </a:p>
+          <a:p>
+            <a:pPr marL="0" indent="0">
+              <a:buNone/>
+            </a:pPr>
+            <a:r>
+              <a:rPr lang="en-US" altLang="zh-TW" sz="2800"/>
+              <a:t>	</a:t>
+            </a:r>
+            <a:r>
+              <a:rPr lang="en-US" altLang="zh-TW" sz="2800">
+                <a:solidFill>
+                  <a:srgbClr val="FF0000"/>
+                </a:solidFill>
+              </a:rPr>
+              <a:t>result.append(int(elm))</a:t>
+            </a:r>
+          </a:p>
+          <a:p>
+            <a:pPr marL="0" indent="0">
+              <a:buNone/>
+            </a:pPr>
+            <a:endParaRPr lang="en-US" altLang="zh-TW" sz="2800">
+              <a:solidFill>
+                <a:srgbClr val="FF0000"/>
+              </a:solidFill>
+            </a:endParaRPr>
+          </a:p>
+          <a:p>
+            <a:pPr marL="0" indent="0">
+              <a:buNone/>
+            </a:pPr>
+            <a:r>
+              <a:rPr lang="en-US" altLang="zh-TW" sz="2800"/>
+              <a:t>lst </a:t>
+            </a:r>
+            <a:r>
+              <a:rPr lang="zh-TW" altLang="en-US" sz="2800"/>
+              <a:t>→ </a:t>
+            </a:r>
+            <a:r>
+              <a:rPr lang="en-US" altLang="zh-TW" sz="2800"/>
+              <a:t>[“1”, “2”, “3”, “4”]</a:t>
+            </a:r>
+          </a:p>
+          <a:p>
+            <a:pPr marL="0" indent="0">
+              <a:buNone/>
+            </a:pPr>
+            <a:r>
+              <a:rPr lang="en-US" altLang="zh-TW" sz="2800">
+                <a:solidFill>
+                  <a:srgbClr val="FF0000"/>
+                </a:solidFill>
+              </a:rPr>
+              <a:t>result </a:t>
+            </a:r>
+            <a:r>
+              <a:rPr lang="zh-TW" altLang="en-US" sz="2800">
+                <a:solidFill>
+                  <a:srgbClr val="FF0000"/>
+                </a:solidFill>
+              </a:rPr>
+              <a:t>→ </a:t>
+            </a:r>
+            <a:r>
+              <a:rPr lang="en-US" altLang="zh-TW" sz="2800">
+                <a:solidFill>
+                  <a:srgbClr val="FF0000"/>
+                </a:solidFill>
+              </a:rPr>
+              <a:t>[1, 2, 3, 4]</a:t>
+            </a:r>
+          </a:p>
+        </p:txBody>
+      </p:sp>
+    </p:spTree>
+    <p:extLst>
+      <p:ext uri="{BB962C8B-B14F-4D97-AF65-F5344CB8AC3E}">
+        <p14:creationId xmlns:p14="http://schemas.microsoft.com/office/powerpoint/2010/main" val="1640023585"/>
       </p:ext>
     </p:extLst>
   </p:cSld>

--- a/Class 4.pptx
+++ b/Class 4.pptx
@@ -364,7 +364,7 @@
           <a:p>
             <a:fld id="{5BBD40F8-868B-42D9-86AD-BC59E6FB5EF5}" type="datetimeFigureOut">
               <a:rPr lang="zh-TW" altLang="en-US" smtClean="0"/>
-              <a:t>2022/10/5</a:t>
+              <a:t>2022/10/6</a:t>
             </a:fld>
             <a:endParaRPr lang="zh-TW" altLang="en-US"/>
           </a:p>
@@ -592,7 +592,7 @@
           <a:p>
             <a:fld id="{5BBD40F8-868B-42D9-86AD-BC59E6FB5EF5}" type="datetimeFigureOut">
               <a:rPr lang="zh-TW" altLang="en-US" smtClean="0"/>
-              <a:t>2022/10/5</a:t>
+              <a:t>2022/10/6</a:t>
             </a:fld>
             <a:endParaRPr lang="zh-TW" altLang="en-US"/>
           </a:p>
@@ -772,7 +772,7 @@
           <a:p>
             <a:fld id="{5BBD40F8-868B-42D9-86AD-BC59E6FB5EF5}" type="datetimeFigureOut">
               <a:rPr lang="zh-TW" altLang="en-US" smtClean="0"/>
-              <a:t>2022/10/5</a:t>
+              <a:t>2022/10/6</a:t>
             </a:fld>
             <a:endParaRPr lang="zh-TW" altLang="en-US"/>
           </a:p>
@@ -942,7 +942,7 @@
           <a:p>
             <a:fld id="{5BBD40F8-868B-42D9-86AD-BC59E6FB5EF5}" type="datetimeFigureOut">
               <a:rPr lang="zh-TW" altLang="en-US" smtClean="0"/>
-              <a:t>2022/10/5</a:t>
+              <a:t>2022/10/6</a:t>
             </a:fld>
             <a:endParaRPr lang="zh-TW" altLang="en-US"/>
           </a:p>
@@ -1196,7 +1196,7 @@
           <a:p>
             <a:fld id="{5BBD40F8-868B-42D9-86AD-BC59E6FB5EF5}" type="datetimeFigureOut">
               <a:rPr lang="zh-TW" altLang="en-US" smtClean="0"/>
-              <a:t>2022/10/5</a:t>
+              <a:t>2022/10/6</a:t>
             </a:fld>
             <a:endParaRPr lang="zh-TW" altLang="en-US"/>
           </a:p>
@@ -1522,7 +1522,7 @@
           <a:p>
             <a:fld id="{5BBD40F8-868B-42D9-86AD-BC59E6FB5EF5}" type="datetimeFigureOut">
               <a:rPr lang="zh-TW" altLang="en-US" smtClean="0"/>
-              <a:t>2022/10/5</a:t>
+              <a:t>2022/10/6</a:t>
             </a:fld>
             <a:endParaRPr lang="zh-TW" altLang="en-US"/>
           </a:p>
@@ -1973,7 +1973,7 @@
           <a:p>
             <a:fld id="{5BBD40F8-868B-42D9-86AD-BC59E6FB5EF5}" type="datetimeFigureOut">
               <a:rPr lang="zh-TW" altLang="en-US" smtClean="0"/>
-              <a:t>2022/10/5</a:t>
+              <a:t>2022/10/6</a:t>
             </a:fld>
             <a:endParaRPr lang="zh-TW" altLang="en-US"/>
           </a:p>
@@ -2091,7 +2091,7 @@
           <a:p>
             <a:fld id="{5BBD40F8-868B-42D9-86AD-BC59E6FB5EF5}" type="datetimeFigureOut">
               <a:rPr lang="zh-TW" altLang="en-US" smtClean="0"/>
-              <a:t>2022/10/5</a:t>
+              <a:t>2022/10/6</a:t>
             </a:fld>
             <a:endParaRPr lang="zh-TW" altLang="en-US"/>
           </a:p>
@@ -2186,7 +2186,7 @@
           <a:p>
             <a:fld id="{5BBD40F8-868B-42D9-86AD-BC59E6FB5EF5}" type="datetimeFigureOut">
               <a:rPr lang="zh-TW" altLang="en-US" smtClean="0"/>
-              <a:t>2022/10/5</a:t>
+              <a:t>2022/10/6</a:t>
             </a:fld>
             <a:endParaRPr lang="zh-TW" altLang="en-US"/>
           </a:p>
@@ -2473,7 +2473,7 @@
           <a:p>
             <a:fld id="{5BBD40F8-868B-42D9-86AD-BC59E6FB5EF5}" type="datetimeFigureOut">
               <a:rPr lang="zh-TW" altLang="en-US" smtClean="0"/>
-              <a:t>2022/10/5</a:t>
+              <a:t>2022/10/6</a:t>
             </a:fld>
             <a:endParaRPr lang="zh-TW" altLang="en-US"/>
           </a:p>
@@ -2795,7 +2795,7 @@
           <a:p>
             <a:fld id="{5BBD40F8-868B-42D9-86AD-BC59E6FB5EF5}" type="datetimeFigureOut">
               <a:rPr lang="zh-TW" altLang="en-US" smtClean="0"/>
-              <a:t>2022/10/5</a:t>
+              <a:t>2022/10/6</a:t>
             </a:fld>
             <a:endParaRPr lang="zh-TW" altLang="en-US"/>
           </a:p>
@@ -3049,7 +3049,7 @@
           <a:p>
             <a:fld id="{5BBD40F8-868B-42D9-86AD-BC59E6FB5EF5}" type="datetimeFigureOut">
               <a:rPr lang="zh-TW" altLang="en-US" smtClean="0"/>
-              <a:t>2022/10/5</a:t>
+              <a:t>2022/10/6</a:t>
             </a:fld>
             <a:endParaRPr lang="zh-TW" altLang="en-US"/>
           </a:p>
@@ -8639,8 +8639,13 @@
           <a:p>
             <a:r>
               <a:rPr lang="zh-TW" altLang="en-US"/>
-              <a:t>注意</a:t>
-            </a:r>
+              <a:t>注意：字串 </a:t>
+            </a:r>
+            <a:r>
+              <a:rPr lang="en-US" altLang="zh-TW"/>
+              <a:t>immutable</a:t>
+            </a:r>
+            <a:endParaRPr lang="zh-TW" altLang="en-US"/>
           </a:p>
         </p:txBody>
       </p:sp>
@@ -10598,7 +10603,7 @@
             </a:pPr>
             <a:r>
               <a:rPr lang="en-US" altLang="zh-TW" sz="2800"/>
-              <a:t>lst[:2] </a:t>
+              <a:t>lst[1:3] </a:t>
             </a:r>
             <a:r>
               <a:rPr lang="zh-TW" altLang="en-US" sz="2800"/>
@@ -11325,7 +11330,12 @@
             <p:ph idx="1"/>
           </p:nvPr>
         </p:nvSpPr>
-        <p:spPr/>
+        <p:spPr>
+          <a:xfrm>
+            <a:off x="1261872" y="1828800"/>
+            <a:ext cx="8595360" cy="4351337"/>
+          </a:xfrm>
+        </p:spPr>
         <p:txBody>
           <a:bodyPr>
             <a:normAutofit/>
@@ -11335,7 +11345,7 @@
             <a:pPr marL="0" indent="0">
               <a:buNone/>
             </a:pPr>
-            <a:endParaRPr lang="en-US" altLang="zh-TW" sz="2800"/>
+            <a:endParaRPr lang="en-US" altLang="zh-TW" sz="2400"/>
           </a:p>
           <a:p>
             <a:pPr marL="0" indent="0">
@@ -11413,6 +11423,155 @@
             <a:r>
               <a:rPr lang="en-US" altLang="zh-TW" sz="2400"/>
               <a:t>6</a:t>
+            </a:r>
+          </a:p>
+          <a:p>
+            <a:pPr marL="0" indent="0">
+              <a:buNone/>
+            </a:pPr>
+            <a:endParaRPr lang="en-US" altLang="zh-TW" sz="2400"/>
+          </a:p>
+          <a:p>
+            <a:pPr marL="0" indent="0">
+              <a:buNone/>
+            </a:pPr>
+            <a:r>
+              <a:rPr lang="en-US" altLang="zh-TW" sz="2400"/>
+              <a:t>lst</a:t>
+            </a:r>
+            <a:r>
+              <a:rPr lang="zh-TW" altLang="en-US" sz="2400"/>
+              <a:t> </a:t>
+            </a:r>
+            <a:r>
+              <a:rPr lang="en-US" altLang="zh-TW" sz="2400"/>
+              <a:t>=</a:t>
+            </a:r>
+            <a:r>
+              <a:rPr lang="zh-TW" altLang="en-US" sz="2400"/>
+              <a:t> </a:t>
+            </a:r>
+            <a:r>
+              <a:rPr lang="en-US" altLang="zh-TW" sz="2400"/>
+              <a:t>[1, 1, 2, 3, 5, 8, </a:t>
+            </a:r>
+            <a:r>
+              <a:rPr lang="en-US" altLang="zh-TW" sz="2400">
+                <a:solidFill>
+                  <a:srgbClr val="FF0000"/>
+                </a:solidFill>
+              </a:rPr>
+              <a:t>[0, 0, 0]</a:t>
+            </a:r>
+            <a:r>
+              <a:rPr lang="en-US" altLang="zh-TW" sz="2400"/>
+              <a:t>]</a:t>
+            </a:r>
+          </a:p>
+          <a:p>
+            <a:pPr marL="0" indent="0">
+              <a:buNone/>
+            </a:pPr>
+            <a:r>
+              <a:rPr lang="en-US" altLang="zh-TW" sz="2400"/>
+              <a:t>l = len(lst) </a:t>
+            </a:r>
+            <a:r>
+              <a:rPr lang="zh-TW" altLang="en-US" sz="2400"/>
+              <a:t>→ </a:t>
+            </a:r>
+            <a:r>
+              <a:rPr lang="en-US" altLang="zh-TW" sz="2400"/>
+              <a:t>7</a:t>
+            </a:r>
+          </a:p>
+        </p:txBody>
+      </p:sp>
+      <p:sp>
+        <p:nvSpPr>
+          <p:cNvPr id="4" name="箭號: 向下 3">
+            <a:extLst>
+              <a:ext uri="{FF2B5EF4-FFF2-40B4-BE49-F238E27FC236}">
+                <a16:creationId xmlns:a16="http://schemas.microsoft.com/office/drawing/2014/main" id="{C7E5A4BB-DC2E-42E1-9F89-6BD414667741}"/>
+              </a:ext>
+            </a:extLst>
+          </p:cNvPr>
+          <p:cNvSpPr/>
+          <p:nvPr/>
+        </p:nvSpPr>
+        <p:spPr>
+          <a:xfrm rot="12792551">
+            <a:off x="6915729" y="4406415"/>
+            <a:ext cx="414867" cy="508000"/>
+          </a:xfrm>
+          <a:prstGeom prst="downArrow">
+            <a:avLst/>
+          </a:prstGeom>
+        </p:spPr>
+        <p:style>
+          <a:lnRef idx="2">
+            <a:schemeClr val="accent1">
+              <a:shade val="50000"/>
+            </a:schemeClr>
+          </a:lnRef>
+          <a:fillRef idx="1">
+            <a:schemeClr val="accent1"/>
+          </a:fillRef>
+          <a:effectRef idx="0">
+            <a:schemeClr val="accent1"/>
+          </a:effectRef>
+          <a:fontRef idx="minor">
+            <a:schemeClr val="lt1"/>
+          </a:fontRef>
+        </p:style>
+        <p:txBody>
+          <a:bodyPr rtlCol="0" anchor="ctr"/>
+          <a:lstStyle/>
+          <a:p>
+            <a:pPr algn="ctr"/>
+            <a:endParaRPr lang="zh-TW" altLang="en-US"/>
+          </a:p>
+        </p:txBody>
+      </p:sp>
+      <p:sp>
+        <p:nvSpPr>
+          <p:cNvPr id="5" name="文字方塊 4">
+            <a:extLst>
+              <a:ext uri="{FF2B5EF4-FFF2-40B4-BE49-F238E27FC236}">
+                <a16:creationId xmlns:a16="http://schemas.microsoft.com/office/drawing/2014/main" id="{33DF8B8D-1065-4C5F-A7D8-076967E09642}"/>
+              </a:ext>
+            </a:extLst>
+          </p:cNvPr>
+          <p:cNvSpPr txBox="1"/>
+          <p:nvPr/>
+        </p:nvSpPr>
+        <p:spPr>
+          <a:xfrm>
+            <a:off x="6190317" y="3733434"/>
+            <a:ext cx="3358612" cy="461665"/>
+          </a:xfrm>
+          <a:prstGeom prst="rect">
+            <a:avLst/>
+          </a:prstGeom>
+          <a:noFill/>
+        </p:spPr>
+        <p:txBody>
+          <a:bodyPr wrap="none" rtlCol="0">
+            <a:spAutoFit/>
+          </a:bodyPr>
+          <a:lstStyle/>
+          <a:p>
+            <a:r>
+              <a:rPr lang="zh-TW" altLang="en-US" sz="2400"/>
+              <a:t>整個 </a:t>
+            </a:r>
+            <a:r>
+              <a:rPr lang="en-US" altLang="zh-TW" sz="2400"/>
+              <a:t>list </a:t>
+            </a:r>
+            <a:r>
+              <a:rPr lang="zh-TW" altLang="en-US" sz="2400"/>
+              <a:t>是一個元素</a:t>
             </a:r>
           </a:p>
         </p:txBody>
@@ -14941,7 +15100,7 @@
             </a:r>
             <a:r>
               <a:rPr lang="zh-TW" altLang="en-US"/>
-              <a:t>迭帶</a:t>
+              <a:t>迭代</a:t>
             </a:r>
           </a:p>
         </p:txBody>
